--- a/TFM_Francisco_Rodriguez.pptx
+++ b/TFM_Francisco_Rodriguez.pptx
@@ -5,10 +5,10 @@
     <p:sldMasterId id="2147483660" r:id="rId1"/>
   </p:sldMasterIdLst>
   <p:notesMasterIdLst>
-    <p:notesMasterId r:id="rId48"/>
+    <p:notesMasterId r:id="rId47"/>
   </p:notesMasterIdLst>
   <p:handoutMasterIdLst>
-    <p:handoutMasterId r:id="rId49"/>
+    <p:handoutMasterId r:id="rId48"/>
   </p:handoutMasterIdLst>
   <p:sldIdLst>
     <p:sldId id="256" r:id="rId2"/>
@@ -25,7 +25,7 @@
     <p:sldId id="283" r:id="rId13"/>
     <p:sldId id="302" r:id="rId14"/>
     <p:sldId id="287" r:id="rId15"/>
-    <p:sldId id="309" r:id="rId16"/>
+    <p:sldId id="288" r:id="rId16"/>
     <p:sldId id="272" r:id="rId17"/>
     <p:sldId id="310" r:id="rId18"/>
     <p:sldId id="292" r:id="rId19"/>
@@ -49,14 +49,13 @@
     <p:sldId id="285" r:id="rId37"/>
     <p:sldId id="296" r:id="rId38"/>
     <p:sldId id="301" r:id="rId39"/>
-    <p:sldId id="288" r:id="rId40"/>
-    <p:sldId id="289" r:id="rId41"/>
-    <p:sldId id="290" r:id="rId42"/>
-    <p:sldId id="291" r:id="rId43"/>
-    <p:sldId id="295" r:id="rId44"/>
-    <p:sldId id="308" r:id="rId45"/>
-    <p:sldId id="294" r:id="rId46"/>
-    <p:sldId id="299" r:id="rId47"/>
+    <p:sldId id="289" r:id="rId40"/>
+    <p:sldId id="290" r:id="rId41"/>
+    <p:sldId id="291" r:id="rId42"/>
+    <p:sldId id="295" r:id="rId43"/>
+    <p:sldId id="308" r:id="rId44"/>
+    <p:sldId id="294" r:id="rId45"/>
+    <p:sldId id="299" r:id="rId46"/>
   </p:sldIdLst>
   <p:sldSz cx="12192000" cy="6858000"/>
   <p:notesSz cx="6858000" cy="9144000"/>
@@ -290,7 +289,7 @@
           <a:p>
             <a:fld id="{E01746FB-99A3-4E74-B466-02D768A2850C}" type="datetimeFigureOut">
               <a:rPr lang="es-ES" smtClean="0"/>
-              <a:t>26/06/2019</a:t>
+              <a:t>27/06/2019</a:t>
             </a:fld>
             <a:endParaRPr lang="es-ES"/>
           </a:p>
@@ -467,7 +466,7 @@
           <a:p>
             <a:fld id="{EA6B01D0-CF01-4366-A8E3-2BEB399DF92F}" type="datetimeFigureOut">
               <a:rPr lang="es-ES" smtClean="0"/>
-              <a:t>26/06/2019</a:t>
+              <a:t>27/06/2019</a:t>
             </a:fld>
             <a:endParaRPr lang="es-ES"/>
           </a:p>
@@ -1030,6 +1029,80 @@
           <a:bodyPr/>
           <a:lstStyle/>
           <a:p>
+            <a:r>
+              <a:rPr lang="es-ES" dirty="0"/>
+              <a:t>'</a:t>
+            </a:r>
+            <a:r>
+              <a:rPr lang="es-ES" dirty="0" err="1"/>
+              <a:t>source</a:t>
+            </a:r>
+            <a:r>
+              <a:rPr lang="es-ES" dirty="0"/>
+              <a:t>', 'respuesta', '</a:t>
+            </a:r>
+            <a:r>
+              <a:rPr lang="es-ES" dirty="0" err="1"/>
+              <a:t>respuesta_screen_name</a:t>
+            </a:r>
+            <a:r>
+              <a:rPr lang="es-ES" dirty="0"/>
+              <a:t>',</a:t>
+            </a:r>
+          </a:p>
+          <a:p>
+            <a:r>
+              <a:rPr lang="es-ES" dirty="0"/>
+              <a:t>          '</a:t>
+            </a:r>
+            <a:r>
+              <a:rPr lang="es-ES" dirty="0" err="1"/>
+              <a:t>hastag_presence</a:t>
+            </a:r>
+            <a:r>
+              <a:rPr lang="es-ES" dirty="0"/>
+              <a:t>', '</a:t>
+            </a:r>
+            <a:r>
+              <a:rPr lang="es-ES" dirty="0" err="1"/>
+              <a:t>url_presence</a:t>
+            </a:r>
+            <a:r>
+              <a:rPr lang="es-ES" dirty="0"/>
+              <a:t>',</a:t>
+            </a:r>
+          </a:p>
+          <a:p>
+            <a:r>
+              <a:rPr lang="es-ES" dirty="0"/>
+              <a:t>          '</a:t>
+            </a:r>
+            <a:r>
+              <a:rPr lang="es-ES" dirty="0" err="1"/>
+              <a:t>media_type</a:t>
+            </a:r>
+            <a:r>
+              <a:rPr lang="es-ES" dirty="0"/>
+              <a:t>', '</a:t>
+            </a:r>
+            <a:r>
+              <a:rPr lang="es-ES" dirty="0" err="1"/>
+              <a:t>mentions_presence</a:t>
+            </a:r>
+            <a:r>
+              <a:rPr lang="es-ES" dirty="0"/>
+              <a:t>', '</a:t>
+            </a:r>
+            <a:r>
+              <a:rPr lang="es-ES" dirty="0" err="1"/>
+              <a:t>verified</a:t>
+            </a:r>
+            <a:r>
+              <a:rPr lang="es-ES" dirty="0"/>
+              <a:t>'</a:t>
+            </a:r>
+          </a:p>
+          <a:p>
             <a:endParaRPr lang="es-ES" dirty="0"/>
           </a:p>
         </p:txBody>
@@ -1114,6 +1187,80 @@
           <a:bodyPr/>
           <a:lstStyle/>
           <a:p>
+            <a:r>
+              <a:rPr lang="es-ES" dirty="0"/>
+              <a:t>'</a:t>
+            </a:r>
+            <a:r>
+              <a:rPr lang="es-ES" dirty="0" err="1"/>
+              <a:t>source</a:t>
+            </a:r>
+            <a:r>
+              <a:rPr lang="es-ES" dirty="0"/>
+              <a:t>', 'respuesta', '</a:t>
+            </a:r>
+            <a:r>
+              <a:rPr lang="es-ES" dirty="0" err="1"/>
+              <a:t>respuesta_screen_name</a:t>
+            </a:r>
+            <a:r>
+              <a:rPr lang="es-ES" dirty="0"/>
+              <a:t>',</a:t>
+            </a:r>
+          </a:p>
+          <a:p>
+            <a:r>
+              <a:rPr lang="es-ES" dirty="0"/>
+              <a:t>          '</a:t>
+            </a:r>
+            <a:r>
+              <a:rPr lang="es-ES" dirty="0" err="1"/>
+              <a:t>hastag_presence</a:t>
+            </a:r>
+            <a:r>
+              <a:rPr lang="es-ES" dirty="0"/>
+              <a:t>', '</a:t>
+            </a:r>
+            <a:r>
+              <a:rPr lang="es-ES" dirty="0" err="1"/>
+              <a:t>url_presence</a:t>
+            </a:r>
+            <a:r>
+              <a:rPr lang="es-ES" dirty="0"/>
+              <a:t>',</a:t>
+            </a:r>
+          </a:p>
+          <a:p>
+            <a:r>
+              <a:rPr lang="es-ES" dirty="0"/>
+              <a:t>          '</a:t>
+            </a:r>
+            <a:r>
+              <a:rPr lang="es-ES" dirty="0" err="1"/>
+              <a:t>media_type</a:t>
+            </a:r>
+            <a:r>
+              <a:rPr lang="es-ES" dirty="0"/>
+              <a:t>', '</a:t>
+            </a:r>
+            <a:r>
+              <a:rPr lang="es-ES" dirty="0" err="1"/>
+              <a:t>mentions_presence</a:t>
+            </a:r>
+            <a:r>
+              <a:rPr lang="es-ES" dirty="0"/>
+              <a:t>', '</a:t>
+            </a:r>
+            <a:r>
+              <a:rPr lang="es-ES" dirty="0" err="1"/>
+              <a:t>verified</a:t>
+            </a:r>
+            <a:r>
+              <a:rPr lang="es-ES" dirty="0"/>
+              <a:t>'</a:t>
+            </a:r>
+          </a:p>
+          <a:p>
             <a:endParaRPr lang="es-ES" dirty="0"/>
           </a:p>
         </p:txBody>
@@ -1371,7 +1518,7 @@
           <a:p>
             <a:fld id="{9CC4F916-C55E-435E-91D7-7447FBD0CD84}" type="slidenum">
               <a:rPr lang="es-ES" smtClean="0"/>
-              <a:t>43</a:t>
+              <a:t>42</a:t>
             </a:fld>
             <a:endParaRPr lang="es-ES"/>
           </a:p>
@@ -1526,7 +1673,7 @@
           <a:p>
             <a:fld id="{9CC4F916-C55E-435E-91D7-7447FBD0CD84}" type="slidenum">
               <a:rPr lang="es-ES" smtClean="0"/>
-              <a:t>45</a:t>
+              <a:t>44</a:t>
             </a:fld>
             <a:endParaRPr lang="es-ES"/>
           </a:p>
@@ -1610,7 +1757,7 @@
           <a:p>
             <a:fld id="{9CC4F916-C55E-435E-91D7-7447FBD0CD84}" type="slidenum">
               <a:rPr lang="es-ES" smtClean="0"/>
-              <a:t>46</a:t>
+              <a:t>45</a:t>
             </a:fld>
             <a:endParaRPr lang="es-ES"/>
           </a:p>
@@ -5737,13 +5884,13 @@
               <a:buChar char="§"/>
             </a:pPr>
             <a:r>
-              <a:rPr lang="es-ES" altLang="es-ES" sz="2600" dirty="0">
-                <a:solidFill>
-                  <a:srgbClr val="006666"/>
-                </a:solidFill>
-                <a:latin typeface="Fontana ND Cc OsF Semibold" pitchFamily="2" charset="0"/>
-              </a:rPr>
-              <a:t>3600 mensajes etiquetados por tres anotadores.</a:t>
+              <a:rPr lang="es-ES" altLang="es-ES" sz="2000" dirty="0">
+                <a:solidFill>
+                  <a:srgbClr val="006666"/>
+                </a:solidFill>
+                <a:latin typeface="Fontana ND Cc OsF Semibold" pitchFamily="2" charset="0"/>
+              </a:rPr>
+              <a:t>3600 mensajes etiquetados por tres anotadores preparados con una guía desarrollada para la tarea.</a:t>
             </a:r>
           </a:p>
           <a:p>
@@ -6629,6 +6776,36 @@
           </a:graphicData>
         </a:graphic>
       </p:graphicFrame>
+      <p:pic>
+        <p:nvPicPr>
+          <p:cNvPr id="4" name="Imagen 3">
+            <a:extLst>
+              <a:ext uri="{FF2B5EF4-FFF2-40B4-BE49-F238E27FC236}">
+                <a16:creationId xmlns:a16="http://schemas.microsoft.com/office/drawing/2014/main" id="{56D0A694-E405-4153-9B2E-52720C2150A8}"/>
+              </a:ext>
+            </a:extLst>
+          </p:cNvPr>
+          <p:cNvPicPr>
+            <a:picLocks noChangeAspect="1"/>
+          </p:cNvPicPr>
+          <p:nvPr/>
+        </p:nvPicPr>
+        <p:blipFill>
+          <a:blip r:embed="rId4"/>
+          <a:stretch>
+            <a:fillRect/>
+          </a:stretch>
+        </p:blipFill>
+        <p:spPr>
+          <a:xfrm>
+            <a:off x="6279567" y="2179751"/>
+            <a:ext cx="5526828" cy="3716552"/>
+          </a:xfrm>
+          <a:prstGeom prst="rect">
+            <a:avLst/>
+          </a:prstGeom>
+        </p:spPr>
+      </p:pic>
     </p:spTree>
     <p:extLst>
       <p:ext uri="{BB962C8B-B14F-4D97-AF65-F5344CB8AC3E}">
@@ -7132,35 +7309,10 @@
       </p:grpSpPr>
       <p:sp>
         <p:nvSpPr>
-          <p:cNvPr id="2" name="Título 1">
-            <a:extLst>
-              <a:ext uri="{FF2B5EF4-FFF2-40B4-BE49-F238E27FC236}">
-                <a16:creationId xmlns:a16="http://schemas.microsoft.com/office/drawing/2014/main" id="{83111261-9B8C-4E46-BDF2-89DB7FAA6842}"/>
-              </a:ext>
-            </a:extLst>
-          </p:cNvPr>
-          <p:cNvSpPr>
-            <a:spLocks noGrp="1"/>
-          </p:cNvSpPr>
-          <p:nvPr>
-            <p:ph type="title"/>
-          </p:nvPr>
-        </p:nvSpPr>
-        <p:spPr/>
-        <p:txBody>
-          <a:bodyPr/>
-          <a:lstStyle/>
-          <a:p>
-            <a:endParaRPr lang="es-ES"/>
-          </a:p>
-        </p:txBody>
-      </p:sp>
-      <p:sp>
-        <p:nvSpPr>
           <p:cNvPr id="3" name="Marcador de contenido 2">
             <a:extLst>
               <a:ext uri="{FF2B5EF4-FFF2-40B4-BE49-F238E27FC236}">
-                <a16:creationId xmlns:a16="http://schemas.microsoft.com/office/drawing/2014/main" id="{AF87B29B-7937-4974-97B8-F0CCD4D69908}"/>
+                <a16:creationId xmlns:a16="http://schemas.microsoft.com/office/drawing/2014/main" id="{A42D3FC0-85A0-4718-B1BB-4C49537E99F9}"/>
               </a:ext>
             </a:extLst>
           </p:cNvPr>
@@ -7171,19 +7323,706 @@
             <p:ph idx="1"/>
           </p:nvPr>
         </p:nvSpPr>
-        <p:spPr/>
+        <p:spPr>
+          <a:xfrm>
+            <a:off x="609600" y="1229738"/>
+            <a:ext cx="4431543" cy="4525963"/>
+          </a:xfrm>
+        </p:spPr>
         <p:txBody>
           <a:bodyPr/>
           <a:lstStyle/>
           <a:p>
+            <a:pPr algn="just">
+              <a:lnSpc>
+                <a:spcPct val="150000"/>
+              </a:lnSpc>
+              <a:buFont typeface="Wingdings" panose="05000000000000000000" pitchFamily="2" charset="2"/>
+              <a:buChar char="§"/>
+            </a:pPr>
+            <a:r>
+              <a:rPr lang="es-ES" altLang="es-ES" sz="2000" dirty="0">
+                <a:solidFill>
+                  <a:srgbClr val="006666"/>
+                </a:solidFill>
+                <a:latin typeface="Fontana ND Cc OsF Semibold" pitchFamily="2" charset="0"/>
+              </a:rPr>
+              <a:t>Reemplazo de </a:t>
+            </a:r>
+            <a:r>
+              <a:rPr lang="es-ES" altLang="es-ES" sz="2000" dirty="0" err="1">
+                <a:solidFill>
+                  <a:srgbClr val="006666"/>
+                </a:solidFill>
+                <a:latin typeface="Fontana ND Cc OsF Semibold" pitchFamily="2" charset="0"/>
+              </a:rPr>
+              <a:t>emojis</a:t>
+            </a:r>
+            <a:r>
+              <a:rPr lang="es-ES" altLang="es-ES" sz="2000" dirty="0">
+                <a:solidFill>
+                  <a:srgbClr val="006666"/>
+                </a:solidFill>
+                <a:latin typeface="Fontana ND Cc OsF Semibold" pitchFamily="2" charset="0"/>
+              </a:rPr>
+              <a:t>.</a:t>
+            </a:r>
+          </a:p>
+          <a:p>
+            <a:pPr algn="just">
+              <a:lnSpc>
+                <a:spcPct val="150000"/>
+              </a:lnSpc>
+              <a:buFont typeface="Wingdings" panose="05000000000000000000" pitchFamily="2" charset="2"/>
+              <a:buChar char="§"/>
+            </a:pPr>
+            <a:r>
+              <a:rPr lang="es-ES" altLang="es-ES" sz="2000" dirty="0">
+                <a:solidFill>
+                  <a:srgbClr val="006666"/>
+                </a:solidFill>
+                <a:latin typeface="Fontana ND Cc OsF Semibold" pitchFamily="2" charset="0"/>
+              </a:rPr>
+              <a:t>Filtrado de </a:t>
+            </a:r>
+            <a:r>
+              <a:rPr lang="es-ES" altLang="es-ES" sz="2000" dirty="0" err="1">
+                <a:solidFill>
+                  <a:srgbClr val="006666"/>
+                </a:solidFill>
+                <a:latin typeface="Fontana ND Cc OsF Semibold" pitchFamily="2" charset="0"/>
+              </a:rPr>
+              <a:t>URLs</a:t>
+            </a:r>
+            <a:r>
+              <a:rPr lang="es-ES" altLang="es-ES" sz="2000" dirty="0">
+                <a:solidFill>
+                  <a:srgbClr val="006666"/>
+                </a:solidFill>
+                <a:latin typeface="Fontana ND Cc OsF Semibold" pitchFamily="2" charset="0"/>
+              </a:rPr>
+              <a:t>.</a:t>
+            </a:r>
+          </a:p>
+          <a:p>
+            <a:pPr algn="just">
+              <a:lnSpc>
+                <a:spcPct val="150000"/>
+              </a:lnSpc>
+              <a:buFont typeface="Wingdings" panose="05000000000000000000" pitchFamily="2" charset="2"/>
+              <a:buChar char="§"/>
+            </a:pPr>
+            <a:r>
+              <a:rPr lang="es-ES" altLang="es-ES" sz="2000" dirty="0">
+                <a:solidFill>
+                  <a:srgbClr val="006666"/>
+                </a:solidFill>
+                <a:latin typeface="Fontana ND Cc OsF Semibold" pitchFamily="2" charset="0"/>
+              </a:rPr>
+              <a:t>Filtrado de usuarios.</a:t>
+            </a:r>
+          </a:p>
+          <a:p>
+            <a:pPr algn="just">
+              <a:lnSpc>
+                <a:spcPct val="150000"/>
+              </a:lnSpc>
+              <a:buFont typeface="Wingdings" panose="05000000000000000000" pitchFamily="2" charset="2"/>
+              <a:buChar char="§"/>
+            </a:pPr>
+            <a:r>
+              <a:rPr lang="es-ES" altLang="es-ES" sz="2000" dirty="0">
+                <a:solidFill>
+                  <a:srgbClr val="006666"/>
+                </a:solidFill>
+                <a:latin typeface="Fontana ND Cc OsF Semibold" pitchFamily="2" charset="0"/>
+              </a:rPr>
+              <a:t>Conversor </a:t>
+            </a:r>
+            <a:r>
+              <a:rPr lang="es-ES" altLang="es-ES" sz="2000" dirty="0" err="1">
+                <a:solidFill>
+                  <a:srgbClr val="006666"/>
+                </a:solidFill>
+                <a:latin typeface="Fontana ND Cc OsF Semibold" pitchFamily="2" charset="0"/>
+              </a:rPr>
+              <a:t>hastgas</a:t>
+            </a:r>
+            <a:r>
+              <a:rPr lang="es-ES" altLang="es-ES" sz="2000" dirty="0">
+                <a:solidFill>
+                  <a:srgbClr val="006666"/>
+                </a:solidFill>
+                <a:latin typeface="Fontana ND Cc OsF Semibold" pitchFamily="2" charset="0"/>
+              </a:rPr>
+              <a:t>: #</a:t>
+            </a:r>
+            <a:r>
+              <a:rPr lang="es-ES" altLang="es-ES" sz="2000" dirty="0" err="1">
+                <a:solidFill>
+                  <a:srgbClr val="006666"/>
+                </a:solidFill>
+                <a:latin typeface="Fontana ND Cc OsF Semibold" pitchFamily="2" charset="0"/>
+              </a:rPr>
+              <a:t>FelizDía</a:t>
+            </a:r>
+            <a:r>
+              <a:rPr lang="es-ES" altLang="es-ES" sz="2000" dirty="0">
+                <a:solidFill>
+                  <a:srgbClr val="006666"/>
+                </a:solidFill>
+                <a:latin typeface="Fontana ND Cc OsF Semibold" pitchFamily="2" charset="0"/>
+              </a:rPr>
+              <a:t> </a:t>
+            </a:r>
+            <a:r>
+              <a:rPr lang="es-ES" altLang="es-ES" sz="2000" dirty="0">
+                <a:solidFill>
+                  <a:srgbClr val="006666"/>
+                </a:solidFill>
+                <a:latin typeface="Fontana ND Cc OsF Semibold" pitchFamily="2" charset="0"/>
+                <a:sym typeface="Wingdings" panose="05000000000000000000" pitchFamily="2" charset="2"/>
+              </a:rPr>
+              <a:t> Feliz Día</a:t>
+            </a:r>
+          </a:p>
+          <a:p>
+            <a:pPr algn="just">
+              <a:lnSpc>
+                <a:spcPct val="150000"/>
+              </a:lnSpc>
+              <a:buFont typeface="Wingdings" panose="05000000000000000000" pitchFamily="2" charset="2"/>
+              <a:buChar char="§"/>
+            </a:pPr>
+            <a:r>
+              <a:rPr lang="es-ES" altLang="es-ES" sz="2000" dirty="0">
+                <a:solidFill>
+                  <a:srgbClr val="006666"/>
+                </a:solidFill>
+                <a:latin typeface="Fontana ND Cc OsF Semibold" pitchFamily="2" charset="0"/>
+                <a:sym typeface="Wingdings" panose="05000000000000000000" pitchFamily="2" charset="2"/>
+              </a:rPr>
+              <a:t>Convertidor a minúsculas</a:t>
+            </a:r>
+          </a:p>
+          <a:p>
+            <a:pPr algn="just">
+              <a:lnSpc>
+                <a:spcPct val="150000"/>
+              </a:lnSpc>
+              <a:buFont typeface="Wingdings" panose="05000000000000000000" pitchFamily="2" charset="2"/>
+              <a:buChar char="§"/>
+            </a:pPr>
+            <a:r>
+              <a:rPr lang="es-ES" altLang="es-ES" sz="2000" dirty="0">
+                <a:solidFill>
+                  <a:srgbClr val="006666"/>
+                </a:solidFill>
+                <a:latin typeface="Fontana ND Cc OsF Semibold" pitchFamily="2" charset="0"/>
+                <a:sym typeface="Wingdings" panose="05000000000000000000" pitchFamily="2" charset="2"/>
+              </a:rPr>
+              <a:t>Reemplazo de interrogaciones, exclamaciones y signos de puntuación.</a:t>
+            </a:r>
+          </a:p>
+          <a:p>
+            <a:pPr algn="just">
+              <a:lnSpc>
+                <a:spcPct val="150000"/>
+              </a:lnSpc>
+              <a:buFont typeface="Wingdings" panose="05000000000000000000" pitchFamily="2" charset="2"/>
+              <a:buChar char="§"/>
+            </a:pPr>
+            <a:r>
+              <a:rPr lang="es-ES" altLang="es-ES" sz="2000" i="1" dirty="0" err="1">
+                <a:solidFill>
+                  <a:srgbClr val="006666"/>
+                </a:solidFill>
+                <a:latin typeface="Fontana ND Cc OsF Semibold" pitchFamily="2" charset="0"/>
+                <a:sym typeface="Wingdings" panose="05000000000000000000" pitchFamily="2" charset="2"/>
+              </a:rPr>
+              <a:t>TweetTokenizer</a:t>
+            </a:r>
+            <a:r>
+              <a:rPr lang="es-ES" altLang="es-ES" sz="2000" i="1" dirty="0">
+                <a:solidFill>
+                  <a:srgbClr val="006666"/>
+                </a:solidFill>
+                <a:latin typeface="Fontana ND Cc OsF Semibold" pitchFamily="2" charset="0"/>
+                <a:sym typeface="Wingdings" panose="05000000000000000000" pitchFamily="2" charset="2"/>
+              </a:rPr>
+              <a:t>  </a:t>
+            </a:r>
+            <a:r>
+              <a:rPr lang="es-ES" altLang="es-ES" sz="2000" i="1" dirty="0" err="1">
+                <a:solidFill>
+                  <a:srgbClr val="006666"/>
+                </a:solidFill>
+                <a:latin typeface="Fontana ND Cc OsF Semibold" pitchFamily="2" charset="0"/>
+                <a:sym typeface="Wingdings" panose="05000000000000000000" pitchFamily="2" charset="2"/>
+              </a:rPr>
+              <a:t>Stopwords</a:t>
+            </a:r>
+            <a:r>
+              <a:rPr lang="es-ES" altLang="es-ES" sz="2000" i="1" dirty="0">
+                <a:solidFill>
+                  <a:srgbClr val="006666"/>
+                </a:solidFill>
+                <a:latin typeface="Fontana ND Cc OsF Semibold" pitchFamily="2" charset="0"/>
+                <a:sym typeface="Wingdings" panose="05000000000000000000" pitchFamily="2" charset="2"/>
+              </a:rPr>
+              <a:t>, normalización y </a:t>
+            </a:r>
+            <a:r>
+              <a:rPr lang="es-ES" altLang="es-ES" sz="2000" i="1" dirty="0" err="1">
+                <a:solidFill>
+                  <a:srgbClr val="006666"/>
+                </a:solidFill>
+                <a:latin typeface="Fontana ND Cc OsF Semibold" pitchFamily="2" charset="0"/>
+                <a:sym typeface="Wingdings" panose="05000000000000000000" pitchFamily="2" charset="2"/>
+              </a:rPr>
+              <a:t>stemming</a:t>
+            </a:r>
+            <a:r>
+              <a:rPr lang="es-ES" altLang="es-ES" sz="2000" i="1" dirty="0">
+                <a:solidFill>
+                  <a:srgbClr val="006666"/>
+                </a:solidFill>
+                <a:latin typeface="Fontana ND Cc OsF Semibold" pitchFamily="2" charset="0"/>
+                <a:sym typeface="Wingdings" panose="05000000000000000000" pitchFamily="2" charset="2"/>
+              </a:rPr>
+              <a:t>.</a:t>
+            </a:r>
+            <a:endParaRPr lang="es-ES" altLang="es-ES" sz="2000" i="1" dirty="0">
+              <a:solidFill>
+                <a:srgbClr val="006666"/>
+              </a:solidFill>
+              <a:latin typeface="Fontana ND Cc OsF Semibold" pitchFamily="2" charset="0"/>
+            </a:endParaRPr>
+          </a:p>
+          <a:p>
+            <a:endParaRPr lang="es-ES" altLang="es-ES" sz="2800" dirty="0">
+              <a:solidFill>
+                <a:srgbClr val="006666"/>
+              </a:solidFill>
+              <a:latin typeface="Fontana ND Cc OsF Semibold" pitchFamily="2" charset="0"/>
+            </a:endParaRPr>
+          </a:p>
+          <a:p>
+            <a:endParaRPr lang="es-ES" dirty="0"/>
+          </a:p>
+          <a:p>
+            <a:endParaRPr lang="es-ES" dirty="0"/>
+          </a:p>
+        </p:txBody>
+      </p:sp>
+      <p:sp>
+        <p:nvSpPr>
+          <p:cNvPr id="6" name="Título 1">
+            <a:extLst>
+              <a:ext uri="{FF2B5EF4-FFF2-40B4-BE49-F238E27FC236}">
+                <a16:creationId xmlns:a16="http://schemas.microsoft.com/office/drawing/2014/main" id="{DB0DE630-7CF7-46C4-8222-947DA412E655}"/>
+              </a:ext>
+            </a:extLst>
+          </p:cNvPr>
+          <p:cNvSpPr txBox="1">
+            <a:spLocks/>
+          </p:cNvSpPr>
+          <p:nvPr/>
+        </p:nvSpPr>
+        <p:spPr>
+          <a:xfrm>
+            <a:off x="609600" y="566875"/>
+            <a:ext cx="10972800" cy="1143000"/>
+          </a:xfrm>
+          <a:prstGeom prst="rect">
+            <a:avLst/>
+          </a:prstGeom>
+        </p:spPr>
+        <p:txBody>
+          <a:bodyPr/>
+          <a:lstStyle>
+            <a:lvl1pPr algn="ctr" rtl="0" eaLnBrk="1" fontAlgn="base" hangingPunct="1">
+              <a:spcBef>
+                <a:spcPct val="0"/>
+              </a:spcBef>
+              <a:spcAft>
+                <a:spcPct val="0"/>
+              </a:spcAft>
+              <a:defRPr sz="4400">
+                <a:solidFill>
+                  <a:schemeClr val="tx2"/>
+                </a:solidFill>
+                <a:latin typeface="+mj-lt"/>
+                <a:ea typeface="+mj-ea"/>
+                <a:cs typeface="+mj-cs"/>
+              </a:defRPr>
+            </a:lvl1pPr>
+            <a:lvl2pPr algn="ctr" rtl="0" eaLnBrk="1" fontAlgn="base" hangingPunct="1">
+              <a:spcBef>
+                <a:spcPct val="0"/>
+              </a:spcBef>
+              <a:spcAft>
+                <a:spcPct val="0"/>
+              </a:spcAft>
+              <a:defRPr sz="4400">
+                <a:solidFill>
+                  <a:schemeClr val="tx2"/>
+                </a:solidFill>
+                <a:latin typeface="Arial" charset="0"/>
+                <a:cs typeface="Arial" charset="0"/>
+              </a:defRPr>
+            </a:lvl2pPr>
+            <a:lvl3pPr algn="ctr" rtl="0" eaLnBrk="1" fontAlgn="base" hangingPunct="1">
+              <a:spcBef>
+                <a:spcPct val="0"/>
+              </a:spcBef>
+              <a:spcAft>
+                <a:spcPct val="0"/>
+              </a:spcAft>
+              <a:defRPr sz="4400">
+                <a:solidFill>
+                  <a:schemeClr val="tx2"/>
+                </a:solidFill>
+                <a:latin typeface="Arial" charset="0"/>
+                <a:cs typeface="Arial" charset="0"/>
+              </a:defRPr>
+            </a:lvl3pPr>
+            <a:lvl4pPr algn="ctr" rtl="0" eaLnBrk="1" fontAlgn="base" hangingPunct="1">
+              <a:spcBef>
+                <a:spcPct val="0"/>
+              </a:spcBef>
+              <a:spcAft>
+                <a:spcPct val="0"/>
+              </a:spcAft>
+              <a:defRPr sz="4400">
+                <a:solidFill>
+                  <a:schemeClr val="tx2"/>
+                </a:solidFill>
+                <a:latin typeface="Arial" charset="0"/>
+                <a:cs typeface="Arial" charset="0"/>
+              </a:defRPr>
+            </a:lvl4pPr>
+            <a:lvl5pPr algn="ctr" rtl="0" eaLnBrk="1" fontAlgn="base" hangingPunct="1">
+              <a:spcBef>
+                <a:spcPct val="0"/>
+              </a:spcBef>
+              <a:spcAft>
+                <a:spcPct val="0"/>
+              </a:spcAft>
+              <a:defRPr sz="4400">
+                <a:solidFill>
+                  <a:schemeClr val="tx2"/>
+                </a:solidFill>
+                <a:latin typeface="Arial" charset="0"/>
+                <a:cs typeface="Arial" charset="0"/>
+              </a:defRPr>
+            </a:lvl5pPr>
+            <a:lvl6pPr marL="457200" algn="ctr" rtl="0" eaLnBrk="1" fontAlgn="base" hangingPunct="1">
+              <a:spcBef>
+                <a:spcPct val="0"/>
+              </a:spcBef>
+              <a:spcAft>
+                <a:spcPct val="0"/>
+              </a:spcAft>
+              <a:defRPr sz="4400">
+                <a:solidFill>
+                  <a:schemeClr val="tx2"/>
+                </a:solidFill>
+                <a:latin typeface="Arial" charset="0"/>
+                <a:cs typeface="Arial" charset="0"/>
+              </a:defRPr>
+            </a:lvl6pPr>
+            <a:lvl7pPr marL="914400" algn="ctr" rtl="0" eaLnBrk="1" fontAlgn="base" hangingPunct="1">
+              <a:spcBef>
+                <a:spcPct val="0"/>
+              </a:spcBef>
+              <a:spcAft>
+                <a:spcPct val="0"/>
+              </a:spcAft>
+              <a:defRPr sz="4400">
+                <a:solidFill>
+                  <a:schemeClr val="tx2"/>
+                </a:solidFill>
+                <a:latin typeface="Arial" charset="0"/>
+                <a:cs typeface="Arial" charset="0"/>
+              </a:defRPr>
+            </a:lvl7pPr>
+            <a:lvl8pPr marL="1371600" algn="ctr" rtl="0" eaLnBrk="1" fontAlgn="base" hangingPunct="1">
+              <a:spcBef>
+                <a:spcPct val="0"/>
+              </a:spcBef>
+              <a:spcAft>
+                <a:spcPct val="0"/>
+              </a:spcAft>
+              <a:defRPr sz="4400">
+                <a:solidFill>
+                  <a:schemeClr val="tx2"/>
+                </a:solidFill>
+                <a:latin typeface="Arial" charset="0"/>
+                <a:cs typeface="Arial" charset="0"/>
+              </a:defRPr>
+            </a:lvl8pPr>
+            <a:lvl9pPr marL="1828800" algn="ctr" rtl="0" eaLnBrk="1" fontAlgn="base" hangingPunct="1">
+              <a:spcBef>
+                <a:spcPct val="0"/>
+              </a:spcBef>
+              <a:spcAft>
+                <a:spcPct val="0"/>
+              </a:spcAft>
+              <a:defRPr sz="4400">
+                <a:solidFill>
+                  <a:schemeClr val="tx2"/>
+                </a:solidFill>
+                <a:latin typeface="Arial" charset="0"/>
+                <a:cs typeface="Arial" charset="0"/>
+              </a:defRPr>
+            </a:lvl9pPr>
+          </a:lstStyle>
+          <a:p>
+            <a:r>
+              <a:rPr lang="es-ES" altLang="es-ES" b="1" kern="0" dirty="0">
+                <a:solidFill>
+                  <a:srgbClr val="006666"/>
+                </a:solidFill>
+                <a:latin typeface="Fontana ND Cc OsF Semibold" pitchFamily="2" charset="0"/>
+              </a:rPr>
+              <a:t>PREPROCESADO</a:t>
+            </a:r>
+            <a:br>
+              <a:rPr lang="es-ES" altLang="es-ES" kern="0" dirty="0">
+                <a:solidFill>
+                  <a:srgbClr val="006666"/>
+                </a:solidFill>
+                <a:latin typeface="Fontana ND Cc OsF Semibold" pitchFamily="2" charset="0"/>
+              </a:rPr>
+            </a:br>
+            <a:endParaRPr lang="es-ES" kern="0" dirty="0"/>
+          </a:p>
+        </p:txBody>
+      </p:sp>
+      <p:pic>
+        <p:nvPicPr>
+          <p:cNvPr id="4" name="Marcador de contenido 4">
+            <a:extLst>
+              <a:ext uri="{FF2B5EF4-FFF2-40B4-BE49-F238E27FC236}">
+                <a16:creationId xmlns:a16="http://schemas.microsoft.com/office/drawing/2014/main" id="{0ABB83D3-210F-43D4-845D-99A196741754}"/>
+              </a:ext>
+            </a:extLst>
+          </p:cNvPr>
+          <p:cNvPicPr>
+            <a:picLocks noChangeAspect="1"/>
+          </p:cNvPicPr>
+          <p:nvPr/>
+        </p:nvPicPr>
+        <p:blipFill>
+          <a:blip r:embed="rId2">
+            <a:extLst>
+              <a:ext uri="{28A0092B-C50C-407E-A947-70E740481C1C}">
+                <a14:useLocalDpi xmlns:a14="http://schemas.microsoft.com/office/drawing/2010/main" val="0"/>
+              </a:ext>
+            </a:extLst>
+          </a:blip>
+          <a:stretch>
+            <a:fillRect/>
+          </a:stretch>
+        </p:blipFill>
+        <p:spPr>
+          <a:xfrm>
+            <a:off x="5041143" y="1709875"/>
+            <a:ext cx="6387591" cy="662863"/>
+          </a:xfrm>
+          <a:prstGeom prst="rect">
+            <a:avLst/>
+          </a:prstGeom>
+        </p:spPr>
+      </p:pic>
+      <p:sp>
+        <p:nvSpPr>
+          <p:cNvPr id="2" name="Flecha: hacia abajo 1">
+            <a:extLst>
+              <a:ext uri="{FF2B5EF4-FFF2-40B4-BE49-F238E27FC236}">
+                <a16:creationId xmlns:a16="http://schemas.microsoft.com/office/drawing/2014/main" id="{51D67955-9EE2-4E06-A019-23D96FECD0C4}"/>
+              </a:ext>
+            </a:extLst>
+          </p:cNvPr>
+          <p:cNvSpPr/>
+          <p:nvPr/>
+        </p:nvSpPr>
+        <p:spPr>
+          <a:xfrm>
+            <a:off x="7872248" y="2669628"/>
+            <a:ext cx="714704" cy="1135117"/>
+          </a:xfrm>
+          <a:prstGeom prst="downArrow">
+            <a:avLst/>
+          </a:prstGeom>
+          <a:solidFill>
+            <a:schemeClr val="accent1">
+              <a:lumMod val="75000"/>
+            </a:schemeClr>
+          </a:solidFill>
+          <a:ln>
+            <a:solidFill>
+              <a:schemeClr val="tx1"/>
+            </a:solidFill>
+          </a:ln>
+        </p:spPr>
+        <p:style>
+          <a:lnRef idx="2">
+            <a:schemeClr val="accent1">
+              <a:shade val="50000"/>
+            </a:schemeClr>
+          </a:lnRef>
+          <a:fillRef idx="1">
+            <a:schemeClr val="accent1"/>
+          </a:fillRef>
+          <a:effectRef idx="0">
+            <a:schemeClr val="accent1"/>
+          </a:effectRef>
+          <a:fontRef idx="minor">
+            <a:schemeClr val="lt1"/>
+          </a:fontRef>
+        </p:style>
+        <p:txBody>
+          <a:bodyPr rtlCol="0" anchor="ctr"/>
+          <a:lstStyle/>
+          <a:p>
+            <a:pPr algn="ctr"/>
             <a:endParaRPr lang="es-ES"/>
+          </a:p>
+        </p:txBody>
+      </p:sp>
+      <p:sp>
+        <p:nvSpPr>
+          <p:cNvPr id="7" name="3 CuadroTexto">
+            <a:extLst>
+              <a:ext uri="{FF2B5EF4-FFF2-40B4-BE49-F238E27FC236}">
+                <a16:creationId xmlns:a16="http://schemas.microsoft.com/office/drawing/2014/main" id="{D7363B30-F7AA-4B9B-9ACD-1AFA82BFF5BC}"/>
+              </a:ext>
+            </a:extLst>
+          </p:cNvPr>
+          <p:cNvSpPr txBox="1"/>
+          <p:nvPr/>
+        </p:nvSpPr>
+        <p:spPr>
+          <a:xfrm>
+            <a:off x="5705122" y="4086226"/>
+            <a:ext cx="5048955" cy="2204899"/>
+          </a:xfrm>
+          <a:prstGeom prst="rect">
+            <a:avLst/>
+          </a:prstGeom>
+          <a:solidFill>
+            <a:schemeClr val="accent5"/>
+          </a:solidFill>
+          <a:ln w="38100">
+            <a:solidFill>
+              <a:schemeClr val="tx1"/>
+            </a:solidFill>
+          </a:ln>
+        </p:spPr>
+        <p:txBody>
+          <a:bodyPr wrap="square">
+            <a:spAutoFit/>
+          </a:bodyPr>
+          <a:lstStyle/>
+          <a:p>
+            <a:pPr algn="just">
+              <a:lnSpc>
+                <a:spcPct val="200000"/>
+              </a:lnSpc>
+              <a:spcBef>
+                <a:spcPct val="20000"/>
+              </a:spcBef>
+            </a:pPr>
+            <a:r>
+              <a:rPr lang="es-ES" altLang="es-ES" sz="2400" b="1" i="1" dirty="0">
+                <a:solidFill>
+                  <a:srgbClr val="006666"/>
+                </a:solidFill>
+                <a:latin typeface="Fontana ND Cc OsF Semibold" pitchFamily="2" charset="0"/>
+              </a:rPr>
+              <a:t>“esta es la reina de las feministas de verdad o no </a:t>
+            </a:r>
+            <a:r>
+              <a:rPr lang="es-ES" altLang="es-ES" sz="2400" b="1" i="1" dirty="0" err="1">
+                <a:solidFill>
+                  <a:srgbClr val="006666"/>
+                </a:solidFill>
+                <a:latin typeface="Fontana ND Cc OsF Semibold" pitchFamily="2" charset="0"/>
+              </a:rPr>
+              <a:t>twinterrogation</a:t>
+            </a:r>
+            <a:r>
+              <a:rPr lang="es-ES" altLang="es-ES" sz="2400" b="1" i="1" dirty="0">
+                <a:solidFill>
+                  <a:srgbClr val="006666"/>
+                </a:solidFill>
+                <a:latin typeface="Fontana ND Cc OsF Semibold" pitchFamily="2" charset="0"/>
+              </a:rPr>
+              <a:t> </a:t>
+            </a:r>
+            <a:r>
+              <a:rPr lang="es-ES" altLang="es-ES" sz="2400" b="1" i="1" dirty="0" err="1">
+                <a:solidFill>
+                  <a:srgbClr val="006666"/>
+                </a:solidFill>
+                <a:latin typeface="Fontana ND Cc OsF Semibold" pitchFamily="2" charset="0"/>
+              </a:rPr>
+              <a:t>twuser</a:t>
+            </a:r>
+            <a:r>
+              <a:rPr lang="es-ES" altLang="es-ES" sz="2400" b="1" i="1" dirty="0">
+                <a:solidFill>
+                  <a:srgbClr val="006666"/>
+                </a:solidFill>
+                <a:latin typeface="Fontana ND Cc OsF Semibold" pitchFamily="2" charset="0"/>
+              </a:rPr>
+              <a:t> </a:t>
+            </a:r>
+            <a:r>
+              <a:rPr lang="es-ES" altLang="es-ES" sz="2400" b="1" i="1" dirty="0" err="1">
+                <a:solidFill>
+                  <a:srgbClr val="006666"/>
+                </a:solidFill>
+                <a:latin typeface="Fontana ND Cc OsF Semibold" pitchFamily="2" charset="0"/>
+              </a:rPr>
+              <a:t>thumbs_up</a:t>
+            </a:r>
+            <a:r>
+              <a:rPr lang="es-ES" altLang="es-ES" sz="2400" b="1" i="1" dirty="0">
+                <a:solidFill>
+                  <a:srgbClr val="006666"/>
+                </a:solidFill>
+                <a:latin typeface="Fontana ND Cc OsF Semibold" pitchFamily="2" charset="0"/>
+              </a:rPr>
+              <a:t> </a:t>
+            </a:r>
+            <a:r>
+              <a:rPr lang="es-ES" altLang="es-ES" sz="2400" b="1" i="1" dirty="0" err="1">
+                <a:solidFill>
+                  <a:srgbClr val="006666"/>
+                </a:solidFill>
+                <a:latin typeface="Fontana ND Cc OsF Semibold" pitchFamily="2" charset="0"/>
+              </a:rPr>
+              <a:t>twurl</a:t>
+            </a:r>
+            <a:r>
+              <a:rPr lang="es-ES" altLang="es-ES" sz="2400" b="1" i="1" dirty="0">
+                <a:solidFill>
+                  <a:srgbClr val="006666"/>
+                </a:solidFill>
+                <a:latin typeface="Fontana ND Cc OsF Semibold" pitchFamily="2" charset="0"/>
+              </a:rPr>
+              <a:t>”</a:t>
+            </a:r>
           </a:p>
         </p:txBody>
       </p:sp>
     </p:spTree>
     <p:extLst>
       <p:ext uri="{BB962C8B-B14F-4D97-AF65-F5344CB8AC3E}">
-        <p14:creationId xmlns:p14="http://schemas.microsoft.com/office/powerpoint/2010/main" val="974664027"/>
+        <p14:creationId xmlns:p14="http://schemas.microsoft.com/office/powerpoint/2010/main" val="2706261447"/>
       </p:ext>
     </p:extLst>
   </p:cSld>
@@ -7459,7 +8298,10 @@
           <a:bodyPr/>
           <a:lstStyle/>
           <a:p>
-            <a:endParaRPr lang="es-ES"/>
+            <a:r>
+              <a:rPr lang="es-ES" dirty="0"/>
+              <a:t>TODO:</a:t>
+            </a:r>
           </a:p>
         </p:txBody>
       </p:sp>
@@ -7484,7 +8326,18 @@
           <a:bodyPr/>
           <a:lstStyle/>
           <a:p>
-            <a:endParaRPr lang="es-ES"/>
+            <a:r>
+              <a:rPr lang="es-ES" dirty="0"/>
+              <a:t>Metodología de evaluación. Corpus usado, el </a:t>
+            </a:r>
+            <a:r>
+              <a:rPr lang="es-ES" dirty="0" err="1"/>
+              <a:t>MeTwo</a:t>
+            </a:r>
+            <a:r>
+              <a:rPr lang="es-ES" dirty="0"/>
+              <a:t>. Métricas. </a:t>
+            </a:r>
           </a:p>
         </p:txBody>
       </p:sp>
@@ -12388,7 +13241,7 @@
               <a:buNone/>
             </a:pPr>
             <a:r>
-              <a:rPr lang="es-ES" altLang="es-ES" b="1" i="1" dirty="0">
+              <a:rPr lang="es-ES" altLang="es-ES" sz="2700" b="1" i="1" dirty="0">
                 <a:solidFill>
                   <a:srgbClr val="006666"/>
                 </a:solidFill>
@@ -12397,7 +13250,7 @@
               <a:t> </a:t>
             </a:r>
             <a:r>
-              <a:rPr lang="es-ES" altLang="es-ES" i="1" dirty="0">
+              <a:rPr lang="es-ES" altLang="es-ES" sz="2700" i="1" dirty="0">
                 <a:solidFill>
                   <a:srgbClr val="006666"/>
                 </a:solidFill>
@@ -12406,7 +13259,7 @@
               <a:t>“@</a:t>
             </a:r>
             <a:r>
-              <a:rPr lang="es-ES" altLang="es-ES" i="1" dirty="0" err="1">
+              <a:rPr lang="es-ES" altLang="es-ES" sz="2700" i="1" dirty="0" err="1">
                 <a:solidFill>
                   <a:srgbClr val="006666"/>
                 </a:solidFill>
@@ -12415,7 +13268,7 @@
               <a:t>CopitoDeSnow</a:t>
             </a:r>
             <a:r>
-              <a:rPr lang="es-ES" altLang="es-ES" i="1" dirty="0">
+              <a:rPr lang="es-ES" altLang="es-ES" sz="2700" i="1" dirty="0">
                 <a:solidFill>
                   <a:srgbClr val="006666"/>
                 </a:solidFill>
@@ -12423,7 +13276,7 @@
               </a:rPr>
               <a:t>_ Ahora es cuando digo “no está mal para ser mujer””</a:t>
             </a:r>
-            <a:endParaRPr lang="es-ES" sz="4000" i="1" dirty="0"/>
+            <a:endParaRPr lang="es-ES" sz="2700" i="1" dirty="0"/>
           </a:p>
         </p:txBody>
       </p:sp>
@@ -12455,7 +13308,7 @@
         </p:blipFill>
         <p:spPr>
           <a:xfrm>
-            <a:off x="609600" y="3630996"/>
+            <a:off x="609600" y="2634890"/>
             <a:ext cx="11337599" cy="1539006"/>
           </a:xfrm>
           <a:prstGeom prst="rect">
@@ -12463,6 +13316,558 @@
           </a:prstGeom>
         </p:spPr>
       </p:pic>
+      <p:sp>
+        <p:nvSpPr>
+          <p:cNvPr id="8" name="Marcador de contenido 2">
+            <a:extLst>
+              <a:ext uri="{FF2B5EF4-FFF2-40B4-BE49-F238E27FC236}">
+                <a16:creationId xmlns:a16="http://schemas.microsoft.com/office/drawing/2014/main" id="{69E1ABF2-D218-4273-9F83-42F3627E20A3}"/>
+              </a:ext>
+            </a:extLst>
+          </p:cNvPr>
+          <p:cNvSpPr txBox="1">
+            <a:spLocks/>
+          </p:cNvSpPr>
+          <p:nvPr/>
+        </p:nvSpPr>
+        <p:spPr>
+          <a:xfrm>
+            <a:off x="2791752" y="4173357"/>
+            <a:ext cx="2562126" cy="2480904"/>
+          </a:xfrm>
+          <a:prstGeom prst="rect">
+            <a:avLst/>
+          </a:prstGeom>
+        </p:spPr>
+        <p:txBody>
+          <a:bodyPr/>
+          <a:lstStyle>
+            <a:lvl1pPr marL="342900" indent="-342900" algn="l" rtl="0" eaLnBrk="1" fontAlgn="base" hangingPunct="1">
+              <a:spcBef>
+                <a:spcPct val="20000"/>
+              </a:spcBef>
+              <a:spcAft>
+                <a:spcPct val="0"/>
+              </a:spcAft>
+              <a:buChar char="•"/>
+              <a:defRPr sz="3200">
+                <a:solidFill>
+                  <a:schemeClr val="tx1"/>
+                </a:solidFill>
+                <a:latin typeface="+mn-lt"/>
+                <a:ea typeface="+mn-ea"/>
+                <a:cs typeface="+mn-cs"/>
+              </a:defRPr>
+            </a:lvl1pPr>
+            <a:lvl2pPr marL="742950" indent="-285750" algn="l" rtl="0" eaLnBrk="1" fontAlgn="base" hangingPunct="1">
+              <a:spcBef>
+                <a:spcPct val="20000"/>
+              </a:spcBef>
+              <a:spcAft>
+                <a:spcPct val="0"/>
+              </a:spcAft>
+              <a:buChar char="–"/>
+              <a:defRPr sz="2800">
+                <a:solidFill>
+                  <a:schemeClr val="tx1"/>
+                </a:solidFill>
+                <a:latin typeface="+mn-lt"/>
+                <a:cs typeface="+mn-cs"/>
+              </a:defRPr>
+            </a:lvl2pPr>
+            <a:lvl3pPr marL="1143000" indent="-228600" algn="l" rtl="0" eaLnBrk="1" fontAlgn="base" hangingPunct="1">
+              <a:spcBef>
+                <a:spcPct val="20000"/>
+              </a:spcBef>
+              <a:spcAft>
+                <a:spcPct val="0"/>
+              </a:spcAft>
+              <a:buChar char="•"/>
+              <a:defRPr sz="2400">
+                <a:solidFill>
+                  <a:schemeClr val="tx1"/>
+                </a:solidFill>
+                <a:latin typeface="+mn-lt"/>
+                <a:cs typeface="+mn-cs"/>
+              </a:defRPr>
+            </a:lvl3pPr>
+            <a:lvl4pPr marL="1600200" indent="-228600" algn="l" rtl="0" eaLnBrk="1" fontAlgn="base" hangingPunct="1">
+              <a:spcBef>
+                <a:spcPct val="20000"/>
+              </a:spcBef>
+              <a:spcAft>
+                <a:spcPct val="0"/>
+              </a:spcAft>
+              <a:buChar char="–"/>
+              <a:defRPr sz="2000">
+                <a:solidFill>
+                  <a:schemeClr val="tx1"/>
+                </a:solidFill>
+                <a:latin typeface="+mn-lt"/>
+                <a:cs typeface="+mn-cs"/>
+              </a:defRPr>
+            </a:lvl4pPr>
+            <a:lvl5pPr marL="2057400" indent="-228600" algn="l" rtl="0" eaLnBrk="1" fontAlgn="base" hangingPunct="1">
+              <a:spcBef>
+                <a:spcPct val="20000"/>
+              </a:spcBef>
+              <a:spcAft>
+                <a:spcPct val="0"/>
+              </a:spcAft>
+              <a:buChar char="»"/>
+              <a:defRPr sz="2000">
+                <a:solidFill>
+                  <a:schemeClr val="tx1"/>
+                </a:solidFill>
+                <a:latin typeface="+mn-lt"/>
+                <a:cs typeface="+mn-cs"/>
+              </a:defRPr>
+            </a:lvl5pPr>
+            <a:lvl6pPr marL="2514600" indent="-228600" algn="l" rtl="0" eaLnBrk="1" fontAlgn="base" hangingPunct="1">
+              <a:spcBef>
+                <a:spcPct val="20000"/>
+              </a:spcBef>
+              <a:spcAft>
+                <a:spcPct val="0"/>
+              </a:spcAft>
+              <a:buChar char="»"/>
+              <a:defRPr sz="2000">
+                <a:solidFill>
+                  <a:schemeClr val="tx1"/>
+                </a:solidFill>
+                <a:latin typeface="+mn-lt"/>
+                <a:cs typeface="+mn-cs"/>
+              </a:defRPr>
+            </a:lvl6pPr>
+            <a:lvl7pPr marL="2971800" indent="-228600" algn="l" rtl="0" eaLnBrk="1" fontAlgn="base" hangingPunct="1">
+              <a:spcBef>
+                <a:spcPct val="20000"/>
+              </a:spcBef>
+              <a:spcAft>
+                <a:spcPct val="0"/>
+              </a:spcAft>
+              <a:buChar char="»"/>
+              <a:defRPr sz="2000">
+                <a:solidFill>
+                  <a:schemeClr val="tx1"/>
+                </a:solidFill>
+                <a:latin typeface="+mn-lt"/>
+                <a:cs typeface="+mn-cs"/>
+              </a:defRPr>
+            </a:lvl7pPr>
+            <a:lvl8pPr marL="3429000" indent="-228600" algn="l" rtl="0" eaLnBrk="1" fontAlgn="base" hangingPunct="1">
+              <a:spcBef>
+                <a:spcPct val="20000"/>
+              </a:spcBef>
+              <a:spcAft>
+                <a:spcPct val="0"/>
+              </a:spcAft>
+              <a:buChar char="»"/>
+              <a:defRPr sz="2000">
+                <a:solidFill>
+                  <a:schemeClr val="tx1"/>
+                </a:solidFill>
+                <a:latin typeface="+mn-lt"/>
+                <a:cs typeface="+mn-cs"/>
+              </a:defRPr>
+            </a:lvl8pPr>
+            <a:lvl9pPr marL="3886200" indent="-228600" algn="l" rtl="0" eaLnBrk="1" fontAlgn="base" hangingPunct="1">
+              <a:spcBef>
+                <a:spcPct val="20000"/>
+              </a:spcBef>
+              <a:spcAft>
+                <a:spcPct val="0"/>
+              </a:spcAft>
+              <a:buChar char="»"/>
+              <a:defRPr sz="2000">
+                <a:solidFill>
+                  <a:schemeClr val="tx1"/>
+                </a:solidFill>
+                <a:latin typeface="+mn-lt"/>
+                <a:cs typeface="+mn-cs"/>
+              </a:defRPr>
+            </a:lvl9pPr>
+          </a:lstStyle>
+          <a:p>
+            <a:pPr marL="0" indent="0" algn="just">
+              <a:lnSpc>
+                <a:spcPct val="150000"/>
+              </a:lnSpc>
+              <a:spcBef>
+                <a:spcPts val="800"/>
+              </a:spcBef>
+              <a:buFontTx/>
+              <a:buNone/>
+            </a:pPr>
+            <a:endParaRPr lang="es-ES" altLang="es-ES" sz="100" kern="0" dirty="0">
+              <a:solidFill>
+                <a:srgbClr val="006666"/>
+              </a:solidFill>
+              <a:latin typeface="Fontana ND Cc OsF Semibold" pitchFamily="2" charset="0"/>
+            </a:endParaRPr>
+          </a:p>
+          <a:p>
+            <a:pPr algn="just">
+              <a:lnSpc>
+                <a:spcPct val="150000"/>
+              </a:lnSpc>
+              <a:spcBef>
+                <a:spcPts val="800"/>
+              </a:spcBef>
+              <a:buFontTx/>
+              <a:buChar char="Χ"/>
+            </a:pPr>
+            <a:r>
+              <a:rPr lang="es-ES" altLang="es-ES" kern="0" dirty="0">
+                <a:solidFill>
+                  <a:srgbClr val="C00000"/>
+                </a:solidFill>
+                <a:latin typeface="Fontana ND Cc OsF Semibold" pitchFamily="2" charset="0"/>
+              </a:rPr>
+              <a:t>Digo</a:t>
+            </a:r>
+            <a:endParaRPr lang="es-ES" altLang="es-ES" sz="2500" kern="0" dirty="0">
+              <a:solidFill>
+                <a:srgbClr val="C00000"/>
+              </a:solidFill>
+              <a:latin typeface="Fontana ND Cc OsF Semibold" pitchFamily="2" charset="0"/>
+            </a:endParaRPr>
+          </a:p>
+          <a:p>
+            <a:pPr algn="just">
+              <a:lnSpc>
+                <a:spcPct val="150000"/>
+              </a:lnSpc>
+              <a:spcBef>
+                <a:spcPts val="800"/>
+              </a:spcBef>
+              <a:buFontTx/>
+              <a:buChar char="Χ"/>
+            </a:pPr>
+            <a:r>
+              <a:rPr lang="es-ES" altLang="es-ES" sz="2800" kern="0" dirty="0">
+                <a:solidFill>
+                  <a:srgbClr val="C00000"/>
+                </a:solidFill>
+                <a:latin typeface="Fontana ND Cc OsF Semibold" pitchFamily="2" charset="0"/>
+              </a:rPr>
+              <a:t>Ser</a:t>
+            </a:r>
+            <a:endParaRPr lang="es-ES" altLang="es-ES" sz="2500" kern="0" dirty="0">
+              <a:solidFill>
+                <a:srgbClr val="C00000"/>
+              </a:solidFill>
+              <a:latin typeface="Fontana ND Cc OsF Semibold" pitchFamily="2" charset="0"/>
+            </a:endParaRPr>
+          </a:p>
+          <a:p>
+            <a:pPr algn="just">
+              <a:lnSpc>
+                <a:spcPct val="150000"/>
+              </a:lnSpc>
+              <a:spcBef>
+                <a:spcPts val="800"/>
+              </a:spcBef>
+              <a:buFontTx/>
+              <a:buChar char="Χ"/>
+            </a:pPr>
+            <a:r>
+              <a:rPr lang="es-ES" altLang="es-ES" sz="2400" kern="0" dirty="0" err="1">
+                <a:solidFill>
+                  <a:srgbClr val="C00000"/>
+                </a:solidFill>
+                <a:latin typeface="Fontana ND Cc OsF Semibold" pitchFamily="2" charset="0"/>
+              </a:rPr>
+              <a:t>Nenaza</a:t>
+            </a:r>
+            <a:endParaRPr lang="es-ES" altLang="es-ES" sz="2500" kern="0" dirty="0">
+              <a:solidFill>
+                <a:srgbClr val="C00000"/>
+              </a:solidFill>
+              <a:latin typeface="Fontana ND Cc OsF Semibold" pitchFamily="2" charset="0"/>
+            </a:endParaRPr>
+          </a:p>
+          <a:p>
+            <a:endParaRPr lang="es-ES" kern="0" dirty="0"/>
+          </a:p>
+        </p:txBody>
+      </p:sp>
+      <p:sp>
+        <p:nvSpPr>
+          <p:cNvPr id="9" name="Marcador de contenido 2">
+            <a:extLst>
+              <a:ext uri="{FF2B5EF4-FFF2-40B4-BE49-F238E27FC236}">
+                <a16:creationId xmlns:a16="http://schemas.microsoft.com/office/drawing/2014/main" id="{281E05AC-B953-43B4-8BE2-CB4487033BAA}"/>
+              </a:ext>
+            </a:extLst>
+          </p:cNvPr>
+          <p:cNvSpPr txBox="1">
+            <a:spLocks/>
+          </p:cNvSpPr>
+          <p:nvPr/>
+        </p:nvSpPr>
+        <p:spPr>
+          <a:xfrm>
+            <a:off x="6838122" y="4205410"/>
+            <a:ext cx="2562126" cy="2480904"/>
+          </a:xfrm>
+          <a:prstGeom prst="rect">
+            <a:avLst/>
+          </a:prstGeom>
+        </p:spPr>
+        <p:txBody>
+          <a:bodyPr/>
+          <a:lstStyle>
+            <a:lvl1pPr marL="342900" indent="-342900" algn="l" rtl="0" eaLnBrk="1" fontAlgn="base" hangingPunct="1">
+              <a:spcBef>
+                <a:spcPct val="20000"/>
+              </a:spcBef>
+              <a:spcAft>
+                <a:spcPct val="0"/>
+              </a:spcAft>
+              <a:buChar char="•"/>
+              <a:defRPr sz="3200">
+                <a:solidFill>
+                  <a:schemeClr val="tx1"/>
+                </a:solidFill>
+                <a:latin typeface="+mn-lt"/>
+                <a:ea typeface="+mn-ea"/>
+                <a:cs typeface="+mn-cs"/>
+              </a:defRPr>
+            </a:lvl1pPr>
+            <a:lvl2pPr marL="742950" indent="-285750" algn="l" rtl="0" eaLnBrk="1" fontAlgn="base" hangingPunct="1">
+              <a:spcBef>
+                <a:spcPct val="20000"/>
+              </a:spcBef>
+              <a:spcAft>
+                <a:spcPct val="0"/>
+              </a:spcAft>
+              <a:buChar char="–"/>
+              <a:defRPr sz="2800">
+                <a:solidFill>
+                  <a:schemeClr val="tx1"/>
+                </a:solidFill>
+                <a:latin typeface="+mn-lt"/>
+                <a:cs typeface="+mn-cs"/>
+              </a:defRPr>
+            </a:lvl2pPr>
+            <a:lvl3pPr marL="1143000" indent="-228600" algn="l" rtl="0" eaLnBrk="1" fontAlgn="base" hangingPunct="1">
+              <a:spcBef>
+                <a:spcPct val="20000"/>
+              </a:spcBef>
+              <a:spcAft>
+                <a:spcPct val="0"/>
+              </a:spcAft>
+              <a:buChar char="•"/>
+              <a:defRPr sz="2400">
+                <a:solidFill>
+                  <a:schemeClr val="tx1"/>
+                </a:solidFill>
+                <a:latin typeface="+mn-lt"/>
+                <a:cs typeface="+mn-cs"/>
+              </a:defRPr>
+            </a:lvl3pPr>
+            <a:lvl4pPr marL="1600200" indent="-228600" algn="l" rtl="0" eaLnBrk="1" fontAlgn="base" hangingPunct="1">
+              <a:spcBef>
+                <a:spcPct val="20000"/>
+              </a:spcBef>
+              <a:spcAft>
+                <a:spcPct val="0"/>
+              </a:spcAft>
+              <a:buChar char="–"/>
+              <a:defRPr sz="2000">
+                <a:solidFill>
+                  <a:schemeClr val="tx1"/>
+                </a:solidFill>
+                <a:latin typeface="+mn-lt"/>
+                <a:cs typeface="+mn-cs"/>
+              </a:defRPr>
+            </a:lvl4pPr>
+            <a:lvl5pPr marL="2057400" indent="-228600" algn="l" rtl="0" eaLnBrk="1" fontAlgn="base" hangingPunct="1">
+              <a:spcBef>
+                <a:spcPct val="20000"/>
+              </a:spcBef>
+              <a:spcAft>
+                <a:spcPct val="0"/>
+              </a:spcAft>
+              <a:buChar char="»"/>
+              <a:defRPr sz="2000">
+                <a:solidFill>
+                  <a:schemeClr val="tx1"/>
+                </a:solidFill>
+                <a:latin typeface="+mn-lt"/>
+                <a:cs typeface="+mn-cs"/>
+              </a:defRPr>
+            </a:lvl5pPr>
+            <a:lvl6pPr marL="2514600" indent="-228600" algn="l" rtl="0" eaLnBrk="1" fontAlgn="base" hangingPunct="1">
+              <a:spcBef>
+                <a:spcPct val="20000"/>
+              </a:spcBef>
+              <a:spcAft>
+                <a:spcPct val="0"/>
+              </a:spcAft>
+              <a:buChar char="»"/>
+              <a:defRPr sz="2000">
+                <a:solidFill>
+                  <a:schemeClr val="tx1"/>
+                </a:solidFill>
+                <a:latin typeface="+mn-lt"/>
+                <a:cs typeface="+mn-cs"/>
+              </a:defRPr>
+            </a:lvl6pPr>
+            <a:lvl7pPr marL="2971800" indent="-228600" algn="l" rtl="0" eaLnBrk="1" fontAlgn="base" hangingPunct="1">
+              <a:spcBef>
+                <a:spcPct val="20000"/>
+              </a:spcBef>
+              <a:spcAft>
+                <a:spcPct val="0"/>
+              </a:spcAft>
+              <a:buChar char="»"/>
+              <a:defRPr sz="2000">
+                <a:solidFill>
+                  <a:schemeClr val="tx1"/>
+                </a:solidFill>
+                <a:latin typeface="+mn-lt"/>
+                <a:cs typeface="+mn-cs"/>
+              </a:defRPr>
+            </a:lvl7pPr>
+            <a:lvl8pPr marL="3429000" indent="-228600" algn="l" rtl="0" eaLnBrk="1" fontAlgn="base" hangingPunct="1">
+              <a:spcBef>
+                <a:spcPct val="20000"/>
+              </a:spcBef>
+              <a:spcAft>
+                <a:spcPct val="0"/>
+              </a:spcAft>
+              <a:buChar char="»"/>
+              <a:defRPr sz="2000">
+                <a:solidFill>
+                  <a:schemeClr val="tx1"/>
+                </a:solidFill>
+                <a:latin typeface="+mn-lt"/>
+                <a:cs typeface="+mn-cs"/>
+              </a:defRPr>
+            </a:lvl8pPr>
+            <a:lvl9pPr marL="3886200" indent="-228600" algn="l" rtl="0" eaLnBrk="1" fontAlgn="base" hangingPunct="1">
+              <a:spcBef>
+                <a:spcPct val="20000"/>
+              </a:spcBef>
+              <a:spcAft>
+                <a:spcPct val="0"/>
+              </a:spcAft>
+              <a:buChar char="»"/>
+              <a:defRPr sz="2000">
+                <a:solidFill>
+                  <a:schemeClr val="tx1"/>
+                </a:solidFill>
+                <a:latin typeface="+mn-lt"/>
+                <a:cs typeface="+mn-cs"/>
+              </a:defRPr>
+            </a:lvl9pPr>
+          </a:lstStyle>
+          <a:p>
+            <a:pPr algn="just">
+              <a:lnSpc>
+                <a:spcPct val="150000"/>
+              </a:lnSpc>
+              <a:spcBef>
+                <a:spcPts val="800"/>
+              </a:spcBef>
+              <a:buFont typeface="Wingdings" panose="05000000000000000000" pitchFamily="2" charset="2"/>
+              <a:buChar char="ü"/>
+            </a:pPr>
+            <a:endParaRPr lang="es-ES" altLang="es-ES" sz="100" kern="0" dirty="0">
+              <a:solidFill>
+                <a:srgbClr val="006666"/>
+              </a:solidFill>
+              <a:latin typeface="Fontana ND Cc OsF Semibold" pitchFamily="2" charset="0"/>
+            </a:endParaRPr>
+          </a:p>
+          <a:p>
+            <a:pPr algn="just">
+              <a:lnSpc>
+                <a:spcPct val="150000"/>
+              </a:lnSpc>
+              <a:spcBef>
+                <a:spcPts val="800"/>
+              </a:spcBef>
+              <a:buFont typeface="Wingdings" panose="05000000000000000000" pitchFamily="2" charset="2"/>
+              <a:buChar char="ü"/>
+            </a:pPr>
+            <a:r>
+              <a:rPr lang="es-ES" altLang="es-ES" kern="0" dirty="0">
+                <a:solidFill>
+                  <a:srgbClr val="0070C0"/>
+                </a:solidFill>
+                <a:latin typeface="Fontana ND Cc OsF Semibold" pitchFamily="2" charset="0"/>
+              </a:rPr>
+              <a:t>Longitud</a:t>
+            </a:r>
+            <a:endParaRPr lang="es-ES" altLang="es-ES" sz="2500" kern="0" dirty="0">
+              <a:solidFill>
+                <a:srgbClr val="0070C0"/>
+              </a:solidFill>
+              <a:latin typeface="Fontana ND Cc OsF Semibold" pitchFamily="2" charset="0"/>
+            </a:endParaRPr>
+          </a:p>
+          <a:p>
+            <a:pPr algn="just">
+              <a:lnSpc>
+                <a:spcPct val="150000"/>
+              </a:lnSpc>
+              <a:spcBef>
+                <a:spcPts val="800"/>
+              </a:spcBef>
+              <a:buFont typeface="Wingdings" panose="05000000000000000000" pitchFamily="2" charset="2"/>
+              <a:buChar char="ü"/>
+            </a:pPr>
+            <a:r>
+              <a:rPr lang="es-ES" altLang="es-ES" sz="2800" kern="0" dirty="0">
+                <a:solidFill>
+                  <a:srgbClr val="0070C0"/>
+                </a:solidFill>
+                <a:latin typeface="Fontana ND Cc OsF Semibold" pitchFamily="2" charset="0"/>
+              </a:rPr>
+              <a:t>Respuesta</a:t>
+            </a:r>
+            <a:endParaRPr lang="es-ES" altLang="es-ES" sz="2500" kern="0" dirty="0">
+              <a:solidFill>
+                <a:srgbClr val="0070C0"/>
+              </a:solidFill>
+              <a:latin typeface="Fontana ND Cc OsF Semibold" pitchFamily="2" charset="0"/>
+            </a:endParaRPr>
+          </a:p>
+          <a:p>
+            <a:pPr algn="just">
+              <a:lnSpc>
+                <a:spcPct val="150000"/>
+              </a:lnSpc>
+              <a:spcBef>
+                <a:spcPts val="800"/>
+              </a:spcBef>
+              <a:buFont typeface="Wingdings" panose="05000000000000000000" pitchFamily="2" charset="2"/>
+              <a:buChar char="ü"/>
+            </a:pPr>
+            <a:r>
+              <a:rPr lang="es-ES" altLang="es-ES" sz="2400" kern="0" dirty="0">
+                <a:solidFill>
+                  <a:srgbClr val="0070C0"/>
+                </a:solidFill>
+                <a:latin typeface="Fontana ND Cc OsF Semibold" pitchFamily="2" charset="0"/>
+              </a:rPr>
+              <a:t>Mal</a:t>
+            </a:r>
+            <a:endParaRPr lang="es-ES" altLang="es-ES" sz="2500" kern="0" dirty="0">
+              <a:solidFill>
+                <a:srgbClr val="0070C0"/>
+              </a:solidFill>
+              <a:latin typeface="Fontana ND Cc OsF Semibold" pitchFamily="2" charset="0"/>
+            </a:endParaRPr>
+          </a:p>
+          <a:p>
+            <a:endParaRPr lang="es-ES" kern="0" dirty="0"/>
+          </a:p>
+        </p:txBody>
+      </p:sp>
     </p:spTree>
     <p:extLst>
       <p:ext uri="{BB962C8B-B14F-4D97-AF65-F5344CB8AC3E}">
@@ -12473,6 +13878,334 @@
   <p:clrMapOvr>
     <a:masterClrMapping/>
   </p:clrMapOvr>
+  <p:timing>
+    <p:tnLst>
+      <p:par>
+        <p:cTn id="1" dur="indefinite" restart="never" nodeType="tmRoot">
+          <p:childTnLst>
+            <p:seq concurrent="1" nextAc="seek">
+              <p:cTn id="2" dur="indefinite" nodeType="mainSeq">
+                <p:childTnLst>
+                  <p:par>
+                    <p:cTn id="3" fill="hold">
+                      <p:stCondLst>
+                        <p:cond delay="indefinite"/>
+                      </p:stCondLst>
+                      <p:childTnLst>
+                        <p:par>
+                          <p:cTn id="4" fill="hold">
+                            <p:stCondLst>
+                              <p:cond delay="0"/>
+                            </p:stCondLst>
+                            <p:childTnLst>
+                              <p:par>
+                                <p:cTn id="5" presetID="1" presetClass="entr" presetSubtype="0" fill="hold" grpId="0" nodeType="clickEffect">
+                                  <p:stCondLst>
+                                    <p:cond delay="0"/>
+                                  </p:stCondLst>
+                                  <p:childTnLst>
+                                    <p:set>
+                                      <p:cBhvr>
+                                        <p:cTn id="6" dur="1" fill="hold">
+                                          <p:stCondLst>
+                                            <p:cond delay="0"/>
+                                          </p:stCondLst>
+                                        </p:cTn>
+                                        <p:tgtEl>
+                                          <p:spTgt spid="8">
+                                            <p:txEl>
+                                              <p:pRg st="1" end="1"/>
+                                            </p:txEl>
+                                          </p:spTgt>
+                                        </p:tgtEl>
+                                        <p:attrNameLst>
+                                          <p:attrName>style.visibility</p:attrName>
+                                        </p:attrNameLst>
+                                      </p:cBhvr>
+                                      <p:to>
+                                        <p:strVal val="visible"/>
+                                      </p:to>
+                                    </p:set>
+                                  </p:childTnLst>
+                                </p:cTn>
+                              </p:par>
+                            </p:childTnLst>
+                          </p:cTn>
+                        </p:par>
+                      </p:childTnLst>
+                    </p:cTn>
+                  </p:par>
+                  <p:par>
+                    <p:cTn id="7" fill="hold">
+                      <p:stCondLst>
+                        <p:cond delay="indefinite"/>
+                      </p:stCondLst>
+                      <p:childTnLst>
+                        <p:par>
+                          <p:cTn id="8" fill="hold">
+                            <p:stCondLst>
+                              <p:cond delay="0"/>
+                            </p:stCondLst>
+                            <p:childTnLst>
+                              <p:par>
+                                <p:cTn id="9" presetID="1" presetClass="entr" presetSubtype="0" fill="hold" grpId="0" nodeType="clickEffect">
+                                  <p:stCondLst>
+                                    <p:cond delay="0"/>
+                                  </p:stCondLst>
+                                  <p:childTnLst>
+                                    <p:set>
+                                      <p:cBhvr>
+                                        <p:cTn id="10" dur="1" fill="hold">
+                                          <p:stCondLst>
+                                            <p:cond delay="0"/>
+                                          </p:stCondLst>
+                                        </p:cTn>
+                                        <p:tgtEl>
+                                          <p:spTgt spid="8">
+                                            <p:txEl>
+                                              <p:pRg st="2" end="2"/>
+                                            </p:txEl>
+                                          </p:spTgt>
+                                        </p:tgtEl>
+                                        <p:attrNameLst>
+                                          <p:attrName>style.visibility</p:attrName>
+                                        </p:attrNameLst>
+                                      </p:cBhvr>
+                                      <p:to>
+                                        <p:strVal val="visible"/>
+                                      </p:to>
+                                    </p:set>
+                                  </p:childTnLst>
+                                </p:cTn>
+                              </p:par>
+                            </p:childTnLst>
+                          </p:cTn>
+                        </p:par>
+                      </p:childTnLst>
+                    </p:cTn>
+                  </p:par>
+                  <p:par>
+                    <p:cTn id="11" fill="hold">
+                      <p:stCondLst>
+                        <p:cond delay="indefinite"/>
+                      </p:stCondLst>
+                      <p:childTnLst>
+                        <p:par>
+                          <p:cTn id="12" fill="hold">
+                            <p:stCondLst>
+                              <p:cond delay="0"/>
+                            </p:stCondLst>
+                            <p:childTnLst>
+                              <p:par>
+                                <p:cTn id="13" presetID="1" presetClass="entr" presetSubtype="0" fill="hold" grpId="0" nodeType="clickEffect">
+                                  <p:stCondLst>
+                                    <p:cond delay="0"/>
+                                  </p:stCondLst>
+                                  <p:childTnLst>
+                                    <p:set>
+                                      <p:cBhvr>
+                                        <p:cTn id="14" dur="1" fill="hold">
+                                          <p:stCondLst>
+                                            <p:cond delay="0"/>
+                                          </p:stCondLst>
+                                        </p:cTn>
+                                        <p:tgtEl>
+                                          <p:spTgt spid="8">
+                                            <p:txEl>
+                                              <p:pRg st="3" end="3"/>
+                                            </p:txEl>
+                                          </p:spTgt>
+                                        </p:tgtEl>
+                                        <p:attrNameLst>
+                                          <p:attrName>style.visibility</p:attrName>
+                                        </p:attrNameLst>
+                                      </p:cBhvr>
+                                      <p:to>
+                                        <p:strVal val="visible"/>
+                                      </p:to>
+                                    </p:set>
+                                  </p:childTnLst>
+                                </p:cTn>
+                              </p:par>
+                            </p:childTnLst>
+                          </p:cTn>
+                        </p:par>
+                      </p:childTnLst>
+                    </p:cTn>
+                  </p:par>
+                  <p:par>
+                    <p:cTn id="15" fill="hold">
+                      <p:stCondLst>
+                        <p:cond delay="indefinite"/>
+                      </p:stCondLst>
+                      <p:childTnLst>
+                        <p:par>
+                          <p:cTn id="16" fill="hold">
+                            <p:stCondLst>
+                              <p:cond delay="0"/>
+                            </p:stCondLst>
+                            <p:childTnLst>
+                              <p:par>
+                                <p:cTn id="17" presetID="1" presetClass="entr" presetSubtype="0" fill="hold" grpId="0" nodeType="clickEffect">
+                                  <p:stCondLst>
+                                    <p:cond delay="0"/>
+                                  </p:stCondLst>
+                                  <p:childTnLst>
+                                    <p:set>
+                                      <p:cBhvr>
+                                        <p:cTn id="18" dur="1" fill="hold">
+                                          <p:stCondLst>
+                                            <p:cond delay="0"/>
+                                          </p:stCondLst>
+                                        </p:cTn>
+                                        <p:tgtEl>
+                                          <p:spTgt spid="9">
+                                            <p:txEl>
+                                              <p:pRg st="1" end="1"/>
+                                            </p:txEl>
+                                          </p:spTgt>
+                                        </p:tgtEl>
+                                        <p:attrNameLst>
+                                          <p:attrName>style.visibility</p:attrName>
+                                        </p:attrNameLst>
+                                      </p:cBhvr>
+                                      <p:to>
+                                        <p:strVal val="visible"/>
+                                      </p:to>
+                                    </p:set>
+                                  </p:childTnLst>
+                                </p:cTn>
+                              </p:par>
+                            </p:childTnLst>
+                          </p:cTn>
+                        </p:par>
+                      </p:childTnLst>
+                    </p:cTn>
+                  </p:par>
+                  <p:par>
+                    <p:cTn id="19" fill="hold">
+                      <p:stCondLst>
+                        <p:cond delay="indefinite"/>
+                      </p:stCondLst>
+                      <p:childTnLst>
+                        <p:par>
+                          <p:cTn id="20" fill="hold">
+                            <p:stCondLst>
+                              <p:cond delay="0"/>
+                            </p:stCondLst>
+                            <p:childTnLst>
+                              <p:par>
+                                <p:cTn id="21" presetID="1" presetClass="entr" presetSubtype="0" fill="hold" grpId="0" nodeType="clickEffect">
+                                  <p:stCondLst>
+                                    <p:cond delay="0"/>
+                                  </p:stCondLst>
+                                  <p:childTnLst>
+                                    <p:set>
+                                      <p:cBhvr>
+                                        <p:cTn id="22" dur="1" fill="hold">
+                                          <p:stCondLst>
+                                            <p:cond delay="0"/>
+                                          </p:stCondLst>
+                                        </p:cTn>
+                                        <p:tgtEl>
+                                          <p:spTgt spid="9">
+                                            <p:txEl>
+                                              <p:pRg st="2" end="2"/>
+                                            </p:txEl>
+                                          </p:spTgt>
+                                        </p:tgtEl>
+                                        <p:attrNameLst>
+                                          <p:attrName>style.visibility</p:attrName>
+                                        </p:attrNameLst>
+                                      </p:cBhvr>
+                                      <p:to>
+                                        <p:strVal val="visible"/>
+                                      </p:to>
+                                    </p:set>
+                                  </p:childTnLst>
+                                </p:cTn>
+                              </p:par>
+                            </p:childTnLst>
+                          </p:cTn>
+                        </p:par>
+                      </p:childTnLst>
+                    </p:cTn>
+                  </p:par>
+                  <p:par>
+                    <p:cTn id="23" fill="hold">
+                      <p:stCondLst>
+                        <p:cond delay="indefinite"/>
+                      </p:stCondLst>
+                      <p:childTnLst>
+                        <p:par>
+                          <p:cTn id="24" fill="hold">
+                            <p:stCondLst>
+                              <p:cond delay="0"/>
+                            </p:stCondLst>
+                            <p:childTnLst>
+                              <p:par>
+                                <p:cTn id="25" presetID="1" presetClass="entr" presetSubtype="0" fill="hold" grpId="0" nodeType="clickEffect">
+                                  <p:stCondLst>
+                                    <p:cond delay="0"/>
+                                  </p:stCondLst>
+                                  <p:childTnLst>
+                                    <p:set>
+                                      <p:cBhvr>
+                                        <p:cTn id="26" dur="1" fill="hold">
+                                          <p:stCondLst>
+                                            <p:cond delay="0"/>
+                                          </p:stCondLst>
+                                        </p:cTn>
+                                        <p:tgtEl>
+                                          <p:spTgt spid="9">
+                                            <p:txEl>
+                                              <p:pRg st="3" end="3"/>
+                                            </p:txEl>
+                                          </p:spTgt>
+                                        </p:tgtEl>
+                                        <p:attrNameLst>
+                                          <p:attrName>style.visibility</p:attrName>
+                                        </p:attrNameLst>
+                                      </p:cBhvr>
+                                      <p:to>
+                                        <p:strVal val="visible"/>
+                                      </p:to>
+                                    </p:set>
+                                  </p:childTnLst>
+                                </p:cTn>
+                              </p:par>
+                            </p:childTnLst>
+                          </p:cTn>
+                        </p:par>
+                      </p:childTnLst>
+                    </p:cTn>
+                  </p:par>
+                </p:childTnLst>
+              </p:cTn>
+              <p:prevCondLst>
+                <p:cond evt="onPrev" delay="0">
+                  <p:tgtEl>
+                    <p:sldTgt/>
+                  </p:tgtEl>
+                </p:cond>
+              </p:prevCondLst>
+              <p:nextCondLst>
+                <p:cond evt="onNext" delay="0">
+                  <p:tgtEl>
+                    <p:sldTgt/>
+                  </p:tgtEl>
+                </p:cond>
+              </p:nextCondLst>
+            </p:seq>
+          </p:childTnLst>
+        </p:cTn>
+      </p:par>
+    </p:tnLst>
+    <p:bldLst>
+      <p:bldP spid="8" grpId="0" build="p"/>
+      <p:bldP spid="9" grpId="0" build="p"/>
+    </p:bldLst>
+  </p:timing>
 </p:sld>
 </file>
 
@@ -12711,7 +14444,7 @@
               <a:buNone/>
             </a:pPr>
             <a:r>
-              <a:rPr lang="es-ES" altLang="es-ES" b="1" i="1" dirty="0">
+              <a:rPr lang="es-ES" altLang="es-ES" sz="2400" b="1" i="1" dirty="0">
                 <a:solidFill>
                   <a:srgbClr val="006666"/>
                 </a:solidFill>
@@ -12720,7 +14453,7 @@
               <a:t> </a:t>
             </a:r>
             <a:r>
-              <a:rPr lang="es-ES" altLang="es-ES" i="1" dirty="0">
+              <a:rPr lang="es-ES" altLang="es-ES" sz="2400" i="1" dirty="0">
                 <a:solidFill>
                   <a:srgbClr val="006666"/>
                 </a:solidFill>
@@ -12728,7 +14461,7 @@
               </a:rPr>
               <a:t>“Buscad mujeres con valores. No prestéis atención a ninguna niñata feminista. No os relacionéis con ellas, salvo para educarlas. No dejemos que nos coma el NOM”</a:t>
             </a:r>
-            <a:endParaRPr lang="es-ES" sz="4000" i="1" dirty="0"/>
+            <a:endParaRPr lang="es-ES" i="1" dirty="0"/>
           </a:p>
         </p:txBody>
       </p:sp>
@@ -12760,14 +14493,512 @@
         </p:blipFill>
         <p:spPr>
           <a:xfrm>
-            <a:off x="1273017" y="4130040"/>
-            <a:ext cx="9645965" cy="1851058"/>
+            <a:off x="1703309" y="2948118"/>
+            <a:ext cx="8785382" cy="1556256"/>
           </a:xfrm>
           <a:prstGeom prst="rect">
             <a:avLst/>
           </a:prstGeom>
         </p:spPr>
       </p:pic>
+      <p:sp>
+        <p:nvSpPr>
+          <p:cNvPr id="5" name="Marcador de contenido 2">
+            <a:extLst>
+              <a:ext uri="{FF2B5EF4-FFF2-40B4-BE49-F238E27FC236}">
+                <a16:creationId xmlns:a16="http://schemas.microsoft.com/office/drawing/2014/main" id="{92CBB9DE-EE5D-4801-92BD-BFDF4C708B06}"/>
+              </a:ext>
+            </a:extLst>
+          </p:cNvPr>
+          <p:cNvSpPr txBox="1">
+            <a:spLocks/>
+          </p:cNvSpPr>
+          <p:nvPr/>
+        </p:nvSpPr>
+        <p:spPr>
+          <a:xfrm>
+            <a:off x="2791753" y="4410245"/>
+            <a:ext cx="2562126" cy="2480904"/>
+          </a:xfrm>
+          <a:prstGeom prst="rect">
+            <a:avLst/>
+          </a:prstGeom>
+        </p:spPr>
+        <p:txBody>
+          <a:bodyPr/>
+          <a:lstStyle>
+            <a:lvl1pPr marL="342900" indent="-342900" algn="l" rtl="0" eaLnBrk="1" fontAlgn="base" hangingPunct="1">
+              <a:spcBef>
+                <a:spcPct val="20000"/>
+              </a:spcBef>
+              <a:spcAft>
+                <a:spcPct val="0"/>
+              </a:spcAft>
+              <a:buChar char="•"/>
+              <a:defRPr sz="3200">
+                <a:solidFill>
+                  <a:schemeClr val="tx1"/>
+                </a:solidFill>
+                <a:latin typeface="+mn-lt"/>
+                <a:ea typeface="+mn-ea"/>
+                <a:cs typeface="+mn-cs"/>
+              </a:defRPr>
+            </a:lvl1pPr>
+            <a:lvl2pPr marL="742950" indent="-285750" algn="l" rtl="0" eaLnBrk="1" fontAlgn="base" hangingPunct="1">
+              <a:spcBef>
+                <a:spcPct val="20000"/>
+              </a:spcBef>
+              <a:spcAft>
+                <a:spcPct val="0"/>
+              </a:spcAft>
+              <a:buChar char="–"/>
+              <a:defRPr sz="2800">
+                <a:solidFill>
+                  <a:schemeClr val="tx1"/>
+                </a:solidFill>
+                <a:latin typeface="+mn-lt"/>
+                <a:cs typeface="+mn-cs"/>
+              </a:defRPr>
+            </a:lvl2pPr>
+            <a:lvl3pPr marL="1143000" indent="-228600" algn="l" rtl="0" eaLnBrk="1" fontAlgn="base" hangingPunct="1">
+              <a:spcBef>
+                <a:spcPct val="20000"/>
+              </a:spcBef>
+              <a:spcAft>
+                <a:spcPct val="0"/>
+              </a:spcAft>
+              <a:buChar char="•"/>
+              <a:defRPr sz="2400">
+                <a:solidFill>
+                  <a:schemeClr val="tx1"/>
+                </a:solidFill>
+                <a:latin typeface="+mn-lt"/>
+                <a:cs typeface="+mn-cs"/>
+              </a:defRPr>
+            </a:lvl3pPr>
+            <a:lvl4pPr marL="1600200" indent="-228600" algn="l" rtl="0" eaLnBrk="1" fontAlgn="base" hangingPunct="1">
+              <a:spcBef>
+                <a:spcPct val="20000"/>
+              </a:spcBef>
+              <a:spcAft>
+                <a:spcPct val="0"/>
+              </a:spcAft>
+              <a:buChar char="–"/>
+              <a:defRPr sz="2000">
+                <a:solidFill>
+                  <a:schemeClr val="tx1"/>
+                </a:solidFill>
+                <a:latin typeface="+mn-lt"/>
+                <a:cs typeface="+mn-cs"/>
+              </a:defRPr>
+            </a:lvl4pPr>
+            <a:lvl5pPr marL="2057400" indent="-228600" algn="l" rtl="0" eaLnBrk="1" fontAlgn="base" hangingPunct="1">
+              <a:spcBef>
+                <a:spcPct val="20000"/>
+              </a:spcBef>
+              <a:spcAft>
+                <a:spcPct val="0"/>
+              </a:spcAft>
+              <a:buChar char="»"/>
+              <a:defRPr sz="2000">
+                <a:solidFill>
+                  <a:schemeClr val="tx1"/>
+                </a:solidFill>
+                <a:latin typeface="+mn-lt"/>
+                <a:cs typeface="+mn-cs"/>
+              </a:defRPr>
+            </a:lvl5pPr>
+            <a:lvl6pPr marL="2514600" indent="-228600" algn="l" rtl="0" eaLnBrk="1" fontAlgn="base" hangingPunct="1">
+              <a:spcBef>
+                <a:spcPct val="20000"/>
+              </a:spcBef>
+              <a:spcAft>
+                <a:spcPct val="0"/>
+              </a:spcAft>
+              <a:buChar char="»"/>
+              <a:defRPr sz="2000">
+                <a:solidFill>
+                  <a:schemeClr val="tx1"/>
+                </a:solidFill>
+                <a:latin typeface="+mn-lt"/>
+                <a:cs typeface="+mn-cs"/>
+              </a:defRPr>
+            </a:lvl6pPr>
+            <a:lvl7pPr marL="2971800" indent="-228600" algn="l" rtl="0" eaLnBrk="1" fontAlgn="base" hangingPunct="1">
+              <a:spcBef>
+                <a:spcPct val="20000"/>
+              </a:spcBef>
+              <a:spcAft>
+                <a:spcPct val="0"/>
+              </a:spcAft>
+              <a:buChar char="»"/>
+              <a:defRPr sz="2000">
+                <a:solidFill>
+                  <a:schemeClr val="tx1"/>
+                </a:solidFill>
+                <a:latin typeface="+mn-lt"/>
+                <a:cs typeface="+mn-cs"/>
+              </a:defRPr>
+            </a:lvl7pPr>
+            <a:lvl8pPr marL="3429000" indent="-228600" algn="l" rtl="0" eaLnBrk="1" fontAlgn="base" hangingPunct="1">
+              <a:spcBef>
+                <a:spcPct val="20000"/>
+              </a:spcBef>
+              <a:spcAft>
+                <a:spcPct val="0"/>
+              </a:spcAft>
+              <a:buChar char="»"/>
+              <a:defRPr sz="2000">
+                <a:solidFill>
+                  <a:schemeClr val="tx1"/>
+                </a:solidFill>
+                <a:latin typeface="+mn-lt"/>
+                <a:cs typeface="+mn-cs"/>
+              </a:defRPr>
+            </a:lvl8pPr>
+            <a:lvl9pPr marL="3886200" indent="-228600" algn="l" rtl="0" eaLnBrk="1" fontAlgn="base" hangingPunct="1">
+              <a:spcBef>
+                <a:spcPct val="20000"/>
+              </a:spcBef>
+              <a:spcAft>
+                <a:spcPct val="0"/>
+              </a:spcAft>
+              <a:buChar char="»"/>
+              <a:defRPr sz="2000">
+                <a:solidFill>
+                  <a:schemeClr val="tx1"/>
+                </a:solidFill>
+                <a:latin typeface="+mn-lt"/>
+                <a:cs typeface="+mn-cs"/>
+              </a:defRPr>
+            </a:lvl9pPr>
+          </a:lstStyle>
+          <a:p>
+            <a:pPr marL="0" indent="0" algn="just">
+              <a:lnSpc>
+                <a:spcPct val="150000"/>
+              </a:lnSpc>
+              <a:spcBef>
+                <a:spcPts val="800"/>
+              </a:spcBef>
+              <a:buFontTx/>
+              <a:buNone/>
+            </a:pPr>
+            <a:endParaRPr lang="es-ES" altLang="es-ES" sz="100" kern="0" dirty="0">
+              <a:solidFill>
+                <a:srgbClr val="006666"/>
+              </a:solidFill>
+              <a:latin typeface="Fontana ND Cc OsF Semibold" pitchFamily="2" charset="0"/>
+            </a:endParaRPr>
+          </a:p>
+          <a:p>
+            <a:pPr algn="just">
+              <a:lnSpc>
+                <a:spcPct val="150000"/>
+              </a:lnSpc>
+              <a:spcBef>
+                <a:spcPts val="800"/>
+              </a:spcBef>
+              <a:buFontTx/>
+              <a:buChar char="Χ"/>
+            </a:pPr>
+            <a:r>
+              <a:rPr lang="es-ES" altLang="es-ES" sz="3600" kern="0" dirty="0">
+                <a:solidFill>
+                  <a:srgbClr val="C00000"/>
+                </a:solidFill>
+                <a:latin typeface="Fontana ND Cc OsF Semibold" pitchFamily="2" charset="0"/>
+              </a:rPr>
+              <a:t>Niñata</a:t>
+            </a:r>
+            <a:endParaRPr lang="es-ES" altLang="es-ES" sz="2500" kern="0" dirty="0">
+              <a:solidFill>
+                <a:srgbClr val="C00000"/>
+              </a:solidFill>
+              <a:latin typeface="Fontana ND Cc OsF Semibold" pitchFamily="2" charset="0"/>
+            </a:endParaRPr>
+          </a:p>
+          <a:p>
+            <a:pPr algn="just">
+              <a:lnSpc>
+                <a:spcPct val="150000"/>
+              </a:lnSpc>
+              <a:spcBef>
+                <a:spcPts val="800"/>
+              </a:spcBef>
+              <a:buFontTx/>
+              <a:buChar char="Χ"/>
+            </a:pPr>
+            <a:r>
+              <a:rPr lang="es-ES" altLang="es-ES" kern="0" dirty="0" err="1">
+                <a:solidFill>
+                  <a:srgbClr val="C00000"/>
+                </a:solidFill>
+                <a:latin typeface="Fontana ND Cc OsF Semibold" pitchFamily="2" charset="0"/>
+              </a:rPr>
+              <a:t>Nenaza</a:t>
+            </a:r>
+            <a:endParaRPr lang="es-ES" altLang="es-ES" sz="2500" kern="0" dirty="0">
+              <a:solidFill>
+                <a:srgbClr val="C00000"/>
+              </a:solidFill>
+              <a:latin typeface="Fontana ND Cc OsF Semibold" pitchFamily="2" charset="0"/>
+            </a:endParaRPr>
+          </a:p>
+          <a:p>
+            <a:endParaRPr lang="es-ES" kern="0" dirty="0"/>
+          </a:p>
+        </p:txBody>
+      </p:sp>
+      <p:sp>
+        <p:nvSpPr>
+          <p:cNvPr id="8" name="Marcador de contenido 2">
+            <a:extLst>
+              <a:ext uri="{FF2B5EF4-FFF2-40B4-BE49-F238E27FC236}">
+                <a16:creationId xmlns:a16="http://schemas.microsoft.com/office/drawing/2014/main" id="{DB97851F-1267-41E4-9DFE-0E616016F6D7}"/>
+              </a:ext>
+            </a:extLst>
+          </p:cNvPr>
+          <p:cNvSpPr txBox="1">
+            <a:spLocks/>
+          </p:cNvSpPr>
+          <p:nvPr/>
+        </p:nvSpPr>
+        <p:spPr>
+          <a:xfrm>
+            <a:off x="6838121" y="4398358"/>
+            <a:ext cx="2562126" cy="2480904"/>
+          </a:xfrm>
+          <a:prstGeom prst="rect">
+            <a:avLst/>
+          </a:prstGeom>
+        </p:spPr>
+        <p:txBody>
+          <a:bodyPr/>
+          <a:lstStyle>
+            <a:lvl1pPr marL="342900" indent="-342900" algn="l" rtl="0" eaLnBrk="1" fontAlgn="base" hangingPunct="1">
+              <a:spcBef>
+                <a:spcPct val="20000"/>
+              </a:spcBef>
+              <a:spcAft>
+                <a:spcPct val="0"/>
+              </a:spcAft>
+              <a:buChar char="•"/>
+              <a:defRPr sz="3200">
+                <a:solidFill>
+                  <a:schemeClr val="tx1"/>
+                </a:solidFill>
+                <a:latin typeface="+mn-lt"/>
+                <a:ea typeface="+mn-ea"/>
+                <a:cs typeface="+mn-cs"/>
+              </a:defRPr>
+            </a:lvl1pPr>
+            <a:lvl2pPr marL="742950" indent="-285750" algn="l" rtl="0" eaLnBrk="1" fontAlgn="base" hangingPunct="1">
+              <a:spcBef>
+                <a:spcPct val="20000"/>
+              </a:spcBef>
+              <a:spcAft>
+                <a:spcPct val="0"/>
+              </a:spcAft>
+              <a:buChar char="–"/>
+              <a:defRPr sz="2800">
+                <a:solidFill>
+                  <a:schemeClr val="tx1"/>
+                </a:solidFill>
+                <a:latin typeface="+mn-lt"/>
+                <a:cs typeface="+mn-cs"/>
+              </a:defRPr>
+            </a:lvl2pPr>
+            <a:lvl3pPr marL="1143000" indent="-228600" algn="l" rtl="0" eaLnBrk="1" fontAlgn="base" hangingPunct="1">
+              <a:spcBef>
+                <a:spcPct val="20000"/>
+              </a:spcBef>
+              <a:spcAft>
+                <a:spcPct val="0"/>
+              </a:spcAft>
+              <a:buChar char="•"/>
+              <a:defRPr sz="2400">
+                <a:solidFill>
+                  <a:schemeClr val="tx1"/>
+                </a:solidFill>
+                <a:latin typeface="+mn-lt"/>
+                <a:cs typeface="+mn-cs"/>
+              </a:defRPr>
+            </a:lvl3pPr>
+            <a:lvl4pPr marL="1600200" indent="-228600" algn="l" rtl="0" eaLnBrk="1" fontAlgn="base" hangingPunct="1">
+              <a:spcBef>
+                <a:spcPct val="20000"/>
+              </a:spcBef>
+              <a:spcAft>
+                <a:spcPct val="0"/>
+              </a:spcAft>
+              <a:buChar char="–"/>
+              <a:defRPr sz="2000">
+                <a:solidFill>
+                  <a:schemeClr val="tx1"/>
+                </a:solidFill>
+                <a:latin typeface="+mn-lt"/>
+                <a:cs typeface="+mn-cs"/>
+              </a:defRPr>
+            </a:lvl4pPr>
+            <a:lvl5pPr marL="2057400" indent="-228600" algn="l" rtl="0" eaLnBrk="1" fontAlgn="base" hangingPunct="1">
+              <a:spcBef>
+                <a:spcPct val="20000"/>
+              </a:spcBef>
+              <a:spcAft>
+                <a:spcPct val="0"/>
+              </a:spcAft>
+              <a:buChar char="»"/>
+              <a:defRPr sz="2000">
+                <a:solidFill>
+                  <a:schemeClr val="tx1"/>
+                </a:solidFill>
+                <a:latin typeface="+mn-lt"/>
+                <a:cs typeface="+mn-cs"/>
+              </a:defRPr>
+            </a:lvl5pPr>
+            <a:lvl6pPr marL="2514600" indent="-228600" algn="l" rtl="0" eaLnBrk="1" fontAlgn="base" hangingPunct="1">
+              <a:spcBef>
+                <a:spcPct val="20000"/>
+              </a:spcBef>
+              <a:spcAft>
+                <a:spcPct val="0"/>
+              </a:spcAft>
+              <a:buChar char="»"/>
+              <a:defRPr sz="2000">
+                <a:solidFill>
+                  <a:schemeClr val="tx1"/>
+                </a:solidFill>
+                <a:latin typeface="+mn-lt"/>
+                <a:cs typeface="+mn-cs"/>
+              </a:defRPr>
+            </a:lvl6pPr>
+            <a:lvl7pPr marL="2971800" indent="-228600" algn="l" rtl="0" eaLnBrk="1" fontAlgn="base" hangingPunct="1">
+              <a:spcBef>
+                <a:spcPct val="20000"/>
+              </a:spcBef>
+              <a:spcAft>
+                <a:spcPct val="0"/>
+              </a:spcAft>
+              <a:buChar char="»"/>
+              <a:defRPr sz="2000">
+                <a:solidFill>
+                  <a:schemeClr val="tx1"/>
+                </a:solidFill>
+                <a:latin typeface="+mn-lt"/>
+                <a:cs typeface="+mn-cs"/>
+              </a:defRPr>
+            </a:lvl7pPr>
+            <a:lvl8pPr marL="3429000" indent="-228600" algn="l" rtl="0" eaLnBrk="1" fontAlgn="base" hangingPunct="1">
+              <a:spcBef>
+                <a:spcPct val="20000"/>
+              </a:spcBef>
+              <a:spcAft>
+                <a:spcPct val="0"/>
+              </a:spcAft>
+              <a:buChar char="»"/>
+              <a:defRPr sz="2000">
+                <a:solidFill>
+                  <a:schemeClr val="tx1"/>
+                </a:solidFill>
+                <a:latin typeface="+mn-lt"/>
+                <a:cs typeface="+mn-cs"/>
+              </a:defRPr>
+            </a:lvl8pPr>
+            <a:lvl9pPr marL="3886200" indent="-228600" algn="l" rtl="0" eaLnBrk="1" fontAlgn="base" hangingPunct="1">
+              <a:spcBef>
+                <a:spcPct val="20000"/>
+              </a:spcBef>
+              <a:spcAft>
+                <a:spcPct val="0"/>
+              </a:spcAft>
+              <a:buChar char="»"/>
+              <a:defRPr sz="2000">
+                <a:solidFill>
+                  <a:schemeClr val="tx1"/>
+                </a:solidFill>
+                <a:latin typeface="+mn-lt"/>
+                <a:cs typeface="+mn-cs"/>
+              </a:defRPr>
+            </a:lvl9pPr>
+          </a:lstStyle>
+          <a:p>
+            <a:pPr algn="just">
+              <a:lnSpc>
+                <a:spcPct val="150000"/>
+              </a:lnSpc>
+              <a:spcBef>
+                <a:spcPts val="800"/>
+              </a:spcBef>
+              <a:buFont typeface="Wingdings" panose="05000000000000000000" pitchFamily="2" charset="2"/>
+              <a:buChar char="ü"/>
+            </a:pPr>
+            <a:endParaRPr lang="es-ES" altLang="es-ES" sz="100" kern="0" dirty="0">
+              <a:solidFill>
+                <a:srgbClr val="006666"/>
+              </a:solidFill>
+              <a:latin typeface="Fontana ND Cc OsF Semibold" pitchFamily="2" charset="0"/>
+            </a:endParaRPr>
+          </a:p>
+          <a:p>
+            <a:pPr algn="just">
+              <a:lnSpc>
+                <a:spcPct val="150000"/>
+              </a:lnSpc>
+              <a:spcBef>
+                <a:spcPts val="800"/>
+              </a:spcBef>
+              <a:buFont typeface="Wingdings" panose="05000000000000000000" pitchFamily="2" charset="2"/>
+              <a:buChar char="ü"/>
+            </a:pPr>
+            <a:r>
+              <a:rPr lang="es-ES" altLang="es-ES" kern="0" dirty="0">
+                <a:solidFill>
+                  <a:srgbClr val="0070C0"/>
+                </a:solidFill>
+                <a:latin typeface="Fontana ND Cc OsF Semibold" pitchFamily="2" charset="0"/>
+              </a:rPr>
+              <a:t>Feminista</a:t>
+            </a:r>
+            <a:endParaRPr lang="es-ES" altLang="es-ES" sz="2500" kern="0" dirty="0">
+              <a:solidFill>
+                <a:srgbClr val="0070C0"/>
+              </a:solidFill>
+              <a:latin typeface="Fontana ND Cc OsF Semibold" pitchFamily="2" charset="0"/>
+            </a:endParaRPr>
+          </a:p>
+          <a:p>
+            <a:pPr algn="just">
+              <a:lnSpc>
+                <a:spcPct val="150000"/>
+              </a:lnSpc>
+              <a:spcBef>
+                <a:spcPts val="800"/>
+              </a:spcBef>
+              <a:buFont typeface="Wingdings" panose="05000000000000000000" pitchFamily="2" charset="2"/>
+              <a:buChar char="ü"/>
+            </a:pPr>
+            <a:r>
+              <a:rPr lang="es-ES" altLang="es-ES" sz="2800" kern="0" dirty="0">
+                <a:solidFill>
+                  <a:srgbClr val="0070C0"/>
+                </a:solidFill>
+                <a:latin typeface="Fontana ND Cc OsF Semibold" pitchFamily="2" charset="0"/>
+              </a:rPr>
+              <a:t>No se nombra usuario</a:t>
+            </a:r>
+            <a:endParaRPr lang="es-ES" altLang="es-ES" sz="2500" kern="0" dirty="0">
+              <a:solidFill>
+                <a:srgbClr val="0070C0"/>
+              </a:solidFill>
+              <a:latin typeface="Fontana ND Cc OsF Semibold" pitchFamily="2" charset="0"/>
+            </a:endParaRPr>
+          </a:p>
+          <a:p>
+            <a:endParaRPr lang="es-ES" kern="0" dirty="0"/>
+          </a:p>
+        </p:txBody>
+      </p:sp>
     </p:spTree>
     <p:extLst>
       <p:ext uri="{BB962C8B-B14F-4D97-AF65-F5344CB8AC3E}">
@@ -12778,6 +15009,236 @@
   <p:clrMapOvr>
     <a:masterClrMapping/>
   </p:clrMapOvr>
+  <p:timing>
+    <p:tnLst>
+      <p:par>
+        <p:cTn id="1" dur="indefinite" restart="never" nodeType="tmRoot">
+          <p:childTnLst>
+            <p:seq concurrent="1" nextAc="seek">
+              <p:cTn id="2" dur="indefinite" nodeType="mainSeq">
+                <p:childTnLst>
+                  <p:par>
+                    <p:cTn id="3" fill="hold">
+                      <p:stCondLst>
+                        <p:cond delay="indefinite"/>
+                      </p:stCondLst>
+                      <p:childTnLst>
+                        <p:par>
+                          <p:cTn id="4" fill="hold">
+                            <p:stCondLst>
+                              <p:cond delay="0"/>
+                            </p:stCondLst>
+                            <p:childTnLst>
+                              <p:par>
+                                <p:cTn id="5" presetID="1" presetClass="entr" presetSubtype="0" fill="hold" grpId="0" nodeType="clickEffect">
+                                  <p:stCondLst>
+                                    <p:cond delay="0"/>
+                                  </p:stCondLst>
+                                  <p:childTnLst>
+                                    <p:set>
+                                      <p:cBhvr>
+                                        <p:cTn id="6" dur="1" fill="hold">
+                                          <p:stCondLst>
+                                            <p:cond delay="0"/>
+                                          </p:stCondLst>
+                                        </p:cTn>
+                                        <p:tgtEl>
+                                          <p:spTgt spid="5">
+                                            <p:txEl>
+                                              <p:pRg st="1" end="1"/>
+                                            </p:txEl>
+                                          </p:spTgt>
+                                        </p:tgtEl>
+                                        <p:attrNameLst>
+                                          <p:attrName>style.visibility</p:attrName>
+                                        </p:attrNameLst>
+                                      </p:cBhvr>
+                                      <p:to>
+                                        <p:strVal val="visible"/>
+                                      </p:to>
+                                    </p:set>
+                                  </p:childTnLst>
+                                </p:cTn>
+                              </p:par>
+                            </p:childTnLst>
+                          </p:cTn>
+                        </p:par>
+                      </p:childTnLst>
+                    </p:cTn>
+                  </p:par>
+                  <p:par>
+                    <p:cTn id="7" fill="hold">
+                      <p:stCondLst>
+                        <p:cond delay="indefinite"/>
+                      </p:stCondLst>
+                      <p:childTnLst>
+                        <p:par>
+                          <p:cTn id="8" fill="hold">
+                            <p:stCondLst>
+                              <p:cond delay="0"/>
+                            </p:stCondLst>
+                            <p:childTnLst>
+                              <p:par>
+                                <p:cTn id="9" presetID="1" presetClass="entr" presetSubtype="0" fill="hold" grpId="0" nodeType="clickEffect">
+                                  <p:stCondLst>
+                                    <p:cond delay="0"/>
+                                  </p:stCondLst>
+                                  <p:childTnLst>
+                                    <p:set>
+                                      <p:cBhvr>
+                                        <p:cTn id="10" dur="1" fill="hold">
+                                          <p:stCondLst>
+                                            <p:cond delay="0"/>
+                                          </p:stCondLst>
+                                        </p:cTn>
+                                        <p:tgtEl>
+                                          <p:spTgt spid="5">
+                                            <p:txEl>
+                                              <p:pRg st="2" end="2"/>
+                                            </p:txEl>
+                                          </p:spTgt>
+                                        </p:tgtEl>
+                                        <p:attrNameLst>
+                                          <p:attrName>style.visibility</p:attrName>
+                                        </p:attrNameLst>
+                                      </p:cBhvr>
+                                      <p:to>
+                                        <p:strVal val="visible"/>
+                                      </p:to>
+                                    </p:set>
+                                  </p:childTnLst>
+                                </p:cTn>
+                              </p:par>
+                            </p:childTnLst>
+                          </p:cTn>
+                        </p:par>
+                      </p:childTnLst>
+                    </p:cTn>
+                  </p:par>
+                  <p:par>
+                    <p:cTn id="11" fill="hold">
+                      <p:stCondLst>
+                        <p:cond delay="indefinite"/>
+                      </p:stCondLst>
+                      <p:childTnLst>
+                        <p:par>
+                          <p:cTn id="12" fill="hold">
+                            <p:stCondLst>
+                              <p:cond delay="0"/>
+                            </p:stCondLst>
+                            <p:childTnLst>
+                              <p:par>
+                                <p:cTn id="13" presetID="1" presetClass="entr" presetSubtype="0" fill="hold" grpId="0" nodeType="clickEffect">
+                                  <p:stCondLst>
+                                    <p:cond delay="0"/>
+                                  </p:stCondLst>
+                                  <p:childTnLst>
+                                    <p:set>
+                                      <p:cBhvr>
+                                        <p:cTn id="14" dur="1" fill="hold">
+                                          <p:stCondLst>
+                                            <p:cond delay="0"/>
+                                          </p:stCondLst>
+                                        </p:cTn>
+                                        <p:tgtEl>
+                                          <p:spTgt spid="8">
+                                            <p:txEl>
+                                              <p:pRg st="1" end="1"/>
+                                            </p:txEl>
+                                          </p:spTgt>
+                                        </p:tgtEl>
+                                        <p:attrNameLst>
+                                          <p:attrName>style.visibility</p:attrName>
+                                        </p:attrNameLst>
+                                      </p:cBhvr>
+                                      <p:to>
+                                        <p:strVal val="visible"/>
+                                      </p:to>
+                                    </p:set>
+                                  </p:childTnLst>
+                                </p:cTn>
+                              </p:par>
+                            </p:childTnLst>
+                          </p:cTn>
+                        </p:par>
+                      </p:childTnLst>
+                    </p:cTn>
+                  </p:par>
+                  <p:par>
+                    <p:cTn id="15" fill="hold">
+                      <p:stCondLst>
+                        <p:cond delay="indefinite"/>
+                      </p:stCondLst>
+                      <p:childTnLst>
+                        <p:par>
+                          <p:cTn id="16" fill="hold">
+                            <p:stCondLst>
+                              <p:cond delay="0"/>
+                            </p:stCondLst>
+                            <p:childTnLst>
+                              <p:par>
+                                <p:cTn id="17" presetID="1" presetClass="entr" presetSubtype="0" fill="hold" grpId="0" nodeType="clickEffect">
+                                  <p:stCondLst>
+                                    <p:cond delay="0"/>
+                                  </p:stCondLst>
+                                  <p:childTnLst>
+                                    <p:set>
+                                      <p:cBhvr>
+                                        <p:cTn id="18" dur="1" fill="hold">
+                                          <p:stCondLst>
+                                            <p:cond delay="0"/>
+                                          </p:stCondLst>
+                                        </p:cTn>
+                                        <p:tgtEl>
+                                          <p:spTgt spid="8">
+                                            <p:txEl>
+                                              <p:pRg st="2" end="2"/>
+                                            </p:txEl>
+                                          </p:spTgt>
+                                        </p:tgtEl>
+                                        <p:attrNameLst>
+                                          <p:attrName>style.visibility</p:attrName>
+                                        </p:attrNameLst>
+                                      </p:cBhvr>
+                                      <p:to>
+                                        <p:strVal val="visible"/>
+                                      </p:to>
+                                    </p:set>
+                                  </p:childTnLst>
+                                </p:cTn>
+                              </p:par>
+                            </p:childTnLst>
+                          </p:cTn>
+                        </p:par>
+                      </p:childTnLst>
+                    </p:cTn>
+                  </p:par>
+                </p:childTnLst>
+              </p:cTn>
+              <p:prevCondLst>
+                <p:cond evt="onPrev" delay="0">
+                  <p:tgtEl>
+                    <p:sldTgt/>
+                  </p:tgtEl>
+                </p:cond>
+              </p:prevCondLst>
+              <p:nextCondLst>
+                <p:cond evt="onNext" delay="0">
+                  <p:tgtEl>
+                    <p:sldTgt/>
+                  </p:tgtEl>
+                </p:cond>
+              </p:nextCondLst>
+            </p:seq>
+          </p:childTnLst>
+        </p:cTn>
+      </p:par>
+    </p:tnLst>
+    <p:bldLst>
+      <p:bldP spid="5" grpId="0" build="p"/>
+      <p:bldP spid="8" grpId="0" build="p"/>
+    </p:bldLst>
+  </p:timing>
 </p:sld>
 </file>
 
@@ -12972,7 +15433,7 @@
                 <a:ea typeface="+mn-ea"/>
                 <a:cs typeface="+mn-cs"/>
               </a:rPr>
-              <a:t>6. </a:t>
+              <a:t>5. </a:t>
             </a:r>
             <a:r>
               <a:rPr lang="es-ES_tradnl" altLang="ja-JP" sz="5400" b="1" dirty="0">
@@ -13044,7 +15505,7 @@
         </p:nvSpPr>
         <p:spPr>
           <a:xfrm>
-            <a:off x="609600" y="1439942"/>
+            <a:off x="609600" y="1166018"/>
             <a:ext cx="10972800" cy="4525963"/>
           </a:xfrm>
         </p:spPr>
@@ -13060,13 +15521,13 @@
               <a:buChar char="§"/>
             </a:pPr>
             <a:r>
-              <a:rPr lang="es-ES" altLang="es-ES" sz="3400" dirty="0">
-                <a:solidFill>
-                  <a:srgbClr val="006666"/>
-                </a:solidFill>
-                <a:latin typeface="Fontana ND Cc OsF Semibold" pitchFamily="2" charset="0"/>
-              </a:rPr>
-              <a:t>Línea de investigación de interés actual.</a:t>
+              <a:rPr lang="es-ES" altLang="es-ES" sz="2800" dirty="0">
+                <a:solidFill>
+                  <a:srgbClr val="006666"/>
+                </a:solidFill>
+                <a:latin typeface="Fontana ND Cc OsF Semibold" pitchFamily="2" charset="0"/>
+              </a:rPr>
+              <a:t>Problema complejo y con escasa investigación.</a:t>
             </a:r>
           </a:p>
           <a:p>
@@ -13078,13 +15539,13 @@
               <a:buChar char="§"/>
             </a:pPr>
             <a:r>
-              <a:rPr lang="es-ES" altLang="es-ES" sz="3400" dirty="0">
-                <a:solidFill>
-                  <a:srgbClr val="006666"/>
-                </a:solidFill>
-                <a:latin typeface="Fontana ND Cc OsF Semibold" pitchFamily="2" charset="0"/>
-              </a:rPr>
-              <a:t>&gt; 70% de tasa de acierto con método basado en frecuencia.</a:t>
+              <a:rPr lang="es-ES" altLang="es-ES" sz="2800" dirty="0">
+                <a:solidFill>
+                  <a:srgbClr val="006666"/>
+                </a:solidFill>
+                <a:latin typeface="Fontana ND Cc OsF Semibold" pitchFamily="2" charset="0"/>
+              </a:rPr>
+              <a:t>Facilidad para recuperar información machista de distintos tipos en redes sociales.</a:t>
             </a:r>
           </a:p>
           <a:p>
@@ -13096,13 +15557,13 @@
               <a:buChar char="§"/>
             </a:pPr>
             <a:r>
-              <a:rPr lang="es-ES" altLang="es-ES" sz="3400" dirty="0">
-                <a:solidFill>
-                  <a:srgbClr val="006666"/>
-                </a:solidFill>
-                <a:latin typeface="Fontana ND Cc OsF Semibold" pitchFamily="2" charset="0"/>
-              </a:rPr>
-              <a:t>Sesgo para términos concretos.</a:t>
+              <a:rPr lang="es-ES" altLang="es-ES" sz="2800" dirty="0">
+                <a:solidFill>
+                  <a:srgbClr val="006666"/>
+                </a:solidFill>
+                <a:latin typeface="Fontana ND Cc OsF Semibold" pitchFamily="2" charset="0"/>
+              </a:rPr>
+              <a:t>&gt; 70% de tasa de acierto con técnicas simples y robustas.</a:t>
             </a:r>
           </a:p>
           <a:p>
@@ -13114,7 +15575,25 @@
               <a:buChar char="§"/>
             </a:pPr>
             <a:r>
-              <a:rPr lang="es-ES" altLang="es-ES" sz="3400" dirty="0">
+              <a:rPr lang="es-ES" altLang="es-ES" sz="2800" dirty="0">
+                <a:solidFill>
+                  <a:srgbClr val="006666"/>
+                </a:solidFill>
+                <a:latin typeface="Fontana ND Cc OsF Semibold" pitchFamily="2" charset="0"/>
+              </a:rPr>
+              <a:t>Sesgo para términos concretos.</a:t>
+            </a:r>
+          </a:p>
+          <a:p>
+            <a:pPr algn="just">
+              <a:lnSpc>
+                <a:spcPct val="200000"/>
+              </a:lnSpc>
+              <a:buFont typeface="Wingdings" panose="05000000000000000000" pitchFamily="2" charset="2"/>
+              <a:buChar char="§"/>
+            </a:pPr>
+            <a:r>
+              <a:rPr lang="es-ES" altLang="es-ES" sz="2800" dirty="0">
                 <a:solidFill>
                   <a:srgbClr val="006666"/>
                 </a:solidFill>
@@ -16860,31 +19339,49 @@
               <a:buChar char="§"/>
             </a:pPr>
             <a:r>
-              <a:rPr lang="es-ES" altLang="es-ES" sz="2800" dirty="0">
-                <a:solidFill>
-                  <a:srgbClr val="006666"/>
-                </a:solidFill>
-                <a:latin typeface="Fontana ND Cc OsF Semibold" pitchFamily="2" charset="0"/>
-              </a:rPr>
-              <a:t>Reemplazo de </a:t>
-            </a:r>
-            <a:r>
-              <a:rPr lang="es-ES" altLang="es-ES" sz="2800" dirty="0" err="1">
-                <a:solidFill>
-                  <a:srgbClr val="006666"/>
-                </a:solidFill>
-                <a:latin typeface="Fontana ND Cc OsF Semibold" pitchFamily="2" charset="0"/>
-              </a:rPr>
-              <a:t>emojis</a:t>
-            </a:r>
-            <a:r>
-              <a:rPr lang="es-ES" altLang="es-ES" sz="2800" dirty="0">
-                <a:solidFill>
-                  <a:srgbClr val="006666"/>
-                </a:solidFill>
-                <a:latin typeface="Fontana ND Cc OsF Semibold" pitchFamily="2" charset="0"/>
-              </a:rPr>
-              <a:t>.</a:t>
+              <a:rPr lang="es-ES" altLang="es-ES" sz="2200" dirty="0">
+                <a:solidFill>
+                  <a:srgbClr val="006666"/>
+                </a:solidFill>
+                <a:latin typeface="Fontana ND Cc OsF Semibold" pitchFamily="2" charset="0"/>
+              </a:rPr>
+              <a:t>display </a:t>
+            </a:r>
+            <a:r>
+              <a:rPr lang="es-ES" altLang="es-ES" sz="2200" dirty="0" err="1">
+                <a:solidFill>
+                  <a:srgbClr val="006666"/>
+                </a:solidFill>
+                <a:latin typeface="Fontana ND Cc OsF Semibold" pitchFamily="2" charset="0"/>
+              </a:rPr>
+              <a:t>text</a:t>
+            </a:r>
+            <a:r>
+              <a:rPr lang="es-ES" altLang="es-ES" sz="2200" dirty="0">
+                <a:solidFill>
+                  <a:srgbClr val="006666"/>
+                </a:solidFill>
+                <a:latin typeface="Fontana ND Cc OsF Semibold" pitchFamily="2" charset="0"/>
+              </a:rPr>
+              <a:t> </a:t>
+            </a:r>
+            <a:r>
+              <a:rPr lang="es-ES" altLang="es-ES" sz="2200" dirty="0" err="1">
+                <a:solidFill>
+                  <a:srgbClr val="006666"/>
+                </a:solidFill>
+                <a:latin typeface="Fontana ND Cc OsF Semibold" pitchFamily="2" charset="0"/>
+              </a:rPr>
+              <a:t>width</a:t>
+            </a:r>
+            <a:r>
+              <a:rPr lang="es-ES" altLang="es-ES" sz="2200" dirty="0">
+                <a:solidFill>
+                  <a:srgbClr val="006666"/>
+                </a:solidFill>
+                <a:latin typeface="Fontana ND Cc OsF Semibold" pitchFamily="2" charset="0"/>
+              </a:rPr>
+              <a:t>: número de caracteres del tweet.</a:t>
             </a:r>
           </a:p>
           <a:p>
@@ -16896,31 +19393,40 @@
               <a:buChar char="§"/>
             </a:pPr>
             <a:r>
-              <a:rPr lang="es-ES" altLang="es-ES" sz="2800" dirty="0">
-                <a:solidFill>
-                  <a:srgbClr val="006666"/>
-                </a:solidFill>
-                <a:latin typeface="Fontana ND Cc OsF Semibold" pitchFamily="2" charset="0"/>
-              </a:rPr>
-              <a:t>Filtrado de </a:t>
-            </a:r>
-            <a:r>
-              <a:rPr lang="es-ES" altLang="es-ES" sz="2800" dirty="0" err="1">
-                <a:solidFill>
-                  <a:srgbClr val="006666"/>
-                </a:solidFill>
-                <a:latin typeface="Fontana ND Cc OsF Semibold" pitchFamily="2" charset="0"/>
-              </a:rPr>
-              <a:t>URLs</a:t>
-            </a:r>
-            <a:r>
-              <a:rPr lang="es-ES" altLang="es-ES" sz="2800" dirty="0">
-                <a:solidFill>
-                  <a:srgbClr val="006666"/>
-                </a:solidFill>
-                <a:latin typeface="Fontana ND Cc OsF Semibold" pitchFamily="2" charset="0"/>
-              </a:rPr>
-              <a:t>.</a:t>
+              <a:rPr lang="es-ES" altLang="es-ES" sz="2200" dirty="0" err="1">
+                <a:solidFill>
+                  <a:srgbClr val="006666"/>
+                </a:solidFill>
+                <a:latin typeface="Fontana ND Cc OsF Semibold" pitchFamily="2" charset="0"/>
+              </a:rPr>
+              <a:t>favorite</a:t>
+            </a:r>
+            <a:r>
+              <a:rPr lang="es-ES" altLang="es-ES" sz="2200" dirty="0">
+                <a:solidFill>
+                  <a:srgbClr val="006666"/>
+                </a:solidFill>
+                <a:latin typeface="Fontana ND Cc OsF Semibold" pitchFamily="2" charset="0"/>
+              </a:rPr>
+              <a:t> </a:t>
+            </a:r>
+            <a:r>
+              <a:rPr lang="es-ES" altLang="es-ES" sz="2200" dirty="0" err="1">
+                <a:solidFill>
+                  <a:srgbClr val="006666"/>
+                </a:solidFill>
+                <a:latin typeface="Fontana ND Cc OsF Semibold" pitchFamily="2" charset="0"/>
+              </a:rPr>
+              <a:t>count</a:t>
+            </a:r>
+            <a:r>
+              <a:rPr lang="es-ES" altLang="es-ES" sz="2200" dirty="0">
+                <a:solidFill>
+                  <a:srgbClr val="006666"/>
+                </a:solidFill>
+                <a:latin typeface="Fontana ND Cc OsF Semibold" pitchFamily="2" charset="0"/>
+              </a:rPr>
+              <a:t>: número de veces que el tweet ha sido marcado como favorito.</a:t>
             </a:r>
           </a:p>
           <a:p>
@@ -16932,13 +19438,58 @@
               <a:buChar char="§"/>
             </a:pPr>
             <a:r>
-              <a:rPr lang="es-ES" altLang="es-ES" sz="2800" dirty="0">
-                <a:solidFill>
-                  <a:srgbClr val="006666"/>
-                </a:solidFill>
-                <a:latin typeface="Fontana ND Cc OsF Semibold" pitchFamily="2" charset="0"/>
-              </a:rPr>
-              <a:t>Filtrado de usuarios.</a:t>
+              <a:rPr lang="es-ES" altLang="es-ES" sz="2200" dirty="0" err="1">
+                <a:solidFill>
+                  <a:srgbClr val="006666"/>
+                </a:solidFill>
+                <a:latin typeface="Fontana ND Cc OsF Semibold" pitchFamily="2" charset="0"/>
+              </a:rPr>
+              <a:t>retweet</a:t>
+            </a:r>
+            <a:r>
+              <a:rPr lang="es-ES" altLang="es-ES" sz="2200" dirty="0">
+                <a:solidFill>
+                  <a:srgbClr val="006666"/>
+                </a:solidFill>
+                <a:latin typeface="Fontana ND Cc OsF Semibold" pitchFamily="2" charset="0"/>
+              </a:rPr>
+              <a:t> </a:t>
+            </a:r>
+            <a:r>
+              <a:rPr lang="es-ES" altLang="es-ES" sz="2200" dirty="0" err="1">
+                <a:solidFill>
+                  <a:srgbClr val="006666"/>
+                </a:solidFill>
+                <a:latin typeface="Fontana ND Cc OsF Semibold" pitchFamily="2" charset="0"/>
+              </a:rPr>
+              <a:t>count</a:t>
+            </a:r>
+            <a:r>
+              <a:rPr lang="es-ES" altLang="es-ES" sz="2200" dirty="0">
+                <a:solidFill>
+                  <a:srgbClr val="006666"/>
+                </a:solidFill>
+                <a:latin typeface="Fontana ND Cc OsF Semibold" pitchFamily="2" charset="0"/>
+              </a:rPr>
+              <a:t>: número de veces que el tweet ha sido </a:t>
+            </a:r>
+            <a:r>
+              <a:rPr lang="es-ES" altLang="es-ES" sz="2200" dirty="0" err="1">
+                <a:solidFill>
+                  <a:srgbClr val="006666"/>
+                </a:solidFill>
+                <a:latin typeface="Fontana ND Cc OsF Semibold" pitchFamily="2" charset="0"/>
+              </a:rPr>
+              <a:t>retwiteado</a:t>
+            </a:r>
+            <a:r>
+              <a:rPr lang="es-ES" altLang="es-ES" sz="2200" dirty="0">
+                <a:solidFill>
+                  <a:srgbClr val="006666"/>
+                </a:solidFill>
+                <a:latin typeface="Fontana ND Cc OsF Semibold" pitchFamily="2" charset="0"/>
+              </a:rPr>
+              <a:t>.</a:t>
             </a:r>
           </a:p>
           <a:p>
@@ -16950,43 +19501,16 @@
               <a:buChar char="§"/>
             </a:pPr>
             <a:r>
-              <a:rPr lang="es-ES" altLang="es-ES" sz="2800" dirty="0">
-                <a:solidFill>
-                  <a:srgbClr val="006666"/>
-                </a:solidFill>
-                <a:latin typeface="Fontana ND Cc OsF Semibold" pitchFamily="2" charset="0"/>
-              </a:rPr>
-              <a:t>Convertidor de </a:t>
-            </a:r>
-            <a:r>
-              <a:rPr lang="es-ES" altLang="es-ES" sz="2800" dirty="0" err="1">
-                <a:solidFill>
-                  <a:srgbClr val="006666"/>
-                </a:solidFill>
-                <a:latin typeface="Fontana ND Cc OsF Semibold" pitchFamily="2" charset="0"/>
-              </a:rPr>
-              <a:t>hastgs</a:t>
-            </a:r>
-            <a:r>
-              <a:rPr lang="es-ES" altLang="es-ES" sz="2800" dirty="0">
-                <a:solidFill>
-                  <a:srgbClr val="006666"/>
-                </a:solidFill>
-                <a:latin typeface="Fontana ND Cc OsF Semibold" pitchFamily="2" charset="0"/>
-              </a:rPr>
-              <a:t>: #</a:t>
-            </a:r>
-            <a:r>
-              <a:rPr lang="es-ES" altLang="es-ES" sz="2800" dirty="0" err="1">
-                <a:solidFill>
-                  <a:srgbClr val="006666"/>
-                </a:solidFill>
-                <a:latin typeface="Fontana ND Cc OsF Semibold" pitchFamily="2" charset="0"/>
-              </a:rPr>
-              <a:t>FelizDía</a:t>
-            </a:r>
-            <a:r>
-              <a:rPr lang="es-ES" altLang="es-ES" sz="2800" dirty="0">
+              <a:rPr lang="es-ES" altLang="es-ES" sz="2200" dirty="0" err="1">
+                <a:solidFill>
+                  <a:srgbClr val="006666"/>
+                </a:solidFill>
+                <a:latin typeface="Fontana ND Cc OsF Semibold" pitchFamily="2" charset="0"/>
+              </a:rPr>
+              <a:t>followers</a:t>
+            </a:r>
+            <a:r>
+              <a:rPr lang="es-ES" altLang="es-ES" sz="2200" dirty="0">
                 <a:solidFill>
                   <a:srgbClr val="006666"/>
                 </a:solidFill>
@@ -16995,14 +19519,22 @@
               <a:t> </a:t>
             </a:r>
             <a:r>
-              <a:rPr lang="es-ES" altLang="es-ES" sz="2800" dirty="0">
-                <a:solidFill>
-                  <a:srgbClr val="006666"/>
-                </a:solidFill>
-                <a:latin typeface="Fontana ND Cc OsF Semibold" pitchFamily="2" charset="0"/>
-                <a:sym typeface="Wingdings" panose="05000000000000000000" pitchFamily="2" charset="2"/>
-              </a:rPr>
-              <a:t> Feliz Día</a:t>
+              <a:rPr lang="es-ES" altLang="es-ES" sz="2200" dirty="0" err="1">
+                <a:solidFill>
+                  <a:srgbClr val="006666"/>
+                </a:solidFill>
+                <a:latin typeface="Fontana ND Cc OsF Semibold" pitchFamily="2" charset="0"/>
+              </a:rPr>
+              <a:t>count</a:t>
+            </a:r>
+            <a:r>
+              <a:rPr lang="es-ES" altLang="es-ES" sz="2200" dirty="0">
+                <a:solidFill>
+                  <a:srgbClr val="006666"/>
+                </a:solidFill>
+                <a:latin typeface="Fontana ND Cc OsF Semibold" pitchFamily="2" charset="0"/>
+              </a:rPr>
+              <a:t>: número de seguidores del usuario que publica el tweet.</a:t>
             </a:r>
           </a:p>
           <a:p>
@@ -17014,14 +19546,40 @@
               <a:buChar char="§"/>
             </a:pPr>
             <a:r>
-              <a:rPr lang="es-ES" altLang="es-ES" sz="2800" dirty="0">
-                <a:solidFill>
-                  <a:srgbClr val="006666"/>
-                </a:solidFill>
-                <a:latin typeface="Fontana ND Cc OsF Semibold" pitchFamily="2" charset="0"/>
-                <a:sym typeface="Wingdings" panose="05000000000000000000" pitchFamily="2" charset="2"/>
-              </a:rPr>
-              <a:t>Convertidor a minúsculas</a:t>
+              <a:rPr lang="es-ES" altLang="es-ES" sz="2200" dirty="0" err="1">
+                <a:solidFill>
+                  <a:srgbClr val="006666"/>
+                </a:solidFill>
+                <a:latin typeface="Fontana ND Cc OsF Semibold" pitchFamily="2" charset="0"/>
+              </a:rPr>
+              <a:t>friends</a:t>
+            </a:r>
+            <a:r>
+              <a:rPr lang="es-ES" altLang="es-ES" sz="2200" dirty="0">
+                <a:solidFill>
+                  <a:srgbClr val="006666"/>
+                </a:solidFill>
+                <a:latin typeface="Fontana ND Cc OsF Semibold" pitchFamily="2" charset="0"/>
+              </a:rPr>
+              <a:t> </a:t>
+            </a:r>
+            <a:r>
+              <a:rPr lang="es-ES" altLang="es-ES" sz="2200" dirty="0" err="1">
+                <a:solidFill>
+                  <a:srgbClr val="006666"/>
+                </a:solidFill>
+                <a:latin typeface="Fontana ND Cc OsF Semibold" pitchFamily="2" charset="0"/>
+              </a:rPr>
+              <a:t>count</a:t>
+            </a:r>
+            <a:r>
+              <a:rPr lang="es-ES" altLang="es-ES" sz="2200" dirty="0">
+                <a:solidFill>
+                  <a:srgbClr val="006666"/>
+                </a:solidFill>
+                <a:latin typeface="Fontana ND Cc OsF Semibold" pitchFamily="2" charset="0"/>
+              </a:rPr>
+              <a:t>: número de personas seguidas por el usuario que publica el tweet.</a:t>
             </a:r>
           </a:p>
           <a:p>
@@ -17033,14 +19591,40 @@
               <a:buChar char="§"/>
             </a:pPr>
             <a:r>
-              <a:rPr lang="es-ES" altLang="es-ES" sz="2800" dirty="0">
-                <a:solidFill>
-                  <a:srgbClr val="006666"/>
-                </a:solidFill>
-                <a:latin typeface="Fontana ND Cc OsF Semibold" pitchFamily="2" charset="0"/>
-                <a:sym typeface="Wingdings" panose="05000000000000000000" pitchFamily="2" charset="2"/>
-              </a:rPr>
-              <a:t>Reemplazo de interrogaciones, exclamaciones y signos de puntuación.</a:t>
+              <a:rPr lang="es-ES" altLang="es-ES" sz="2200" dirty="0" err="1">
+                <a:solidFill>
+                  <a:srgbClr val="006666"/>
+                </a:solidFill>
+                <a:latin typeface="Fontana ND Cc OsF Semibold" pitchFamily="2" charset="0"/>
+              </a:rPr>
+              <a:t>listed</a:t>
+            </a:r>
+            <a:r>
+              <a:rPr lang="es-ES" altLang="es-ES" sz="2200" dirty="0">
+                <a:solidFill>
+                  <a:srgbClr val="006666"/>
+                </a:solidFill>
+                <a:latin typeface="Fontana ND Cc OsF Semibold" pitchFamily="2" charset="0"/>
+              </a:rPr>
+              <a:t> </a:t>
+            </a:r>
+            <a:r>
+              <a:rPr lang="es-ES" altLang="es-ES" sz="2200" dirty="0" err="1">
+                <a:solidFill>
+                  <a:srgbClr val="006666"/>
+                </a:solidFill>
+                <a:latin typeface="Fontana ND Cc OsF Semibold" pitchFamily="2" charset="0"/>
+              </a:rPr>
+              <a:t>count</a:t>
+            </a:r>
+            <a:r>
+              <a:rPr lang="es-ES" altLang="es-ES" sz="2200" dirty="0">
+                <a:solidFill>
+                  <a:srgbClr val="006666"/>
+                </a:solidFill>
+                <a:latin typeface="Fontana ND Cc OsF Semibold" pitchFamily="2" charset="0"/>
+              </a:rPr>
+              <a:t>: número de listas en las que está inscrito el usuario que publica el tweet.</a:t>
             </a:r>
           </a:p>
           <a:p>
@@ -17052,79 +19636,86 @@
               <a:buChar char="§"/>
             </a:pPr>
             <a:r>
-              <a:rPr lang="es-ES" altLang="es-ES" sz="2800" i="1" dirty="0" err="1">
-                <a:solidFill>
-                  <a:srgbClr val="006666"/>
-                </a:solidFill>
-                <a:latin typeface="Fontana ND Cc OsF Semibold" pitchFamily="2" charset="0"/>
-                <a:sym typeface="Wingdings" panose="05000000000000000000" pitchFamily="2" charset="2"/>
-              </a:rPr>
-              <a:t>TweetTokenizer</a:t>
-            </a:r>
-            <a:r>
-              <a:rPr lang="es-ES" altLang="es-ES" sz="2800" i="1" dirty="0">
-                <a:solidFill>
-                  <a:srgbClr val="006666"/>
-                </a:solidFill>
-                <a:latin typeface="Fontana ND Cc OsF Semibold" pitchFamily="2" charset="0"/>
-                <a:sym typeface="Wingdings" panose="05000000000000000000" pitchFamily="2" charset="2"/>
-              </a:rPr>
-              <a:t>  </a:t>
-            </a:r>
-            <a:r>
-              <a:rPr lang="es-ES" altLang="es-ES" sz="2800" i="1" dirty="0" err="1">
-                <a:solidFill>
-                  <a:srgbClr val="006666"/>
-                </a:solidFill>
-                <a:latin typeface="Fontana ND Cc OsF Semibold" pitchFamily="2" charset="0"/>
-                <a:sym typeface="Wingdings" panose="05000000000000000000" pitchFamily="2" charset="2"/>
-              </a:rPr>
-              <a:t>Stopwords</a:t>
-            </a:r>
-            <a:r>
-              <a:rPr lang="es-ES" altLang="es-ES" sz="2800" i="1" dirty="0">
-                <a:solidFill>
-                  <a:srgbClr val="006666"/>
-                </a:solidFill>
-                <a:latin typeface="Fontana ND Cc OsF Semibold" pitchFamily="2" charset="0"/>
-                <a:sym typeface="Wingdings" panose="05000000000000000000" pitchFamily="2" charset="2"/>
-              </a:rPr>
-              <a:t>, normalización y </a:t>
-            </a:r>
-            <a:r>
-              <a:rPr lang="es-ES" altLang="es-ES" sz="2800" i="1" dirty="0" err="1">
-                <a:solidFill>
-                  <a:srgbClr val="006666"/>
-                </a:solidFill>
-                <a:latin typeface="Fontana ND Cc OsF Semibold" pitchFamily="2" charset="0"/>
-                <a:sym typeface="Wingdings" panose="05000000000000000000" pitchFamily="2" charset="2"/>
-              </a:rPr>
-              <a:t>stemming</a:t>
-            </a:r>
-            <a:r>
-              <a:rPr lang="es-ES" altLang="es-ES" sz="2800" i="1" dirty="0">
-                <a:solidFill>
-                  <a:srgbClr val="006666"/>
-                </a:solidFill>
-                <a:latin typeface="Fontana ND Cc OsF Semibold" pitchFamily="2" charset="0"/>
-                <a:sym typeface="Wingdings" panose="05000000000000000000" pitchFamily="2" charset="2"/>
-              </a:rPr>
-              <a:t>.</a:t>
-            </a:r>
-            <a:endParaRPr lang="es-ES" altLang="es-ES" sz="2800" i="1" dirty="0">
-              <a:solidFill>
-                <a:srgbClr val="006666"/>
-              </a:solidFill>
-              <a:latin typeface="Fontana ND Cc OsF Semibold" pitchFamily="2" charset="0"/>
-            </a:endParaRPr>
-          </a:p>
-          <a:p>
-            <a:endParaRPr lang="es-ES" altLang="es-ES" sz="2800" dirty="0">
-              <a:solidFill>
-                <a:srgbClr val="006666"/>
-              </a:solidFill>
-              <a:latin typeface="Fontana ND Cc OsF Semibold" pitchFamily="2" charset="0"/>
-            </a:endParaRPr>
+              <a:rPr lang="es-ES" altLang="es-ES" sz="2200" dirty="0" err="1">
+                <a:solidFill>
+                  <a:srgbClr val="006666"/>
+                </a:solidFill>
+                <a:latin typeface="Fontana ND Cc OsF Semibold" pitchFamily="2" charset="0"/>
+              </a:rPr>
+              <a:t>statuses</a:t>
+            </a:r>
+            <a:r>
+              <a:rPr lang="es-ES" altLang="es-ES" sz="2200" dirty="0">
+                <a:solidFill>
+                  <a:srgbClr val="006666"/>
+                </a:solidFill>
+                <a:latin typeface="Fontana ND Cc OsF Semibold" pitchFamily="2" charset="0"/>
+              </a:rPr>
+              <a:t> </a:t>
+            </a:r>
+            <a:r>
+              <a:rPr lang="es-ES" altLang="es-ES" sz="2200" dirty="0" err="1">
+                <a:solidFill>
+                  <a:srgbClr val="006666"/>
+                </a:solidFill>
+                <a:latin typeface="Fontana ND Cc OsF Semibold" pitchFamily="2" charset="0"/>
+              </a:rPr>
+              <a:t>count</a:t>
+            </a:r>
+            <a:r>
+              <a:rPr lang="es-ES" altLang="es-ES" sz="2200" dirty="0">
+                <a:solidFill>
+                  <a:srgbClr val="006666"/>
+                </a:solidFill>
+                <a:latin typeface="Fontana ND Cc OsF Semibold" pitchFamily="2" charset="0"/>
+              </a:rPr>
+              <a:t>: número de tweets publicados por el usuario que publicó el tweet.</a:t>
+            </a:r>
+          </a:p>
+          <a:p>
+            <a:pPr algn="just">
+              <a:lnSpc>
+                <a:spcPct val="150000"/>
+              </a:lnSpc>
+              <a:buFont typeface="Wingdings" panose="05000000000000000000" pitchFamily="2" charset="2"/>
+              <a:buChar char="§"/>
+            </a:pPr>
+            <a:r>
+              <a:rPr lang="es-ES" altLang="es-ES" sz="2200" dirty="0" err="1">
+                <a:solidFill>
+                  <a:srgbClr val="006666"/>
+                </a:solidFill>
+                <a:latin typeface="Fontana ND Cc OsF Semibold" pitchFamily="2" charset="0"/>
+              </a:rPr>
+              <a:t>favourites</a:t>
+            </a:r>
+            <a:r>
+              <a:rPr lang="es-ES" altLang="es-ES" sz="2200" dirty="0">
+                <a:solidFill>
+                  <a:srgbClr val="006666"/>
+                </a:solidFill>
+                <a:latin typeface="Fontana ND Cc OsF Semibold" pitchFamily="2" charset="0"/>
+              </a:rPr>
+              <a:t> </a:t>
+            </a:r>
+            <a:r>
+              <a:rPr lang="es-ES" altLang="es-ES" sz="2200" dirty="0" err="1">
+                <a:solidFill>
+                  <a:srgbClr val="006666"/>
+                </a:solidFill>
+                <a:latin typeface="Fontana ND Cc OsF Semibold" pitchFamily="2" charset="0"/>
+              </a:rPr>
+              <a:t>count</a:t>
+            </a:r>
+            <a:r>
+              <a:rPr lang="es-ES" altLang="es-ES" sz="2200" dirty="0">
+                <a:solidFill>
+                  <a:srgbClr val="006666"/>
+                </a:solidFill>
+                <a:latin typeface="Fontana ND Cc OsF Semibold" pitchFamily="2" charset="0"/>
+              </a:rPr>
+              <a:t>: número de tweets que el usuario que publicó el tweet marcó como favorito.</a:t>
+            </a:r>
           </a:p>
           <a:p>
             <a:endParaRPr lang="es-ES" dirty="0"/>
@@ -17305,7 +19896,7 @@
                 </a:solidFill>
                 <a:latin typeface="Fontana ND Cc OsF Semibold" pitchFamily="2" charset="0"/>
               </a:rPr>
-              <a:t>TEXTO</a:t>
+              <a:t>ATRIBUTOS NUMÉRICOS</a:t>
             </a:r>
             <a:br>
               <a:rPr lang="es-ES" altLang="es-ES" kern="0" dirty="0">
@@ -17322,7 +19913,7 @@
     </p:spTree>
     <p:extLst>
       <p:ext uri="{BB962C8B-B14F-4D97-AF65-F5344CB8AC3E}">
-        <p14:creationId xmlns:p14="http://schemas.microsoft.com/office/powerpoint/2010/main" val="2706261447"/>
+        <p14:creationId xmlns:p14="http://schemas.microsoft.com/office/powerpoint/2010/main" val="1975422469"/>
       </p:ext>
     </p:extLst>
   </p:cSld>
@@ -17573,49 +20164,22 @@
               <a:buChar char="§"/>
             </a:pPr>
             <a:r>
-              <a:rPr lang="es-ES" altLang="es-ES" sz="2200" dirty="0">
-                <a:solidFill>
-                  <a:srgbClr val="006666"/>
-                </a:solidFill>
-                <a:latin typeface="Fontana ND Cc OsF Semibold" pitchFamily="2" charset="0"/>
-              </a:rPr>
-              <a:t>display </a:t>
-            </a:r>
-            <a:r>
-              <a:rPr lang="es-ES" altLang="es-ES" sz="2200" dirty="0" err="1">
-                <a:solidFill>
-                  <a:srgbClr val="006666"/>
-                </a:solidFill>
-                <a:latin typeface="Fontana ND Cc OsF Semibold" pitchFamily="2" charset="0"/>
-              </a:rPr>
-              <a:t>text</a:t>
-            </a:r>
-            <a:r>
-              <a:rPr lang="es-ES" altLang="es-ES" sz="2200" dirty="0">
-                <a:solidFill>
-                  <a:srgbClr val="006666"/>
-                </a:solidFill>
-                <a:latin typeface="Fontana ND Cc OsF Semibold" pitchFamily="2" charset="0"/>
-              </a:rPr>
-              <a:t> </a:t>
-            </a:r>
-            <a:r>
-              <a:rPr lang="es-ES" altLang="es-ES" sz="2200" dirty="0" err="1">
-                <a:solidFill>
-                  <a:srgbClr val="006666"/>
-                </a:solidFill>
-                <a:latin typeface="Fontana ND Cc OsF Semibold" pitchFamily="2" charset="0"/>
-              </a:rPr>
-              <a:t>width</a:t>
-            </a:r>
-            <a:r>
-              <a:rPr lang="es-ES" altLang="es-ES" sz="2200" dirty="0">
-                <a:solidFill>
-                  <a:srgbClr val="006666"/>
-                </a:solidFill>
-                <a:latin typeface="Fontana ND Cc OsF Semibold" pitchFamily="2" charset="0"/>
-              </a:rPr>
-              <a:t>: número de caracteres del tweet.</a:t>
+              <a:rPr lang="es-ES" altLang="es-ES" sz="2400" dirty="0" err="1">
+                <a:solidFill>
+                  <a:srgbClr val="006666"/>
+                </a:solidFill>
+                <a:latin typeface="Fontana ND Cc OsF Semibold" pitchFamily="2" charset="0"/>
+              </a:rPr>
+              <a:t>source</a:t>
+            </a:r>
+            <a:r>
+              <a:rPr lang="es-ES" altLang="es-ES" sz="2400" dirty="0">
+                <a:solidFill>
+                  <a:srgbClr val="006666"/>
+                </a:solidFill>
+                <a:latin typeface="Fontana ND Cc OsF Semibold" pitchFamily="2" charset="0"/>
+              </a:rPr>
+              <a:t>: tipo de dispositivo con el que se publica el tweet.</a:t>
             </a:r>
           </a:p>
           <a:p>
@@ -17627,40 +20191,13 @@
               <a:buChar char="§"/>
             </a:pPr>
             <a:r>
-              <a:rPr lang="es-ES" altLang="es-ES" sz="2200" dirty="0" err="1">
-                <a:solidFill>
-                  <a:srgbClr val="006666"/>
-                </a:solidFill>
-                <a:latin typeface="Fontana ND Cc OsF Semibold" pitchFamily="2" charset="0"/>
-              </a:rPr>
-              <a:t>favorite</a:t>
-            </a:r>
-            <a:r>
-              <a:rPr lang="es-ES" altLang="es-ES" sz="2200" dirty="0">
-                <a:solidFill>
-                  <a:srgbClr val="006666"/>
-                </a:solidFill>
-                <a:latin typeface="Fontana ND Cc OsF Semibold" pitchFamily="2" charset="0"/>
-              </a:rPr>
-              <a:t> </a:t>
-            </a:r>
-            <a:r>
-              <a:rPr lang="es-ES" altLang="es-ES" sz="2200" dirty="0" err="1">
-                <a:solidFill>
-                  <a:srgbClr val="006666"/>
-                </a:solidFill>
-                <a:latin typeface="Fontana ND Cc OsF Semibold" pitchFamily="2" charset="0"/>
-              </a:rPr>
-              <a:t>count</a:t>
-            </a:r>
-            <a:r>
-              <a:rPr lang="es-ES" altLang="es-ES" sz="2200" dirty="0">
-                <a:solidFill>
-                  <a:srgbClr val="006666"/>
-                </a:solidFill>
-                <a:latin typeface="Fontana ND Cc OsF Semibold" pitchFamily="2" charset="0"/>
-              </a:rPr>
-              <a:t>: número de veces que el tweet ha sido marcado como favorito.</a:t>
+              <a:rPr lang="es-ES" altLang="es-ES" sz="2400" dirty="0">
+                <a:solidFill>
+                  <a:srgbClr val="006666"/>
+                </a:solidFill>
+                <a:latin typeface="Fontana ND Cc OsF Semibold" pitchFamily="2" charset="0"/>
+              </a:rPr>
+              <a:t>respuesta: indica si el tweet es una respuesta a otro.</a:t>
             </a:r>
           </a:p>
           <a:p>
@@ -17672,16 +20209,25 @@
               <a:buChar char="§"/>
             </a:pPr>
             <a:r>
-              <a:rPr lang="es-ES" altLang="es-ES" sz="2200" dirty="0" err="1">
-                <a:solidFill>
-                  <a:srgbClr val="006666"/>
-                </a:solidFill>
-                <a:latin typeface="Fontana ND Cc OsF Semibold" pitchFamily="2" charset="0"/>
-              </a:rPr>
-              <a:t>retweet</a:t>
-            </a:r>
-            <a:r>
-              <a:rPr lang="es-ES" altLang="es-ES" sz="2200" dirty="0">
+              <a:rPr lang="es-ES" altLang="es-ES" sz="2400" dirty="0">
+                <a:solidFill>
+                  <a:srgbClr val="006666"/>
+                </a:solidFill>
+                <a:latin typeface="Fontana ND Cc OsF Semibold" pitchFamily="2" charset="0"/>
+              </a:rPr>
+              <a:t>respuesta </a:t>
+            </a:r>
+            <a:r>
+              <a:rPr lang="es-ES" altLang="es-ES" sz="2400" dirty="0" err="1">
+                <a:solidFill>
+                  <a:srgbClr val="006666"/>
+                </a:solidFill>
+                <a:latin typeface="Fontana ND Cc OsF Semibold" pitchFamily="2" charset="0"/>
+              </a:rPr>
+              <a:t>screen</a:t>
+            </a:r>
+            <a:r>
+              <a:rPr lang="es-ES" altLang="es-ES" sz="2400" dirty="0">
                 <a:solidFill>
                   <a:srgbClr val="006666"/>
                 </a:solidFill>
@@ -17690,40 +20236,22 @@
               <a:t> </a:t>
             </a:r>
             <a:r>
-              <a:rPr lang="es-ES" altLang="es-ES" sz="2200" dirty="0" err="1">
-                <a:solidFill>
-                  <a:srgbClr val="006666"/>
-                </a:solidFill>
-                <a:latin typeface="Fontana ND Cc OsF Semibold" pitchFamily="2" charset="0"/>
-              </a:rPr>
-              <a:t>count</a:t>
-            </a:r>
-            <a:r>
-              <a:rPr lang="es-ES" altLang="es-ES" sz="2200" dirty="0">
-                <a:solidFill>
-                  <a:srgbClr val="006666"/>
-                </a:solidFill>
-                <a:latin typeface="Fontana ND Cc OsF Semibold" pitchFamily="2" charset="0"/>
-              </a:rPr>
-              <a:t>: número de veces que el tweet ha sido </a:t>
-            </a:r>
-            <a:r>
-              <a:rPr lang="es-ES" altLang="es-ES" sz="2200" dirty="0" err="1">
-                <a:solidFill>
-                  <a:srgbClr val="006666"/>
-                </a:solidFill>
-                <a:latin typeface="Fontana ND Cc OsF Semibold" pitchFamily="2" charset="0"/>
-              </a:rPr>
-              <a:t>retwiteado</a:t>
-            </a:r>
-            <a:r>
-              <a:rPr lang="es-ES" altLang="es-ES" sz="2200" dirty="0">
-                <a:solidFill>
-                  <a:srgbClr val="006666"/>
-                </a:solidFill>
-                <a:latin typeface="Fontana ND Cc OsF Semibold" pitchFamily="2" charset="0"/>
-              </a:rPr>
-              <a:t>.</a:t>
+              <a:rPr lang="es-ES" altLang="es-ES" sz="2400" dirty="0" err="1">
+                <a:solidFill>
+                  <a:srgbClr val="006666"/>
+                </a:solidFill>
+                <a:latin typeface="Fontana ND Cc OsF Semibold" pitchFamily="2" charset="0"/>
+              </a:rPr>
+              <a:t>name</a:t>
+            </a:r>
+            <a:r>
+              <a:rPr lang="es-ES" altLang="es-ES" sz="2400" dirty="0">
+                <a:solidFill>
+                  <a:srgbClr val="006666"/>
+                </a:solidFill>
+                <a:latin typeface="Fontana ND Cc OsF Semibold" pitchFamily="2" charset="0"/>
+              </a:rPr>
+              <a:t>: nombre del usuario al que se responde.</a:t>
             </a:r>
           </a:p>
           <a:p>
@@ -17735,16 +20263,16 @@
               <a:buChar char="§"/>
             </a:pPr>
             <a:r>
-              <a:rPr lang="es-ES" altLang="es-ES" sz="2200" dirty="0" err="1">
-                <a:solidFill>
-                  <a:srgbClr val="006666"/>
-                </a:solidFill>
-                <a:latin typeface="Fontana ND Cc OsF Semibold" pitchFamily="2" charset="0"/>
-              </a:rPr>
-              <a:t>followers</a:t>
-            </a:r>
-            <a:r>
-              <a:rPr lang="es-ES" altLang="es-ES" sz="2200" dirty="0">
+              <a:rPr lang="es-ES" altLang="es-ES" sz="2400" dirty="0" err="1">
+                <a:solidFill>
+                  <a:srgbClr val="006666"/>
+                </a:solidFill>
+                <a:latin typeface="Fontana ND Cc OsF Semibold" pitchFamily="2" charset="0"/>
+              </a:rPr>
+              <a:t>hastag</a:t>
+            </a:r>
+            <a:r>
+              <a:rPr lang="es-ES" altLang="es-ES" sz="2400" dirty="0">
                 <a:solidFill>
                   <a:srgbClr val="006666"/>
                 </a:solidFill>
@@ -17753,22 +20281,40 @@
               <a:t> </a:t>
             </a:r>
             <a:r>
-              <a:rPr lang="es-ES" altLang="es-ES" sz="2200" dirty="0" err="1">
-                <a:solidFill>
-                  <a:srgbClr val="006666"/>
-                </a:solidFill>
-                <a:latin typeface="Fontana ND Cc OsF Semibold" pitchFamily="2" charset="0"/>
-              </a:rPr>
-              <a:t>count</a:t>
-            </a:r>
-            <a:r>
-              <a:rPr lang="es-ES" altLang="es-ES" sz="2200" dirty="0">
-                <a:solidFill>
-                  <a:srgbClr val="006666"/>
-                </a:solidFill>
-                <a:latin typeface="Fontana ND Cc OsF Semibold" pitchFamily="2" charset="0"/>
-              </a:rPr>
-              <a:t>: número de seguidores del usuario que publica el tweet.</a:t>
+              <a:rPr lang="es-ES" altLang="es-ES" sz="2400" dirty="0" err="1">
+                <a:solidFill>
+                  <a:srgbClr val="006666"/>
+                </a:solidFill>
+                <a:latin typeface="Fontana ND Cc OsF Semibold" pitchFamily="2" charset="0"/>
+              </a:rPr>
+              <a:t>presence</a:t>
+            </a:r>
+            <a:r>
+              <a:rPr lang="es-ES" altLang="es-ES" sz="2400" dirty="0">
+                <a:solidFill>
+                  <a:srgbClr val="006666"/>
+                </a:solidFill>
+                <a:latin typeface="Fontana ND Cc OsF Semibold" pitchFamily="2" charset="0"/>
+              </a:rPr>
+              <a:t>: indica la presencia de </a:t>
+            </a:r>
+            <a:r>
+              <a:rPr lang="es-ES" altLang="es-ES" sz="2400" dirty="0" err="1">
+                <a:solidFill>
+                  <a:srgbClr val="006666"/>
+                </a:solidFill>
+                <a:latin typeface="Fontana ND Cc OsF Semibold" pitchFamily="2" charset="0"/>
+              </a:rPr>
+              <a:t>hastags</a:t>
+            </a:r>
+            <a:r>
+              <a:rPr lang="es-ES" altLang="es-ES" sz="2400" dirty="0">
+                <a:solidFill>
+                  <a:srgbClr val="006666"/>
+                </a:solidFill>
+                <a:latin typeface="Fontana ND Cc OsF Semibold" pitchFamily="2" charset="0"/>
+              </a:rPr>
+              <a:t> en el tweet.</a:t>
             </a:r>
           </a:p>
           <a:p>
@@ -17780,16 +20326,16 @@
               <a:buChar char="§"/>
             </a:pPr>
             <a:r>
-              <a:rPr lang="es-ES" altLang="es-ES" sz="2200" dirty="0" err="1">
-                <a:solidFill>
-                  <a:srgbClr val="006666"/>
-                </a:solidFill>
-                <a:latin typeface="Fontana ND Cc OsF Semibold" pitchFamily="2" charset="0"/>
-              </a:rPr>
-              <a:t>friends</a:t>
-            </a:r>
-            <a:r>
-              <a:rPr lang="es-ES" altLang="es-ES" sz="2200" dirty="0">
+              <a:rPr lang="es-ES" altLang="es-ES" sz="2400" dirty="0" err="1">
+                <a:solidFill>
+                  <a:srgbClr val="006666"/>
+                </a:solidFill>
+                <a:latin typeface="Fontana ND Cc OsF Semibold" pitchFamily="2" charset="0"/>
+              </a:rPr>
+              <a:t>url</a:t>
+            </a:r>
+            <a:r>
+              <a:rPr lang="es-ES" altLang="es-ES" sz="2400" dirty="0">
                 <a:solidFill>
                   <a:srgbClr val="006666"/>
                 </a:solidFill>
@@ -17798,22 +20344,40 @@
               <a:t> </a:t>
             </a:r>
             <a:r>
-              <a:rPr lang="es-ES" altLang="es-ES" sz="2200" dirty="0" err="1">
-                <a:solidFill>
-                  <a:srgbClr val="006666"/>
-                </a:solidFill>
-                <a:latin typeface="Fontana ND Cc OsF Semibold" pitchFamily="2" charset="0"/>
-              </a:rPr>
-              <a:t>count</a:t>
-            </a:r>
-            <a:r>
-              <a:rPr lang="es-ES" altLang="es-ES" sz="2200" dirty="0">
-                <a:solidFill>
-                  <a:srgbClr val="006666"/>
-                </a:solidFill>
-                <a:latin typeface="Fontana ND Cc OsF Semibold" pitchFamily="2" charset="0"/>
-              </a:rPr>
-              <a:t>: número de personas seguidas por el usuario que publica el tweet.</a:t>
+              <a:rPr lang="es-ES" altLang="es-ES" sz="2400" dirty="0" err="1">
+                <a:solidFill>
+                  <a:srgbClr val="006666"/>
+                </a:solidFill>
+                <a:latin typeface="Fontana ND Cc OsF Semibold" pitchFamily="2" charset="0"/>
+              </a:rPr>
+              <a:t>presence</a:t>
+            </a:r>
+            <a:r>
+              <a:rPr lang="es-ES" altLang="es-ES" sz="2400" dirty="0">
+                <a:solidFill>
+                  <a:srgbClr val="006666"/>
+                </a:solidFill>
+                <a:latin typeface="Fontana ND Cc OsF Semibold" pitchFamily="2" charset="0"/>
+              </a:rPr>
+              <a:t>: indica la presencia de </a:t>
+            </a:r>
+            <a:r>
+              <a:rPr lang="es-ES" altLang="es-ES" sz="2400" dirty="0" err="1">
+                <a:solidFill>
+                  <a:srgbClr val="006666"/>
+                </a:solidFill>
+                <a:latin typeface="Fontana ND Cc OsF Semibold" pitchFamily="2" charset="0"/>
+              </a:rPr>
+              <a:t>URLs</a:t>
+            </a:r>
+            <a:r>
+              <a:rPr lang="es-ES" altLang="es-ES" sz="2400" dirty="0">
+                <a:solidFill>
+                  <a:srgbClr val="006666"/>
+                </a:solidFill>
+                <a:latin typeface="Fontana ND Cc OsF Semibold" pitchFamily="2" charset="0"/>
+              </a:rPr>
+              <a:t> en el tweet.</a:t>
             </a:r>
           </a:p>
           <a:p>
@@ -17825,40 +20389,49 @@
               <a:buChar char="§"/>
             </a:pPr>
             <a:r>
-              <a:rPr lang="es-ES" altLang="es-ES" sz="2200" dirty="0" err="1">
-                <a:solidFill>
-                  <a:srgbClr val="006666"/>
-                </a:solidFill>
-                <a:latin typeface="Fontana ND Cc OsF Semibold" pitchFamily="2" charset="0"/>
-              </a:rPr>
-              <a:t>listed</a:t>
-            </a:r>
-            <a:r>
-              <a:rPr lang="es-ES" altLang="es-ES" sz="2200" dirty="0">
-                <a:solidFill>
-                  <a:srgbClr val="006666"/>
-                </a:solidFill>
-                <a:latin typeface="Fontana ND Cc OsF Semibold" pitchFamily="2" charset="0"/>
-              </a:rPr>
-              <a:t> </a:t>
-            </a:r>
-            <a:r>
-              <a:rPr lang="es-ES" altLang="es-ES" sz="2200" dirty="0" err="1">
-                <a:solidFill>
-                  <a:srgbClr val="006666"/>
-                </a:solidFill>
-                <a:latin typeface="Fontana ND Cc OsF Semibold" pitchFamily="2" charset="0"/>
-              </a:rPr>
-              <a:t>count</a:t>
-            </a:r>
-            <a:r>
-              <a:rPr lang="es-ES" altLang="es-ES" sz="2200" dirty="0">
-                <a:solidFill>
-                  <a:srgbClr val="006666"/>
-                </a:solidFill>
-                <a:latin typeface="Fontana ND Cc OsF Semibold" pitchFamily="2" charset="0"/>
-              </a:rPr>
-              <a:t>: número de listas en las que está inscrito el usuario que publica el tweet.</a:t>
+              <a:rPr lang="es-ES" altLang="es-ES" sz="2400" dirty="0">
+                <a:solidFill>
+                  <a:srgbClr val="006666"/>
+                </a:solidFill>
+                <a:latin typeface="Fontana ND Cc OsF Semibold" pitchFamily="2" charset="0"/>
+              </a:rPr>
+              <a:t>media </a:t>
+            </a:r>
+            <a:r>
+              <a:rPr lang="es-ES" altLang="es-ES" sz="2400" dirty="0" err="1">
+                <a:solidFill>
+                  <a:srgbClr val="006666"/>
+                </a:solidFill>
+                <a:latin typeface="Fontana ND Cc OsF Semibold" pitchFamily="2" charset="0"/>
+              </a:rPr>
+              <a:t>type</a:t>
+            </a:r>
+            <a:r>
+              <a:rPr lang="es-ES" altLang="es-ES" sz="2400" dirty="0">
+                <a:solidFill>
+                  <a:srgbClr val="006666"/>
+                </a:solidFill>
+                <a:latin typeface="Fontana ND Cc OsF Semibold" pitchFamily="2" charset="0"/>
+              </a:rPr>
+              <a:t>: indica si el tweet contiene </a:t>
+            </a:r>
+            <a:r>
+              <a:rPr lang="es-ES" altLang="es-ES" sz="2400" dirty="0" err="1">
+                <a:solidFill>
+                  <a:srgbClr val="006666"/>
+                </a:solidFill>
+                <a:latin typeface="Fontana ND Cc OsF Semibold" pitchFamily="2" charset="0"/>
+              </a:rPr>
+              <a:t>imagenes</a:t>
+            </a:r>
+            <a:r>
+              <a:rPr lang="es-ES" altLang="es-ES" sz="2400" dirty="0">
+                <a:solidFill>
+                  <a:srgbClr val="006666"/>
+                </a:solidFill>
+                <a:latin typeface="Fontana ND Cc OsF Semibold" pitchFamily="2" charset="0"/>
+              </a:rPr>
+              <a:t> o videos.</a:t>
             </a:r>
           </a:p>
           <a:p>
@@ -17870,16 +20443,16 @@
               <a:buChar char="§"/>
             </a:pPr>
             <a:r>
-              <a:rPr lang="es-ES" altLang="es-ES" sz="2200" dirty="0" err="1">
-                <a:solidFill>
-                  <a:srgbClr val="006666"/>
-                </a:solidFill>
-                <a:latin typeface="Fontana ND Cc OsF Semibold" pitchFamily="2" charset="0"/>
-              </a:rPr>
-              <a:t>statuses</a:t>
-            </a:r>
-            <a:r>
-              <a:rPr lang="es-ES" altLang="es-ES" sz="2200" dirty="0">
+              <a:rPr lang="es-ES" altLang="es-ES" sz="2400" dirty="0" err="1">
+                <a:solidFill>
+                  <a:srgbClr val="006666"/>
+                </a:solidFill>
+                <a:latin typeface="Fontana ND Cc OsF Semibold" pitchFamily="2" charset="0"/>
+              </a:rPr>
+              <a:t>mentions</a:t>
+            </a:r>
+            <a:r>
+              <a:rPr lang="es-ES" altLang="es-ES" sz="2400" dirty="0">
                 <a:solidFill>
                   <a:srgbClr val="006666"/>
                 </a:solidFill>
@@ -17888,22 +20461,22 @@
               <a:t> </a:t>
             </a:r>
             <a:r>
-              <a:rPr lang="es-ES" altLang="es-ES" sz="2200" dirty="0" err="1">
-                <a:solidFill>
-                  <a:srgbClr val="006666"/>
-                </a:solidFill>
-                <a:latin typeface="Fontana ND Cc OsF Semibold" pitchFamily="2" charset="0"/>
-              </a:rPr>
-              <a:t>count</a:t>
-            </a:r>
-            <a:r>
-              <a:rPr lang="es-ES" altLang="es-ES" sz="2200" dirty="0">
-                <a:solidFill>
-                  <a:srgbClr val="006666"/>
-                </a:solidFill>
-                <a:latin typeface="Fontana ND Cc OsF Semibold" pitchFamily="2" charset="0"/>
-              </a:rPr>
-              <a:t>: número de tweets publicados por el usuario que publicó el tweet.</a:t>
+              <a:rPr lang="es-ES" altLang="es-ES" sz="2400" dirty="0" err="1">
+                <a:solidFill>
+                  <a:srgbClr val="006666"/>
+                </a:solidFill>
+                <a:latin typeface="Fontana ND Cc OsF Semibold" pitchFamily="2" charset="0"/>
+              </a:rPr>
+              <a:t>presence</a:t>
+            </a:r>
+            <a:r>
+              <a:rPr lang="es-ES" altLang="es-ES" sz="2400" dirty="0">
+                <a:solidFill>
+                  <a:srgbClr val="006666"/>
+                </a:solidFill>
+                <a:latin typeface="Fontana ND Cc OsF Semibold" pitchFamily="2" charset="0"/>
+              </a:rPr>
+              <a:t>: indica la presencia de la mención a algún usuario en el tweet.</a:t>
             </a:r>
           </a:p>
           <a:p>
@@ -17915,44 +20488,24 @@
               <a:buChar char="§"/>
             </a:pPr>
             <a:r>
-              <a:rPr lang="es-ES" altLang="es-ES" sz="2200" dirty="0" err="1">
-                <a:solidFill>
-                  <a:srgbClr val="006666"/>
-                </a:solidFill>
-                <a:latin typeface="Fontana ND Cc OsF Semibold" pitchFamily="2" charset="0"/>
-              </a:rPr>
-              <a:t>favourites</a:t>
-            </a:r>
-            <a:r>
-              <a:rPr lang="es-ES" altLang="es-ES" sz="2200" dirty="0">
-                <a:solidFill>
-                  <a:srgbClr val="006666"/>
-                </a:solidFill>
-                <a:latin typeface="Fontana ND Cc OsF Semibold" pitchFamily="2" charset="0"/>
-              </a:rPr>
-              <a:t> </a:t>
-            </a:r>
-            <a:r>
-              <a:rPr lang="es-ES" altLang="es-ES" sz="2200" dirty="0" err="1">
-                <a:solidFill>
-                  <a:srgbClr val="006666"/>
-                </a:solidFill>
-                <a:latin typeface="Fontana ND Cc OsF Semibold" pitchFamily="2" charset="0"/>
-              </a:rPr>
-              <a:t>count</a:t>
-            </a:r>
-            <a:r>
-              <a:rPr lang="es-ES" altLang="es-ES" sz="2200" dirty="0">
-                <a:solidFill>
-                  <a:srgbClr val="006666"/>
-                </a:solidFill>
-                <a:latin typeface="Fontana ND Cc OsF Semibold" pitchFamily="2" charset="0"/>
-              </a:rPr>
-              <a:t>: número de tweets que el usuario que publicó el tweet marcó como favorito.</a:t>
-            </a:r>
-          </a:p>
-          <a:p>
-            <a:endParaRPr lang="es-ES" dirty="0"/>
+              <a:rPr lang="es-ES" altLang="es-ES" sz="2400" dirty="0" err="1">
+                <a:solidFill>
+                  <a:srgbClr val="006666"/>
+                </a:solidFill>
+                <a:latin typeface="Fontana ND Cc OsF Semibold" pitchFamily="2" charset="0"/>
+              </a:rPr>
+              <a:t>verified</a:t>
+            </a:r>
+            <a:r>
+              <a:rPr lang="es-ES" altLang="es-ES" sz="2400" dirty="0">
+                <a:solidFill>
+                  <a:srgbClr val="006666"/>
+                </a:solidFill>
+                <a:latin typeface="Fontana ND Cc OsF Semibold" pitchFamily="2" charset="0"/>
+              </a:rPr>
+              <a:t>: indica si el usuario que publica el tweet es verificado por Twitter.</a:t>
+            </a:r>
+            <a:endParaRPr lang="es-ES" sz="3600" dirty="0"/>
           </a:p>
           <a:p>
             <a:endParaRPr lang="es-ES" dirty="0"/>
@@ -18130,7 +20683,7 @@
                 </a:solidFill>
                 <a:latin typeface="Fontana ND Cc OsF Semibold" pitchFamily="2" charset="0"/>
               </a:rPr>
-              <a:t>ATRIBUTOS NUMÉRICOS</a:t>
+              <a:t>ATRIBUTOS CATEGÓRICOS</a:t>
             </a:r>
             <a:br>
               <a:rPr lang="es-ES" altLang="es-ES" kern="0" dirty="0">
@@ -18147,7 +20700,7 @@
     </p:spTree>
     <p:extLst>
       <p:ext uri="{BB962C8B-B14F-4D97-AF65-F5344CB8AC3E}">
-        <p14:creationId xmlns:p14="http://schemas.microsoft.com/office/powerpoint/2010/main" val="1975422469"/>
+        <p14:creationId xmlns:p14="http://schemas.microsoft.com/office/powerpoint/2010/main" val="3382843490"/>
       </p:ext>
     </p:extLst>
   </p:cSld>
@@ -18208,22 +20761,22 @@
               <a:buChar char="§"/>
             </a:pPr>
             <a:r>
-              <a:rPr lang="es-ES" altLang="es-ES" sz="2400" dirty="0" err="1">
-                <a:solidFill>
-                  <a:srgbClr val="006666"/>
-                </a:solidFill>
-                <a:latin typeface="Fontana ND Cc OsF Semibold" pitchFamily="2" charset="0"/>
-              </a:rPr>
-              <a:t>source</a:t>
-            </a:r>
-            <a:r>
-              <a:rPr lang="es-ES" altLang="es-ES" sz="2400" dirty="0">
-                <a:solidFill>
-                  <a:srgbClr val="006666"/>
-                </a:solidFill>
-                <a:latin typeface="Fontana ND Cc OsF Semibold" pitchFamily="2" charset="0"/>
-              </a:rPr>
-              <a:t>: tipo de dispositivo con el que se publica el tweet.</a:t>
+              <a:rPr lang="es-ES" altLang="es-ES" sz="2200" b="1" dirty="0">
+                <a:solidFill>
+                  <a:srgbClr val="006666"/>
+                </a:solidFill>
+                <a:latin typeface="Fontana ND Cc OsF Semibold" pitchFamily="2" charset="0"/>
+              </a:rPr>
+              <a:t>Línea base 1: </a:t>
+            </a:r>
+            <a:r>
+              <a:rPr lang="es-ES" altLang="es-ES" sz="2200" dirty="0">
+                <a:solidFill>
+                  <a:srgbClr val="006666"/>
+                </a:solidFill>
+                <a:latin typeface="Fontana ND Cc OsF Semibold" pitchFamily="2" charset="0"/>
+              </a:rPr>
+              <a:t>Se clasifican todos los registros del test con la categoría mayoritaria.</a:t>
             </a:r>
           </a:p>
           <a:p>
@@ -18235,13 +20788,130 @@
               <a:buChar char="§"/>
             </a:pPr>
             <a:r>
-              <a:rPr lang="es-ES" altLang="es-ES" sz="2400" dirty="0">
-                <a:solidFill>
-                  <a:srgbClr val="006666"/>
-                </a:solidFill>
-                <a:latin typeface="Fontana ND Cc OsF Semibold" pitchFamily="2" charset="0"/>
-              </a:rPr>
-              <a:t>respuesta: indica si el tweet es una respuesta a otro.</a:t>
+              <a:rPr lang="es-ES" altLang="es-ES" sz="2200" b="1" dirty="0">
+                <a:solidFill>
+                  <a:srgbClr val="006666"/>
+                </a:solidFill>
+                <a:latin typeface="Fontana ND Cc OsF Semibold" pitchFamily="2" charset="0"/>
+              </a:rPr>
+              <a:t>Línea base 2: </a:t>
+            </a:r>
+            <a:r>
+              <a:rPr lang="es-ES" altLang="es-ES" sz="2200" dirty="0">
+                <a:solidFill>
+                  <a:srgbClr val="006666"/>
+                </a:solidFill>
+                <a:latin typeface="Fontana ND Cc OsF Semibold" pitchFamily="2" charset="0"/>
+              </a:rPr>
+              <a:t>Se utilizan solo los atributos </a:t>
+            </a:r>
+            <a:r>
+              <a:rPr lang="es-ES" altLang="es-ES" sz="2200" dirty="0" err="1">
+                <a:solidFill>
+                  <a:srgbClr val="006666"/>
+                </a:solidFill>
+                <a:latin typeface="Fontana ND Cc OsF Semibold" pitchFamily="2" charset="0"/>
+              </a:rPr>
+              <a:t>tf-idf</a:t>
+            </a:r>
+            <a:r>
+              <a:rPr lang="es-ES" altLang="es-ES" sz="2200" dirty="0">
+                <a:solidFill>
+                  <a:srgbClr val="006666"/>
+                </a:solidFill>
+                <a:latin typeface="Fontana ND Cc OsF Semibold" pitchFamily="2" charset="0"/>
+              </a:rPr>
+              <a:t> con una LR con la siguiente búsqueda de parámetros: </a:t>
+            </a:r>
+            <a:r>
+              <a:rPr lang="es-ES" altLang="es-ES" sz="2200" i="1" dirty="0">
+                <a:solidFill>
+                  <a:srgbClr val="006666"/>
+                </a:solidFill>
+                <a:latin typeface="Fontana ND Cc OsF Semibold" pitchFamily="2" charset="0"/>
+              </a:rPr>
+              <a:t>C = [1, 10], </a:t>
+            </a:r>
+            <a:r>
+              <a:rPr lang="es-ES" altLang="es-ES" sz="2200" i="1" dirty="0" err="1">
+                <a:solidFill>
+                  <a:srgbClr val="006666"/>
+                </a:solidFill>
+                <a:latin typeface="Fontana ND Cc OsF Semibold" pitchFamily="2" charset="0"/>
+              </a:rPr>
+              <a:t>class</a:t>
+            </a:r>
+            <a:r>
+              <a:rPr lang="es-ES" altLang="es-ES" sz="2200" i="1" dirty="0">
+                <a:solidFill>
+                  <a:srgbClr val="006666"/>
+                </a:solidFill>
+                <a:latin typeface="Fontana ND Cc OsF Semibold" pitchFamily="2" charset="0"/>
+              </a:rPr>
+              <a:t> </a:t>
+            </a:r>
+            <a:r>
+              <a:rPr lang="es-ES" altLang="es-ES" sz="2200" i="1" dirty="0" err="1">
+                <a:solidFill>
+                  <a:srgbClr val="006666"/>
+                </a:solidFill>
+                <a:latin typeface="Fontana ND Cc OsF Semibold" pitchFamily="2" charset="0"/>
+              </a:rPr>
+              <a:t>weight</a:t>
+            </a:r>
+            <a:r>
+              <a:rPr lang="es-ES" altLang="es-ES" sz="2200" i="1" dirty="0">
+                <a:solidFill>
+                  <a:srgbClr val="006666"/>
+                </a:solidFill>
+                <a:latin typeface="Fontana ND Cc OsF Semibold" pitchFamily="2" charset="0"/>
+              </a:rPr>
+              <a:t>'= [</a:t>
+            </a:r>
+            <a:r>
+              <a:rPr lang="es-ES" altLang="es-ES" sz="2200" i="1" dirty="0" err="1">
+                <a:solidFill>
+                  <a:srgbClr val="006666"/>
+                </a:solidFill>
+                <a:latin typeface="Fontana ND Cc OsF Semibold" pitchFamily="2" charset="0"/>
+              </a:rPr>
+              <a:t>None</a:t>
+            </a:r>
+            <a:r>
+              <a:rPr lang="es-ES" altLang="es-ES" sz="2200" i="1" dirty="0">
+                <a:solidFill>
+                  <a:srgbClr val="006666"/>
+                </a:solidFill>
+                <a:latin typeface="Fontana ND Cc OsF Semibold" pitchFamily="2" charset="0"/>
+              </a:rPr>
+              <a:t>, '</a:t>
+            </a:r>
+            <a:r>
+              <a:rPr lang="es-ES" altLang="es-ES" sz="2200" i="1" dirty="0" err="1">
+                <a:solidFill>
+                  <a:srgbClr val="006666"/>
+                </a:solidFill>
+                <a:latin typeface="Fontana ND Cc OsF Semibold" pitchFamily="2" charset="0"/>
+              </a:rPr>
+              <a:t>balanced</a:t>
+            </a:r>
+            <a:r>
+              <a:rPr lang="es-ES" altLang="es-ES" sz="2200" i="1" dirty="0">
+                <a:solidFill>
+                  <a:srgbClr val="006666"/>
+                </a:solidFill>
+                <a:latin typeface="Fontana ND Cc OsF Semibold" pitchFamily="2" charset="0"/>
+              </a:rPr>
+              <a:t>']</a:t>
+            </a:r>
+            <a:r>
+              <a:rPr lang="es-ES" altLang="es-ES" sz="2200" dirty="0">
+                <a:solidFill>
+                  <a:srgbClr val="006666"/>
+                </a:solidFill>
+                <a:latin typeface="Fontana ND Cc OsF Semibold" pitchFamily="2" charset="0"/>
+              </a:rPr>
+              <a:t>.</a:t>
             </a:r>
           </a:p>
           <a:p>
@@ -18253,25 +20923,43 @@
               <a:buChar char="§"/>
             </a:pPr>
             <a:r>
-              <a:rPr lang="es-ES" altLang="es-ES" sz="2400" dirty="0">
-                <a:solidFill>
-                  <a:srgbClr val="006666"/>
-                </a:solidFill>
-                <a:latin typeface="Fontana ND Cc OsF Semibold" pitchFamily="2" charset="0"/>
-              </a:rPr>
-              <a:t>respuesta </a:t>
-            </a:r>
-            <a:r>
-              <a:rPr lang="es-ES" altLang="es-ES" sz="2400" dirty="0" err="1">
-                <a:solidFill>
-                  <a:srgbClr val="006666"/>
-                </a:solidFill>
-                <a:latin typeface="Fontana ND Cc OsF Semibold" pitchFamily="2" charset="0"/>
-              </a:rPr>
-              <a:t>screen</a:t>
-            </a:r>
-            <a:r>
-              <a:rPr lang="es-ES" altLang="es-ES" sz="2400" dirty="0">
+              <a:rPr lang="es-ES" altLang="es-ES" sz="2200" b="1" dirty="0">
+                <a:solidFill>
+                  <a:srgbClr val="006666"/>
+                </a:solidFill>
+                <a:latin typeface="Fontana ND Cc OsF Semibold" pitchFamily="2" charset="0"/>
+              </a:rPr>
+              <a:t>Regresión logística: </a:t>
+            </a:r>
+            <a:r>
+              <a:rPr lang="es-ES" altLang="es-ES" sz="2200" dirty="0">
+                <a:solidFill>
+                  <a:srgbClr val="006666"/>
+                </a:solidFill>
+                <a:latin typeface="Fontana ND Cc OsF Semibold" pitchFamily="2" charset="0"/>
+              </a:rPr>
+              <a:t>Se utiliza LR con todos los atributos con la siguiente búsqueda de parámetros: </a:t>
+            </a:r>
+            <a:r>
+              <a:rPr lang="es-ES" altLang="es-ES" sz="2200" i="1" dirty="0">
+                <a:solidFill>
+                  <a:srgbClr val="006666"/>
+                </a:solidFill>
+                <a:latin typeface="Fontana ND Cc OsF Semibold" pitchFamily="2" charset="0"/>
+              </a:rPr>
+              <a:t>C = [1, 10], </a:t>
+            </a:r>
+            <a:r>
+              <a:rPr lang="es-ES" altLang="es-ES" sz="2200" i="1" dirty="0" err="1">
+                <a:solidFill>
+                  <a:srgbClr val="006666"/>
+                </a:solidFill>
+                <a:latin typeface="Fontana ND Cc OsF Semibold" pitchFamily="2" charset="0"/>
+              </a:rPr>
+              <a:t>class</a:t>
+            </a:r>
+            <a:r>
+              <a:rPr lang="es-ES" altLang="es-ES" sz="2200" i="1" dirty="0">
                 <a:solidFill>
                   <a:srgbClr val="006666"/>
                 </a:solidFill>
@@ -18280,22 +20968,67 @@
               <a:t> </a:t>
             </a:r>
             <a:r>
-              <a:rPr lang="es-ES" altLang="es-ES" sz="2400" dirty="0" err="1">
-                <a:solidFill>
-                  <a:srgbClr val="006666"/>
-                </a:solidFill>
-                <a:latin typeface="Fontana ND Cc OsF Semibold" pitchFamily="2" charset="0"/>
-              </a:rPr>
-              <a:t>name</a:t>
-            </a:r>
-            <a:r>
-              <a:rPr lang="es-ES" altLang="es-ES" sz="2400" dirty="0">
-                <a:solidFill>
-                  <a:srgbClr val="006666"/>
-                </a:solidFill>
-                <a:latin typeface="Fontana ND Cc OsF Semibold" pitchFamily="2" charset="0"/>
-              </a:rPr>
-              <a:t>: nombre del usuario al que se responde.</a:t>
+              <a:rPr lang="es-ES" altLang="es-ES" sz="2200" i="1" dirty="0" err="1">
+                <a:solidFill>
+                  <a:srgbClr val="006666"/>
+                </a:solidFill>
+                <a:latin typeface="Fontana ND Cc OsF Semibold" pitchFamily="2" charset="0"/>
+              </a:rPr>
+              <a:t>weight</a:t>
+            </a:r>
+            <a:r>
+              <a:rPr lang="es-ES" altLang="es-ES" sz="2200" i="1" dirty="0">
+                <a:solidFill>
+                  <a:srgbClr val="006666"/>
+                </a:solidFill>
+                <a:latin typeface="Fontana ND Cc OsF Semibold" pitchFamily="2" charset="0"/>
+              </a:rPr>
+              <a:t>'= [</a:t>
+            </a:r>
+            <a:r>
+              <a:rPr lang="es-ES" altLang="es-ES" sz="2200" i="1" dirty="0" err="1">
+                <a:solidFill>
+                  <a:srgbClr val="006666"/>
+                </a:solidFill>
+                <a:latin typeface="Fontana ND Cc OsF Semibold" pitchFamily="2" charset="0"/>
+              </a:rPr>
+              <a:t>None</a:t>
+            </a:r>
+            <a:r>
+              <a:rPr lang="es-ES" altLang="es-ES" sz="2200" i="1" dirty="0">
+                <a:solidFill>
+                  <a:srgbClr val="006666"/>
+                </a:solidFill>
+                <a:latin typeface="Fontana ND Cc OsF Semibold" pitchFamily="2" charset="0"/>
+              </a:rPr>
+              <a:t>, '</a:t>
+            </a:r>
+            <a:r>
+              <a:rPr lang="es-ES" altLang="es-ES" sz="2200" i="1" dirty="0" err="1">
+                <a:solidFill>
+                  <a:srgbClr val="006666"/>
+                </a:solidFill>
+                <a:latin typeface="Fontana ND Cc OsF Semibold" pitchFamily="2" charset="0"/>
+              </a:rPr>
+              <a:t>balanced</a:t>
+            </a:r>
+            <a:r>
+              <a:rPr lang="es-ES" altLang="es-ES" sz="2200" i="1" dirty="0">
+                <a:solidFill>
+                  <a:srgbClr val="006666"/>
+                </a:solidFill>
+                <a:latin typeface="Fontana ND Cc OsF Semibold" pitchFamily="2" charset="0"/>
+              </a:rPr>
+              <a:t>']</a:t>
+            </a:r>
+            <a:r>
+              <a:rPr lang="es-ES" altLang="es-ES" sz="2200" dirty="0">
+                <a:solidFill>
+                  <a:srgbClr val="006666"/>
+                </a:solidFill>
+                <a:latin typeface="Fontana ND Cc OsF Semibold" pitchFamily="2" charset="0"/>
+              </a:rPr>
+              <a:t>.</a:t>
             </a:r>
           </a:p>
           <a:p>
@@ -18307,58 +21040,58 @@
               <a:buChar char="§"/>
             </a:pPr>
             <a:r>
-              <a:rPr lang="es-ES" altLang="es-ES" sz="2400" dirty="0" err="1">
-                <a:solidFill>
-                  <a:srgbClr val="006666"/>
-                </a:solidFill>
-                <a:latin typeface="Fontana ND Cc OsF Semibold" pitchFamily="2" charset="0"/>
-              </a:rPr>
-              <a:t>hastag</a:t>
-            </a:r>
-            <a:r>
-              <a:rPr lang="es-ES" altLang="es-ES" sz="2400" dirty="0">
-                <a:solidFill>
-                  <a:srgbClr val="006666"/>
-                </a:solidFill>
-                <a:latin typeface="Fontana ND Cc OsF Semibold" pitchFamily="2" charset="0"/>
-              </a:rPr>
-              <a:t> </a:t>
-            </a:r>
-            <a:r>
-              <a:rPr lang="es-ES" altLang="es-ES" sz="2400" dirty="0" err="1">
-                <a:solidFill>
-                  <a:srgbClr val="006666"/>
-                </a:solidFill>
-                <a:latin typeface="Fontana ND Cc OsF Semibold" pitchFamily="2" charset="0"/>
-              </a:rPr>
-              <a:t>presence</a:t>
-            </a:r>
-            <a:r>
-              <a:rPr lang="es-ES" altLang="es-ES" sz="2400" dirty="0">
-                <a:solidFill>
-                  <a:srgbClr val="006666"/>
-                </a:solidFill>
-                <a:latin typeface="Fontana ND Cc OsF Semibold" pitchFamily="2" charset="0"/>
-              </a:rPr>
-              <a:t>: indica la presencia de </a:t>
-            </a:r>
-            <a:r>
-              <a:rPr lang="es-ES" altLang="es-ES" sz="2400" dirty="0" err="1">
-                <a:solidFill>
-                  <a:srgbClr val="006666"/>
-                </a:solidFill>
-                <a:latin typeface="Fontana ND Cc OsF Semibold" pitchFamily="2" charset="0"/>
-              </a:rPr>
-              <a:t>hastags</a:t>
-            </a:r>
-            <a:r>
-              <a:rPr lang="es-ES" altLang="es-ES" sz="2400" dirty="0">
-                <a:solidFill>
-                  <a:srgbClr val="006666"/>
-                </a:solidFill>
-                <a:latin typeface="Fontana ND Cc OsF Semibold" pitchFamily="2" charset="0"/>
-              </a:rPr>
-              <a:t> en el tweet.</a:t>
+              <a:rPr lang="es-ES" altLang="es-ES" sz="2200" b="1" dirty="0" err="1">
+                <a:solidFill>
+                  <a:srgbClr val="006666"/>
+                </a:solidFill>
+                <a:latin typeface="Fontana ND Cc OsF Semibold" pitchFamily="2" charset="0"/>
+              </a:rPr>
+              <a:t>Random</a:t>
+            </a:r>
+            <a:r>
+              <a:rPr lang="es-ES" altLang="es-ES" sz="2200" b="1" dirty="0">
+                <a:solidFill>
+                  <a:srgbClr val="006666"/>
+                </a:solidFill>
+                <a:latin typeface="Fontana ND Cc OsF Semibold" pitchFamily="2" charset="0"/>
+              </a:rPr>
+              <a:t> Forest: </a:t>
+            </a:r>
+            <a:r>
+              <a:rPr lang="es-ES" altLang="es-ES" sz="2200" dirty="0">
+                <a:solidFill>
+                  <a:srgbClr val="006666"/>
+                </a:solidFill>
+                <a:latin typeface="Fontana ND Cc OsF Semibold" pitchFamily="2" charset="0"/>
+              </a:rPr>
+              <a:t>Se utiliza RF con todos los atributos con la siguiente búsqueda de parámetros: </a:t>
+            </a:r>
+            <a:r>
+              <a:rPr lang="en-US" altLang="es-ES" sz="2200" i="1" dirty="0">
+                <a:solidFill>
+                  <a:srgbClr val="006666"/>
+                </a:solidFill>
+                <a:latin typeface="Fontana ND Cc OsF Semibold" pitchFamily="2" charset="0"/>
+              </a:rPr>
+              <a:t>n estimators- [250, 450], bootstrap'= (</a:t>
+            </a:r>
+            <a:r>
+              <a:rPr lang="en-US" altLang="es-ES" sz="2200" i="1" dirty="0" err="1">
+                <a:solidFill>
+                  <a:srgbClr val="006666"/>
+                </a:solidFill>
+                <a:latin typeface="Fontana ND Cc OsF Semibold" pitchFamily="2" charset="0"/>
+              </a:rPr>
+              <a:t>True,False</a:t>
+            </a:r>
+            <a:r>
+              <a:rPr lang="en-US" altLang="es-ES" sz="2200" i="1" dirty="0">
+                <a:solidFill>
+                  <a:srgbClr val="006666"/>
+                </a:solidFill>
+                <a:latin typeface="Fontana ND Cc OsF Semibold" pitchFamily="2" charset="0"/>
+              </a:rPr>
+              <a:t>), max depth'= [None, 30].</a:t>
             </a:r>
           </a:p>
           <a:p>
@@ -18370,189 +21103,38 @@
               <a:buChar char="§"/>
             </a:pPr>
             <a:r>
-              <a:rPr lang="es-ES" altLang="es-ES" sz="2400" dirty="0" err="1">
-                <a:solidFill>
-                  <a:srgbClr val="006666"/>
-                </a:solidFill>
-                <a:latin typeface="Fontana ND Cc OsF Semibold" pitchFamily="2" charset="0"/>
-              </a:rPr>
-              <a:t>url</a:t>
-            </a:r>
-            <a:r>
-              <a:rPr lang="es-ES" altLang="es-ES" sz="2400" dirty="0">
-                <a:solidFill>
-                  <a:srgbClr val="006666"/>
-                </a:solidFill>
-                <a:latin typeface="Fontana ND Cc OsF Semibold" pitchFamily="2" charset="0"/>
-              </a:rPr>
-              <a:t> </a:t>
-            </a:r>
-            <a:r>
-              <a:rPr lang="es-ES" altLang="es-ES" sz="2400" dirty="0" err="1">
-                <a:solidFill>
-                  <a:srgbClr val="006666"/>
-                </a:solidFill>
-                <a:latin typeface="Fontana ND Cc OsF Semibold" pitchFamily="2" charset="0"/>
-              </a:rPr>
-              <a:t>presence</a:t>
-            </a:r>
-            <a:r>
-              <a:rPr lang="es-ES" altLang="es-ES" sz="2400" dirty="0">
-                <a:solidFill>
-                  <a:srgbClr val="006666"/>
-                </a:solidFill>
-                <a:latin typeface="Fontana ND Cc OsF Semibold" pitchFamily="2" charset="0"/>
-              </a:rPr>
-              <a:t>: indica la presencia de </a:t>
-            </a:r>
-            <a:r>
-              <a:rPr lang="es-ES" altLang="es-ES" sz="2400" dirty="0" err="1">
-                <a:solidFill>
-                  <a:srgbClr val="006666"/>
-                </a:solidFill>
-                <a:latin typeface="Fontana ND Cc OsF Semibold" pitchFamily="2" charset="0"/>
-              </a:rPr>
-              <a:t>URLs</a:t>
-            </a:r>
-            <a:r>
-              <a:rPr lang="es-ES" altLang="es-ES" sz="2400" dirty="0">
-                <a:solidFill>
-                  <a:srgbClr val="006666"/>
-                </a:solidFill>
-                <a:latin typeface="Fontana ND Cc OsF Semibold" pitchFamily="2" charset="0"/>
-              </a:rPr>
-              <a:t> en el tweet.</a:t>
-            </a:r>
-          </a:p>
-          <a:p>
-            <a:pPr algn="just">
-              <a:lnSpc>
-                <a:spcPct val="150000"/>
-              </a:lnSpc>
-              <a:buFont typeface="Wingdings" panose="05000000000000000000" pitchFamily="2" charset="2"/>
-              <a:buChar char="§"/>
-            </a:pPr>
-            <a:r>
-              <a:rPr lang="es-ES" altLang="es-ES" sz="2400" dirty="0">
-                <a:solidFill>
-                  <a:srgbClr val="006666"/>
-                </a:solidFill>
-                <a:latin typeface="Fontana ND Cc OsF Semibold" pitchFamily="2" charset="0"/>
-              </a:rPr>
-              <a:t>media </a:t>
-            </a:r>
-            <a:r>
-              <a:rPr lang="es-ES" altLang="es-ES" sz="2400" dirty="0" err="1">
-                <a:solidFill>
-                  <a:srgbClr val="006666"/>
-                </a:solidFill>
-                <a:latin typeface="Fontana ND Cc OsF Semibold" pitchFamily="2" charset="0"/>
-              </a:rPr>
-              <a:t>type</a:t>
-            </a:r>
-            <a:r>
-              <a:rPr lang="es-ES" altLang="es-ES" sz="2400" dirty="0">
-                <a:solidFill>
-                  <a:srgbClr val="006666"/>
-                </a:solidFill>
-                <a:latin typeface="Fontana ND Cc OsF Semibold" pitchFamily="2" charset="0"/>
-              </a:rPr>
-              <a:t>: indica si el tweet contiene </a:t>
-            </a:r>
-            <a:r>
-              <a:rPr lang="es-ES" altLang="es-ES" sz="2400" dirty="0" err="1">
-                <a:solidFill>
-                  <a:srgbClr val="006666"/>
-                </a:solidFill>
-                <a:latin typeface="Fontana ND Cc OsF Semibold" pitchFamily="2" charset="0"/>
-              </a:rPr>
-              <a:t>imagenes</a:t>
-            </a:r>
-            <a:r>
-              <a:rPr lang="es-ES" altLang="es-ES" sz="2400" dirty="0">
-                <a:solidFill>
-                  <a:srgbClr val="006666"/>
-                </a:solidFill>
-                <a:latin typeface="Fontana ND Cc OsF Semibold" pitchFamily="2" charset="0"/>
-              </a:rPr>
-              <a:t> o videos.</a:t>
-            </a:r>
-          </a:p>
-          <a:p>
-            <a:pPr algn="just">
-              <a:lnSpc>
-                <a:spcPct val="150000"/>
-              </a:lnSpc>
-              <a:buFont typeface="Wingdings" panose="05000000000000000000" pitchFamily="2" charset="2"/>
-              <a:buChar char="§"/>
-            </a:pPr>
-            <a:r>
-              <a:rPr lang="es-ES" altLang="es-ES" sz="2400" dirty="0" err="1">
-                <a:solidFill>
-                  <a:srgbClr val="006666"/>
-                </a:solidFill>
-                <a:latin typeface="Fontana ND Cc OsF Semibold" pitchFamily="2" charset="0"/>
-              </a:rPr>
-              <a:t>mentions</a:t>
-            </a:r>
-            <a:r>
-              <a:rPr lang="es-ES" altLang="es-ES" sz="2400" dirty="0">
-                <a:solidFill>
-                  <a:srgbClr val="006666"/>
-                </a:solidFill>
-                <a:latin typeface="Fontana ND Cc OsF Semibold" pitchFamily="2" charset="0"/>
-              </a:rPr>
-              <a:t> </a:t>
-            </a:r>
-            <a:r>
-              <a:rPr lang="es-ES" altLang="es-ES" sz="2400" dirty="0" err="1">
-                <a:solidFill>
-                  <a:srgbClr val="006666"/>
-                </a:solidFill>
-                <a:latin typeface="Fontana ND Cc OsF Semibold" pitchFamily="2" charset="0"/>
-              </a:rPr>
-              <a:t>presence</a:t>
-            </a:r>
-            <a:r>
-              <a:rPr lang="es-ES" altLang="es-ES" sz="2400" dirty="0">
-                <a:solidFill>
-                  <a:srgbClr val="006666"/>
-                </a:solidFill>
-                <a:latin typeface="Fontana ND Cc OsF Semibold" pitchFamily="2" charset="0"/>
-              </a:rPr>
-              <a:t>: indica la presencia de la mención a algún usuario en el tweet.</a:t>
-            </a:r>
-          </a:p>
-          <a:p>
-            <a:pPr algn="just">
-              <a:lnSpc>
-                <a:spcPct val="150000"/>
-              </a:lnSpc>
-              <a:buFont typeface="Wingdings" panose="05000000000000000000" pitchFamily="2" charset="2"/>
-              <a:buChar char="§"/>
-            </a:pPr>
-            <a:r>
-              <a:rPr lang="es-ES" altLang="es-ES" sz="2400" dirty="0" err="1">
-                <a:solidFill>
-                  <a:srgbClr val="006666"/>
-                </a:solidFill>
-                <a:latin typeface="Fontana ND Cc OsF Semibold" pitchFamily="2" charset="0"/>
-              </a:rPr>
-              <a:t>verified</a:t>
-            </a:r>
-            <a:r>
-              <a:rPr lang="es-ES" altLang="es-ES" sz="2400" dirty="0">
-                <a:solidFill>
-                  <a:srgbClr val="006666"/>
-                </a:solidFill>
-                <a:latin typeface="Fontana ND Cc OsF Semibold" pitchFamily="2" charset="0"/>
-              </a:rPr>
-              <a:t>: indica si el usuario que publica el tweet es verificado por Twitter.</a:t>
-            </a:r>
-            <a:endParaRPr lang="es-ES" sz="3600" dirty="0"/>
-          </a:p>
-          <a:p>
-            <a:endParaRPr lang="es-ES" dirty="0"/>
+              <a:rPr lang="es-ES" altLang="es-ES" sz="2200" b="1" dirty="0">
+                <a:solidFill>
+                  <a:srgbClr val="006666"/>
+                </a:solidFill>
+                <a:latin typeface="Fontana ND Cc OsF Semibold" pitchFamily="2" charset="0"/>
+              </a:rPr>
+              <a:t>SVM: </a:t>
+            </a:r>
+            <a:r>
+              <a:rPr lang="es-ES" altLang="es-ES" sz="2200" dirty="0">
+                <a:solidFill>
+                  <a:srgbClr val="006666"/>
+                </a:solidFill>
+                <a:latin typeface="Fontana ND Cc OsF Semibold" pitchFamily="2" charset="0"/>
+              </a:rPr>
+              <a:t>Se utiliza SVM con todos los atributos con la siguiente búsqueda de parámetros: </a:t>
+            </a:r>
+            <a:r>
+              <a:rPr lang="it-IT" altLang="es-ES" sz="2200" i="1" dirty="0">
+                <a:solidFill>
+                  <a:srgbClr val="006666"/>
+                </a:solidFill>
+                <a:latin typeface="Fontana ND Cc OsF Semibold" pitchFamily="2" charset="0"/>
+              </a:rPr>
+              <a:t>C = [1, 10, 100, 10000], gamma = [0.001, 0.1, 0.6, ‘auto‘, kernel = [‘rbf’, ‘linear’].</a:t>
+            </a:r>
+            <a:endParaRPr lang="es-ES" altLang="es-ES" sz="2200" dirty="0">
+              <a:solidFill>
+                <a:srgbClr val="006666"/>
+              </a:solidFill>
+              <a:latin typeface="Fontana ND Cc OsF Semibold" pitchFamily="2" charset="0"/>
+            </a:endParaRPr>
           </a:p>
         </p:txBody>
       </p:sp>
@@ -18727,632 +21309,6 @@
                 </a:solidFill>
                 <a:latin typeface="Fontana ND Cc OsF Semibold" pitchFamily="2" charset="0"/>
               </a:rPr>
-              <a:t>ATRIBUTOS CATEGÓRICOS</a:t>
-            </a:r>
-            <a:br>
-              <a:rPr lang="es-ES" altLang="es-ES" kern="0" dirty="0">
-                <a:solidFill>
-                  <a:srgbClr val="006666"/>
-                </a:solidFill>
-                <a:latin typeface="Fontana ND Cc OsF Semibold" pitchFamily="2" charset="0"/>
-              </a:rPr>
-            </a:br>
-            <a:endParaRPr lang="es-ES" kern="0" dirty="0"/>
-          </a:p>
-        </p:txBody>
-      </p:sp>
-    </p:spTree>
-    <p:extLst>
-      <p:ext uri="{BB962C8B-B14F-4D97-AF65-F5344CB8AC3E}">
-        <p14:creationId xmlns:p14="http://schemas.microsoft.com/office/powerpoint/2010/main" val="3382843490"/>
-      </p:ext>
-    </p:extLst>
-  </p:cSld>
-  <p:clrMapOvr>
-    <a:masterClrMapping/>
-  </p:clrMapOvr>
-</p:sld>
-</file>
-
-<file path=ppt/slides/slide42.xml><?xml version="1.0" encoding="utf-8"?>
-<p:sld xmlns:a="http://schemas.openxmlformats.org/drawingml/2006/main" xmlns:r="http://schemas.openxmlformats.org/officeDocument/2006/relationships" xmlns:p="http://schemas.openxmlformats.org/presentationml/2006/main">
-  <p:cSld>
-    <p:spTree>
-      <p:nvGrpSpPr>
-        <p:cNvPr id="1" name=""/>
-        <p:cNvGrpSpPr/>
-        <p:nvPr/>
-      </p:nvGrpSpPr>
-      <p:grpSpPr>
-        <a:xfrm>
-          <a:off x="0" y="0"/>
-          <a:ext cx="0" cy="0"/>
-          <a:chOff x="0" y="0"/>
-          <a:chExt cx="0" cy="0"/>
-        </a:xfrm>
-      </p:grpSpPr>
-      <p:sp>
-        <p:nvSpPr>
-          <p:cNvPr id="3" name="Marcador de contenido 2">
-            <a:extLst>
-              <a:ext uri="{FF2B5EF4-FFF2-40B4-BE49-F238E27FC236}">
-                <a16:creationId xmlns:a16="http://schemas.microsoft.com/office/drawing/2014/main" id="{A42D3FC0-85A0-4718-B1BB-4C49537E99F9}"/>
-              </a:ext>
-            </a:extLst>
-          </p:cNvPr>
-          <p:cNvSpPr>
-            <a:spLocks noGrp="1"/>
-          </p:cNvSpPr>
-          <p:nvPr>
-            <p:ph idx="1"/>
-          </p:nvPr>
-        </p:nvSpPr>
-        <p:spPr>
-          <a:xfrm>
-            <a:off x="609600" y="1439942"/>
-            <a:ext cx="10972800" cy="4525963"/>
-          </a:xfrm>
-        </p:spPr>
-        <p:txBody>
-          <a:bodyPr/>
-          <a:lstStyle/>
-          <a:p>
-            <a:pPr algn="just">
-              <a:lnSpc>
-                <a:spcPct val="150000"/>
-              </a:lnSpc>
-              <a:buFont typeface="Wingdings" panose="05000000000000000000" pitchFamily="2" charset="2"/>
-              <a:buChar char="§"/>
-            </a:pPr>
-            <a:r>
-              <a:rPr lang="es-ES" altLang="es-ES" sz="2200" b="1" dirty="0">
-                <a:solidFill>
-                  <a:srgbClr val="006666"/>
-                </a:solidFill>
-                <a:latin typeface="Fontana ND Cc OsF Semibold" pitchFamily="2" charset="0"/>
-              </a:rPr>
-              <a:t>Línea base 1: </a:t>
-            </a:r>
-            <a:r>
-              <a:rPr lang="es-ES" altLang="es-ES" sz="2200" dirty="0">
-                <a:solidFill>
-                  <a:srgbClr val="006666"/>
-                </a:solidFill>
-                <a:latin typeface="Fontana ND Cc OsF Semibold" pitchFamily="2" charset="0"/>
-              </a:rPr>
-              <a:t>Se clasifican todos los registros del test con la categoría mayoritaria.</a:t>
-            </a:r>
-          </a:p>
-          <a:p>
-            <a:pPr algn="just">
-              <a:lnSpc>
-                <a:spcPct val="150000"/>
-              </a:lnSpc>
-              <a:buFont typeface="Wingdings" panose="05000000000000000000" pitchFamily="2" charset="2"/>
-              <a:buChar char="§"/>
-            </a:pPr>
-            <a:r>
-              <a:rPr lang="es-ES" altLang="es-ES" sz="2200" b="1" dirty="0">
-                <a:solidFill>
-                  <a:srgbClr val="006666"/>
-                </a:solidFill>
-                <a:latin typeface="Fontana ND Cc OsF Semibold" pitchFamily="2" charset="0"/>
-              </a:rPr>
-              <a:t>Línea base 2: </a:t>
-            </a:r>
-            <a:r>
-              <a:rPr lang="es-ES" altLang="es-ES" sz="2200" dirty="0">
-                <a:solidFill>
-                  <a:srgbClr val="006666"/>
-                </a:solidFill>
-                <a:latin typeface="Fontana ND Cc OsF Semibold" pitchFamily="2" charset="0"/>
-              </a:rPr>
-              <a:t>Se utilizan solo los atributos </a:t>
-            </a:r>
-            <a:r>
-              <a:rPr lang="es-ES" altLang="es-ES" sz="2200" dirty="0" err="1">
-                <a:solidFill>
-                  <a:srgbClr val="006666"/>
-                </a:solidFill>
-                <a:latin typeface="Fontana ND Cc OsF Semibold" pitchFamily="2" charset="0"/>
-              </a:rPr>
-              <a:t>tf-idf</a:t>
-            </a:r>
-            <a:r>
-              <a:rPr lang="es-ES" altLang="es-ES" sz="2200" dirty="0">
-                <a:solidFill>
-                  <a:srgbClr val="006666"/>
-                </a:solidFill>
-                <a:latin typeface="Fontana ND Cc OsF Semibold" pitchFamily="2" charset="0"/>
-              </a:rPr>
-              <a:t> con una LR con la siguiente búsqueda de parámetros: </a:t>
-            </a:r>
-            <a:r>
-              <a:rPr lang="es-ES" altLang="es-ES" sz="2200" i="1" dirty="0">
-                <a:solidFill>
-                  <a:srgbClr val="006666"/>
-                </a:solidFill>
-                <a:latin typeface="Fontana ND Cc OsF Semibold" pitchFamily="2" charset="0"/>
-              </a:rPr>
-              <a:t>C = [1, 10], </a:t>
-            </a:r>
-            <a:r>
-              <a:rPr lang="es-ES" altLang="es-ES" sz="2200" i="1" dirty="0" err="1">
-                <a:solidFill>
-                  <a:srgbClr val="006666"/>
-                </a:solidFill>
-                <a:latin typeface="Fontana ND Cc OsF Semibold" pitchFamily="2" charset="0"/>
-              </a:rPr>
-              <a:t>class</a:t>
-            </a:r>
-            <a:r>
-              <a:rPr lang="es-ES" altLang="es-ES" sz="2200" i="1" dirty="0">
-                <a:solidFill>
-                  <a:srgbClr val="006666"/>
-                </a:solidFill>
-                <a:latin typeface="Fontana ND Cc OsF Semibold" pitchFamily="2" charset="0"/>
-              </a:rPr>
-              <a:t> </a:t>
-            </a:r>
-            <a:r>
-              <a:rPr lang="es-ES" altLang="es-ES" sz="2200" i="1" dirty="0" err="1">
-                <a:solidFill>
-                  <a:srgbClr val="006666"/>
-                </a:solidFill>
-                <a:latin typeface="Fontana ND Cc OsF Semibold" pitchFamily="2" charset="0"/>
-              </a:rPr>
-              <a:t>weight</a:t>
-            </a:r>
-            <a:r>
-              <a:rPr lang="es-ES" altLang="es-ES" sz="2200" i="1" dirty="0">
-                <a:solidFill>
-                  <a:srgbClr val="006666"/>
-                </a:solidFill>
-                <a:latin typeface="Fontana ND Cc OsF Semibold" pitchFamily="2" charset="0"/>
-              </a:rPr>
-              <a:t>'= [</a:t>
-            </a:r>
-            <a:r>
-              <a:rPr lang="es-ES" altLang="es-ES" sz="2200" i="1" dirty="0" err="1">
-                <a:solidFill>
-                  <a:srgbClr val="006666"/>
-                </a:solidFill>
-                <a:latin typeface="Fontana ND Cc OsF Semibold" pitchFamily="2" charset="0"/>
-              </a:rPr>
-              <a:t>None</a:t>
-            </a:r>
-            <a:r>
-              <a:rPr lang="es-ES" altLang="es-ES" sz="2200" i="1" dirty="0">
-                <a:solidFill>
-                  <a:srgbClr val="006666"/>
-                </a:solidFill>
-                <a:latin typeface="Fontana ND Cc OsF Semibold" pitchFamily="2" charset="0"/>
-              </a:rPr>
-              <a:t>, '</a:t>
-            </a:r>
-            <a:r>
-              <a:rPr lang="es-ES" altLang="es-ES" sz="2200" i="1" dirty="0" err="1">
-                <a:solidFill>
-                  <a:srgbClr val="006666"/>
-                </a:solidFill>
-                <a:latin typeface="Fontana ND Cc OsF Semibold" pitchFamily="2" charset="0"/>
-              </a:rPr>
-              <a:t>balanced</a:t>
-            </a:r>
-            <a:r>
-              <a:rPr lang="es-ES" altLang="es-ES" sz="2200" i="1" dirty="0">
-                <a:solidFill>
-                  <a:srgbClr val="006666"/>
-                </a:solidFill>
-                <a:latin typeface="Fontana ND Cc OsF Semibold" pitchFamily="2" charset="0"/>
-              </a:rPr>
-              <a:t>']</a:t>
-            </a:r>
-            <a:r>
-              <a:rPr lang="es-ES" altLang="es-ES" sz="2200" dirty="0">
-                <a:solidFill>
-                  <a:srgbClr val="006666"/>
-                </a:solidFill>
-                <a:latin typeface="Fontana ND Cc OsF Semibold" pitchFamily="2" charset="0"/>
-              </a:rPr>
-              <a:t>.</a:t>
-            </a:r>
-          </a:p>
-          <a:p>
-            <a:pPr algn="just">
-              <a:lnSpc>
-                <a:spcPct val="150000"/>
-              </a:lnSpc>
-              <a:buFont typeface="Wingdings" panose="05000000000000000000" pitchFamily="2" charset="2"/>
-              <a:buChar char="§"/>
-            </a:pPr>
-            <a:r>
-              <a:rPr lang="es-ES" altLang="es-ES" sz="2200" b="1" dirty="0">
-                <a:solidFill>
-                  <a:srgbClr val="006666"/>
-                </a:solidFill>
-                <a:latin typeface="Fontana ND Cc OsF Semibold" pitchFamily="2" charset="0"/>
-              </a:rPr>
-              <a:t>Regresión logística: </a:t>
-            </a:r>
-            <a:r>
-              <a:rPr lang="es-ES" altLang="es-ES" sz="2200" dirty="0">
-                <a:solidFill>
-                  <a:srgbClr val="006666"/>
-                </a:solidFill>
-                <a:latin typeface="Fontana ND Cc OsF Semibold" pitchFamily="2" charset="0"/>
-              </a:rPr>
-              <a:t>Se utiliza LR con todos los atributos con la siguiente búsqueda de parámetros: </a:t>
-            </a:r>
-            <a:r>
-              <a:rPr lang="es-ES" altLang="es-ES" sz="2200" i="1" dirty="0">
-                <a:solidFill>
-                  <a:srgbClr val="006666"/>
-                </a:solidFill>
-                <a:latin typeface="Fontana ND Cc OsF Semibold" pitchFamily="2" charset="0"/>
-              </a:rPr>
-              <a:t>C = [1, 10], </a:t>
-            </a:r>
-            <a:r>
-              <a:rPr lang="es-ES" altLang="es-ES" sz="2200" i="1" dirty="0" err="1">
-                <a:solidFill>
-                  <a:srgbClr val="006666"/>
-                </a:solidFill>
-                <a:latin typeface="Fontana ND Cc OsF Semibold" pitchFamily="2" charset="0"/>
-              </a:rPr>
-              <a:t>class</a:t>
-            </a:r>
-            <a:r>
-              <a:rPr lang="es-ES" altLang="es-ES" sz="2200" i="1" dirty="0">
-                <a:solidFill>
-                  <a:srgbClr val="006666"/>
-                </a:solidFill>
-                <a:latin typeface="Fontana ND Cc OsF Semibold" pitchFamily="2" charset="0"/>
-              </a:rPr>
-              <a:t> </a:t>
-            </a:r>
-            <a:r>
-              <a:rPr lang="es-ES" altLang="es-ES" sz="2200" i="1" dirty="0" err="1">
-                <a:solidFill>
-                  <a:srgbClr val="006666"/>
-                </a:solidFill>
-                <a:latin typeface="Fontana ND Cc OsF Semibold" pitchFamily="2" charset="0"/>
-              </a:rPr>
-              <a:t>weight</a:t>
-            </a:r>
-            <a:r>
-              <a:rPr lang="es-ES" altLang="es-ES" sz="2200" i="1" dirty="0">
-                <a:solidFill>
-                  <a:srgbClr val="006666"/>
-                </a:solidFill>
-                <a:latin typeface="Fontana ND Cc OsF Semibold" pitchFamily="2" charset="0"/>
-              </a:rPr>
-              <a:t>'= [</a:t>
-            </a:r>
-            <a:r>
-              <a:rPr lang="es-ES" altLang="es-ES" sz="2200" i="1" dirty="0" err="1">
-                <a:solidFill>
-                  <a:srgbClr val="006666"/>
-                </a:solidFill>
-                <a:latin typeface="Fontana ND Cc OsF Semibold" pitchFamily="2" charset="0"/>
-              </a:rPr>
-              <a:t>None</a:t>
-            </a:r>
-            <a:r>
-              <a:rPr lang="es-ES" altLang="es-ES" sz="2200" i="1" dirty="0">
-                <a:solidFill>
-                  <a:srgbClr val="006666"/>
-                </a:solidFill>
-                <a:latin typeface="Fontana ND Cc OsF Semibold" pitchFamily="2" charset="0"/>
-              </a:rPr>
-              <a:t>, '</a:t>
-            </a:r>
-            <a:r>
-              <a:rPr lang="es-ES" altLang="es-ES" sz="2200" i="1" dirty="0" err="1">
-                <a:solidFill>
-                  <a:srgbClr val="006666"/>
-                </a:solidFill>
-                <a:latin typeface="Fontana ND Cc OsF Semibold" pitchFamily="2" charset="0"/>
-              </a:rPr>
-              <a:t>balanced</a:t>
-            </a:r>
-            <a:r>
-              <a:rPr lang="es-ES" altLang="es-ES" sz="2200" i="1" dirty="0">
-                <a:solidFill>
-                  <a:srgbClr val="006666"/>
-                </a:solidFill>
-                <a:latin typeface="Fontana ND Cc OsF Semibold" pitchFamily="2" charset="0"/>
-              </a:rPr>
-              <a:t>']</a:t>
-            </a:r>
-            <a:r>
-              <a:rPr lang="es-ES" altLang="es-ES" sz="2200" dirty="0">
-                <a:solidFill>
-                  <a:srgbClr val="006666"/>
-                </a:solidFill>
-                <a:latin typeface="Fontana ND Cc OsF Semibold" pitchFamily="2" charset="0"/>
-              </a:rPr>
-              <a:t>.</a:t>
-            </a:r>
-          </a:p>
-          <a:p>
-            <a:pPr algn="just">
-              <a:lnSpc>
-                <a:spcPct val="150000"/>
-              </a:lnSpc>
-              <a:buFont typeface="Wingdings" panose="05000000000000000000" pitchFamily="2" charset="2"/>
-              <a:buChar char="§"/>
-            </a:pPr>
-            <a:r>
-              <a:rPr lang="es-ES" altLang="es-ES" sz="2200" b="1" dirty="0" err="1">
-                <a:solidFill>
-                  <a:srgbClr val="006666"/>
-                </a:solidFill>
-                <a:latin typeface="Fontana ND Cc OsF Semibold" pitchFamily="2" charset="0"/>
-              </a:rPr>
-              <a:t>Random</a:t>
-            </a:r>
-            <a:r>
-              <a:rPr lang="es-ES" altLang="es-ES" sz="2200" b="1" dirty="0">
-                <a:solidFill>
-                  <a:srgbClr val="006666"/>
-                </a:solidFill>
-                <a:latin typeface="Fontana ND Cc OsF Semibold" pitchFamily="2" charset="0"/>
-              </a:rPr>
-              <a:t> Forest: </a:t>
-            </a:r>
-            <a:r>
-              <a:rPr lang="es-ES" altLang="es-ES" sz="2200" dirty="0">
-                <a:solidFill>
-                  <a:srgbClr val="006666"/>
-                </a:solidFill>
-                <a:latin typeface="Fontana ND Cc OsF Semibold" pitchFamily="2" charset="0"/>
-              </a:rPr>
-              <a:t>Se utiliza RF con todos los atributos con la siguiente búsqueda de parámetros: </a:t>
-            </a:r>
-            <a:r>
-              <a:rPr lang="en-US" altLang="es-ES" sz="2200" i="1" dirty="0">
-                <a:solidFill>
-                  <a:srgbClr val="006666"/>
-                </a:solidFill>
-                <a:latin typeface="Fontana ND Cc OsF Semibold" pitchFamily="2" charset="0"/>
-              </a:rPr>
-              <a:t>n estimators- [250, 450], bootstrap'= (</a:t>
-            </a:r>
-            <a:r>
-              <a:rPr lang="en-US" altLang="es-ES" sz="2200" i="1" dirty="0" err="1">
-                <a:solidFill>
-                  <a:srgbClr val="006666"/>
-                </a:solidFill>
-                <a:latin typeface="Fontana ND Cc OsF Semibold" pitchFamily="2" charset="0"/>
-              </a:rPr>
-              <a:t>True,False</a:t>
-            </a:r>
-            <a:r>
-              <a:rPr lang="en-US" altLang="es-ES" sz="2200" i="1" dirty="0">
-                <a:solidFill>
-                  <a:srgbClr val="006666"/>
-                </a:solidFill>
-                <a:latin typeface="Fontana ND Cc OsF Semibold" pitchFamily="2" charset="0"/>
-              </a:rPr>
-              <a:t>), max depth'= [None, 30].</a:t>
-            </a:r>
-          </a:p>
-          <a:p>
-            <a:pPr algn="just">
-              <a:lnSpc>
-                <a:spcPct val="150000"/>
-              </a:lnSpc>
-              <a:buFont typeface="Wingdings" panose="05000000000000000000" pitchFamily="2" charset="2"/>
-              <a:buChar char="§"/>
-            </a:pPr>
-            <a:r>
-              <a:rPr lang="es-ES" altLang="es-ES" sz="2200" b="1" dirty="0">
-                <a:solidFill>
-                  <a:srgbClr val="006666"/>
-                </a:solidFill>
-                <a:latin typeface="Fontana ND Cc OsF Semibold" pitchFamily="2" charset="0"/>
-              </a:rPr>
-              <a:t>SVM: </a:t>
-            </a:r>
-            <a:r>
-              <a:rPr lang="es-ES" altLang="es-ES" sz="2200" dirty="0">
-                <a:solidFill>
-                  <a:srgbClr val="006666"/>
-                </a:solidFill>
-                <a:latin typeface="Fontana ND Cc OsF Semibold" pitchFamily="2" charset="0"/>
-              </a:rPr>
-              <a:t>Se utiliza SVM con todos los atributos con la siguiente búsqueda de parámetros: </a:t>
-            </a:r>
-            <a:r>
-              <a:rPr lang="it-IT" altLang="es-ES" sz="2200" i="1" dirty="0">
-                <a:solidFill>
-                  <a:srgbClr val="006666"/>
-                </a:solidFill>
-                <a:latin typeface="Fontana ND Cc OsF Semibold" pitchFamily="2" charset="0"/>
-              </a:rPr>
-              <a:t>C = [1, 10, 100, 10000], gamma = [0.001, 0.1, 0.6, ‘auto‘, kernel = [‘rbf’, ‘linear’].</a:t>
-            </a:r>
-            <a:endParaRPr lang="es-ES" altLang="es-ES" sz="2200" dirty="0">
-              <a:solidFill>
-                <a:srgbClr val="006666"/>
-              </a:solidFill>
-              <a:latin typeface="Fontana ND Cc OsF Semibold" pitchFamily="2" charset="0"/>
-            </a:endParaRPr>
-          </a:p>
-        </p:txBody>
-      </p:sp>
-      <p:sp>
-        <p:nvSpPr>
-          <p:cNvPr id="6" name="Título 1">
-            <a:extLst>
-              <a:ext uri="{FF2B5EF4-FFF2-40B4-BE49-F238E27FC236}">
-                <a16:creationId xmlns:a16="http://schemas.microsoft.com/office/drawing/2014/main" id="{DB0DE630-7CF7-46C4-8222-947DA412E655}"/>
-              </a:ext>
-            </a:extLst>
-          </p:cNvPr>
-          <p:cNvSpPr txBox="1">
-            <a:spLocks/>
-          </p:cNvSpPr>
-          <p:nvPr/>
-        </p:nvSpPr>
-        <p:spPr>
-          <a:xfrm>
-            <a:off x="609600" y="566875"/>
-            <a:ext cx="10972800" cy="1143000"/>
-          </a:xfrm>
-          <a:prstGeom prst="rect">
-            <a:avLst/>
-          </a:prstGeom>
-        </p:spPr>
-        <p:txBody>
-          <a:bodyPr/>
-          <a:lstStyle>
-            <a:lvl1pPr algn="ctr" rtl="0" eaLnBrk="1" fontAlgn="base" hangingPunct="1">
-              <a:spcBef>
-                <a:spcPct val="0"/>
-              </a:spcBef>
-              <a:spcAft>
-                <a:spcPct val="0"/>
-              </a:spcAft>
-              <a:defRPr sz="4400">
-                <a:solidFill>
-                  <a:schemeClr val="tx2"/>
-                </a:solidFill>
-                <a:latin typeface="+mj-lt"/>
-                <a:ea typeface="+mj-ea"/>
-                <a:cs typeface="+mj-cs"/>
-              </a:defRPr>
-            </a:lvl1pPr>
-            <a:lvl2pPr algn="ctr" rtl="0" eaLnBrk="1" fontAlgn="base" hangingPunct="1">
-              <a:spcBef>
-                <a:spcPct val="0"/>
-              </a:spcBef>
-              <a:spcAft>
-                <a:spcPct val="0"/>
-              </a:spcAft>
-              <a:defRPr sz="4400">
-                <a:solidFill>
-                  <a:schemeClr val="tx2"/>
-                </a:solidFill>
-                <a:latin typeface="Arial" charset="0"/>
-                <a:cs typeface="Arial" charset="0"/>
-              </a:defRPr>
-            </a:lvl2pPr>
-            <a:lvl3pPr algn="ctr" rtl="0" eaLnBrk="1" fontAlgn="base" hangingPunct="1">
-              <a:spcBef>
-                <a:spcPct val="0"/>
-              </a:spcBef>
-              <a:spcAft>
-                <a:spcPct val="0"/>
-              </a:spcAft>
-              <a:defRPr sz="4400">
-                <a:solidFill>
-                  <a:schemeClr val="tx2"/>
-                </a:solidFill>
-                <a:latin typeface="Arial" charset="0"/>
-                <a:cs typeface="Arial" charset="0"/>
-              </a:defRPr>
-            </a:lvl3pPr>
-            <a:lvl4pPr algn="ctr" rtl="0" eaLnBrk="1" fontAlgn="base" hangingPunct="1">
-              <a:spcBef>
-                <a:spcPct val="0"/>
-              </a:spcBef>
-              <a:spcAft>
-                <a:spcPct val="0"/>
-              </a:spcAft>
-              <a:defRPr sz="4400">
-                <a:solidFill>
-                  <a:schemeClr val="tx2"/>
-                </a:solidFill>
-                <a:latin typeface="Arial" charset="0"/>
-                <a:cs typeface="Arial" charset="0"/>
-              </a:defRPr>
-            </a:lvl4pPr>
-            <a:lvl5pPr algn="ctr" rtl="0" eaLnBrk="1" fontAlgn="base" hangingPunct="1">
-              <a:spcBef>
-                <a:spcPct val="0"/>
-              </a:spcBef>
-              <a:spcAft>
-                <a:spcPct val="0"/>
-              </a:spcAft>
-              <a:defRPr sz="4400">
-                <a:solidFill>
-                  <a:schemeClr val="tx2"/>
-                </a:solidFill>
-                <a:latin typeface="Arial" charset="0"/>
-                <a:cs typeface="Arial" charset="0"/>
-              </a:defRPr>
-            </a:lvl5pPr>
-            <a:lvl6pPr marL="457200" algn="ctr" rtl="0" eaLnBrk="1" fontAlgn="base" hangingPunct="1">
-              <a:spcBef>
-                <a:spcPct val="0"/>
-              </a:spcBef>
-              <a:spcAft>
-                <a:spcPct val="0"/>
-              </a:spcAft>
-              <a:defRPr sz="4400">
-                <a:solidFill>
-                  <a:schemeClr val="tx2"/>
-                </a:solidFill>
-                <a:latin typeface="Arial" charset="0"/>
-                <a:cs typeface="Arial" charset="0"/>
-              </a:defRPr>
-            </a:lvl6pPr>
-            <a:lvl7pPr marL="914400" algn="ctr" rtl="0" eaLnBrk="1" fontAlgn="base" hangingPunct="1">
-              <a:spcBef>
-                <a:spcPct val="0"/>
-              </a:spcBef>
-              <a:spcAft>
-                <a:spcPct val="0"/>
-              </a:spcAft>
-              <a:defRPr sz="4400">
-                <a:solidFill>
-                  <a:schemeClr val="tx2"/>
-                </a:solidFill>
-                <a:latin typeface="Arial" charset="0"/>
-                <a:cs typeface="Arial" charset="0"/>
-              </a:defRPr>
-            </a:lvl7pPr>
-            <a:lvl8pPr marL="1371600" algn="ctr" rtl="0" eaLnBrk="1" fontAlgn="base" hangingPunct="1">
-              <a:spcBef>
-                <a:spcPct val="0"/>
-              </a:spcBef>
-              <a:spcAft>
-                <a:spcPct val="0"/>
-              </a:spcAft>
-              <a:defRPr sz="4400">
-                <a:solidFill>
-                  <a:schemeClr val="tx2"/>
-                </a:solidFill>
-                <a:latin typeface="Arial" charset="0"/>
-                <a:cs typeface="Arial" charset="0"/>
-              </a:defRPr>
-            </a:lvl8pPr>
-            <a:lvl9pPr marL="1828800" algn="ctr" rtl="0" eaLnBrk="1" fontAlgn="base" hangingPunct="1">
-              <a:spcBef>
-                <a:spcPct val="0"/>
-              </a:spcBef>
-              <a:spcAft>
-                <a:spcPct val="0"/>
-              </a:spcAft>
-              <a:defRPr sz="4400">
-                <a:solidFill>
-                  <a:schemeClr val="tx2"/>
-                </a:solidFill>
-                <a:latin typeface="Arial" charset="0"/>
-                <a:cs typeface="Arial" charset="0"/>
-              </a:defRPr>
-            </a:lvl9pPr>
-          </a:lstStyle>
-          <a:p>
-            <a:r>
-              <a:rPr lang="es-ES" altLang="es-ES" b="1" kern="0" dirty="0">
-                <a:solidFill>
-                  <a:srgbClr val="006666"/>
-                </a:solidFill>
-                <a:latin typeface="Fontana ND Cc OsF Semibold" pitchFamily="2" charset="0"/>
-              </a:rPr>
               <a:t>CLASIFICACIÓN</a:t>
             </a:r>
             <a:br>
@@ -19380,7 +21336,7 @@
 </p:sld>
 </file>
 
-<file path=ppt/slides/slide43.xml><?xml version="1.0" encoding="utf-8"?>
+<file path=ppt/slides/slide42.xml><?xml version="1.0" encoding="utf-8"?>
 <p:sld xmlns:a="http://schemas.openxmlformats.org/drawingml/2006/main" xmlns:r="http://schemas.openxmlformats.org/officeDocument/2006/relationships" xmlns:p="http://schemas.openxmlformats.org/presentationml/2006/main">
   <p:cSld>
     <p:spTree>
@@ -20882,7 +22838,7 @@
 </p:sld>
 </file>
 
-<file path=ppt/slides/slide44.xml><?xml version="1.0" encoding="utf-8"?>
+<file path=ppt/slides/slide43.xml><?xml version="1.0" encoding="utf-8"?>
 <p:sld xmlns:a="http://schemas.openxmlformats.org/drawingml/2006/main" xmlns:r="http://schemas.openxmlformats.org/officeDocument/2006/relationships" xmlns:p="http://schemas.openxmlformats.org/presentationml/2006/main">
   <p:cSld>
     <p:spTree>
@@ -21184,7 +23140,7 @@
 </p:sld>
 </file>
 
-<file path=ppt/slides/slide45.xml><?xml version="1.0" encoding="utf-8"?>
+<file path=ppt/slides/slide44.xml><?xml version="1.0" encoding="utf-8"?>
 <p:sld xmlns:a="http://schemas.openxmlformats.org/drawingml/2006/main" xmlns:r="http://schemas.openxmlformats.org/officeDocument/2006/relationships" xmlns:p="http://schemas.openxmlformats.org/presentationml/2006/main">
   <p:cSld>
     <p:spTree>
@@ -21471,7 +23427,7 @@
 </p:sld>
 </file>
 
-<file path=ppt/slides/slide46.xml><?xml version="1.0" encoding="utf-8"?>
+<file path=ppt/slides/slide45.xml><?xml version="1.0" encoding="utf-8"?>
 <p:sld xmlns:a="http://schemas.openxmlformats.org/drawingml/2006/main" xmlns:r="http://schemas.openxmlformats.org/officeDocument/2006/relationships" xmlns:p="http://schemas.openxmlformats.org/presentationml/2006/main">
   <p:cSld>
     <p:spTree>
@@ -23294,8 +25250,8 @@
         </p:nvSpPr>
         <p:spPr>
           <a:xfrm>
-            <a:off x="8278233" y="2045511"/>
-            <a:ext cx="3484134" cy="1122743"/>
+            <a:off x="8458199" y="2045511"/>
+            <a:ext cx="3429001" cy="1122743"/>
           </a:xfrm>
           <a:prstGeom prst="rect">
             <a:avLst/>

--- a/TFM_Francisco_Rodriguez.pptx
+++ b/TFM_Francisco_Rodriguez.pptx
@@ -5,10 +5,10 @@
     <p:sldMasterId id="2147483660" r:id="rId1"/>
   </p:sldMasterIdLst>
   <p:notesMasterIdLst>
-    <p:notesMasterId r:id="rId45"/>
+    <p:notesMasterId r:id="rId44"/>
   </p:notesMasterIdLst>
   <p:handoutMasterIdLst>
-    <p:handoutMasterId r:id="rId46"/>
+    <p:handoutMasterId r:id="rId45"/>
   </p:handoutMasterIdLst>
   <p:sldIdLst>
     <p:sldId id="256" r:id="rId2"/>
@@ -53,7 +53,6 @@
     <p:sldId id="295" r:id="rId41"/>
     <p:sldId id="308" r:id="rId42"/>
     <p:sldId id="294" r:id="rId43"/>
-    <p:sldId id="299" r:id="rId44"/>
   </p:sldIdLst>
   <p:sldSz cx="12192000" cy="6858000"/>
   <p:notesSz cx="6858000" cy="9144000"/>
@@ -287,7 +286,7 @@
           <a:p>
             <a:fld id="{E01746FB-99A3-4E74-B466-02D768A2850C}" type="datetimeFigureOut">
               <a:rPr lang="es-ES" smtClean="0"/>
-              <a:t>28/06/2019</a:t>
+              <a:t>30/06/2019</a:t>
             </a:fld>
             <a:endParaRPr lang="es-ES"/>
           </a:p>
@@ -464,7 +463,7 @@
           <a:p>
             <a:fld id="{EA6B01D0-CF01-4366-A8E3-2BEB399DF92F}" type="datetimeFigureOut">
               <a:rPr lang="es-ES" smtClean="0"/>
-              <a:t>28/06/2019</a:t>
+              <a:t>30/06/2019</a:t>
             </a:fld>
             <a:endParaRPr lang="es-ES"/>
           </a:p>
@@ -796,7 +795,7 @@
           <a:p>
             <a:fld id="{9CC4F916-C55E-435E-91D7-7447FBD0CD84}" type="slidenum">
               <a:rPr lang="es-ES" smtClean="0"/>
-              <a:t>2</a:t>
+              <a:t>1</a:t>
             </a:fld>
             <a:endParaRPr lang="es-ES"/>
           </a:p>
@@ -805,7 +804,7 @@
     </p:spTree>
     <p:extLst>
       <p:ext uri="{BB962C8B-B14F-4D97-AF65-F5344CB8AC3E}">
-        <p14:creationId xmlns:p14="http://schemas.microsoft.com/office/powerpoint/2010/main" val="1727469793"/>
+        <p14:creationId xmlns:p14="http://schemas.microsoft.com/office/powerpoint/2010/main" val="1000545307"/>
       </p:ext>
     </p:extLst>
   </p:cSld>
@@ -859,78 +858,7 @@
           <a:bodyPr/>
           <a:lstStyle/>
           <a:p>
-            <a:r>
-              <a:rPr lang="es-ES" dirty="0"/>
-              <a:t>'</a:t>
-            </a:r>
-            <a:r>
-              <a:rPr lang="es-ES" dirty="0" err="1"/>
-              <a:t>source</a:t>
-            </a:r>
-            <a:r>
-              <a:rPr lang="es-ES" dirty="0"/>
-              <a:t>', 'respuesta', '</a:t>
-            </a:r>
-            <a:r>
-              <a:rPr lang="es-ES" dirty="0" err="1"/>
-              <a:t>respuesta_screen_name</a:t>
-            </a:r>
-            <a:r>
-              <a:rPr lang="es-ES" dirty="0"/>
-              <a:t>',</a:t>
-            </a:r>
-          </a:p>
-          <a:p>
-            <a:r>
-              <a:rPr lang="es-ES" dirty="0"/>
-              <a:t>          '</a:t>
-            </a:r>
-            <a:r>
-              <a:rPr lang="es-ES" dirty="0" err="1"/>
-              <a:t>hastag_presence</a:t>
-            </a:r>
-            <a:r>
-              <a:rPr lang="es-ES" dirty="0"/>
-              <a:t>', '</a:t>
-            </a:r>
-            <a:r>
-              <a:rPr lang="es-ES" dirty="0" err="1"/>
-              <a:t>url_presence</a:t>
-            </a:r>
-            <a:r>
-              <a:rPr lang="es-ES" dirty="0"/>
-              <a:t>',</a:t>
-            </a:r>
-          </a:p>
-          <a:p>
-            <a:r>
-              <a:rPr lang="es-ES" dirty="0"/>
-              <a:t>          '</a:t>
-            </a:r>
-            <a:r>
-              <a:rPr lang="es-ES" dirty="0" err="1"/>
-              <a:t>media_type</a:t>
-            </a:r>
-            <a:r>
-              <a:rPr lang="es-ES" dirty="0"/>
-              <a:t>', '</a:t>
-            </a:r>
-            <a:r>
-              <a:rPr lang="es-ES" dirty="0" err="1"/>
-              <a:t>mentions_presence</a:t>
-            </a:r>
-            <a:r>
-              <a:rPr lang="es-ES" dirty="0"/>
-              <a:t>', '</a:t>
-            </a:r>
-            <a:r>
-              <a:rPr lang="es-ES" dirty="0" err="1"/>
-              <a:t>verified</a:t>
-            </a:r>
-            <a:r>
-              <a:rPr lang="es-ES" dirty="0"/>
-              <a:t>'</a:t>
-            </a:r>
+            <a:endParaRPr lang="es-ES" dirty="0"/>
           </a:p>
         </p:txBody>
       </p:sp>
@@ -951,7 +879,7 @@
           <a:p>
             <a:fld id="{9CC4F916-C55E-435E-91D7-7447FBD0CD84}" type="slidenum">
               <a:rPr lang="es-ES" smtClean="0"/>
-              <a:t>42</a:t>
+              <a:t>40</a:t>
             </a:fld>
             <a:endParaRPr lang="es-ES"/>
           </a:p>
@@ -960,7 +888,7 @@
     </p:spTree>
     <p:extLst>
       <p:ext uri="{BB962C8B-B14F-4D97-AF65-F5344CB8AC3E}">
-        <p14:creationId xmlns:p14="http://schemas.microsoft.com/office/powerpoint/2010/main" val="3926499296"/>
+        <p14:creationId xmlns:p14="http://schemas.microsoft.com/office/powerpoint/2010/main" val="3786436335"/>
       </p:ext>
     </p:extLst>
   </p:cSld>
@@ -1014,7 +942,78 @@
           <a:bodyPr/>
           <a:lstStyle/>
           <a:p>
-            <a:endParaRPr lang="es-ES" dirty="0"/>
+            <a:r>
+              <a:rPr lang="es-ES" dirty="0"/>
+              <a:t>'</a:t>
+            </a:r>
+            <a:r>
+              <a:rPr lang="es-ES" dirty="0" err="1"/>
+              <a:t>source</a:t>
+            </a:r>
+            <a:r>
+              <a:rPr lang="es-ES" dirty="0"/>
+              <a:t>', 'respuesta', '</a:t>
+            </a:r>
+            <a:r>
+              <a:rPr lang="es-ES" dirty="0" err="1"/>
+              <a:t>respuesta_screen_name</a:t>
+            </a:r>
+            <a:r>
+              <a:rPr lang="es-ES" dirty="0"/>
+              <a:t>',</a:t>
+            </a:r>
+          </a:p>
+          <a:p>
+            <a:r>
+              <a:rPr lang="es-ES" dirty="0"/>
+              <a:t>          '</a:t>
+            </a:r>
+            <a:r>
+              <a:rPr lang="es-ES" dirty="0" err="1"/>
+              <a:t>hastag_presence</a:t>
+            </a:r>
+            <a:r>
+              <a:rPr lang="es-ES" dirty="0"/>
+              <a:t>', '</a:t>
+            </a:r>
+            <a:r>
+              <a:rPr lang="es-ES" dirty="0" err="1"/>
+              <a:t>url_presence</a:t>
+            </a:r>
+            <a:r>
+              <a:rPr lang="es-ES" dirty="0"/>
+              <a:t>',</a:t>
+            </a:r>
+          </a:p>
+          <a:p>
+            <a:r>
+              <a:rPr lang="es-ES" dirty="0"/>
+              <a:t>          '</a:t>
+            </a:r>
+            <a:r>
+              <a:rPr lang="es-ES" dirty="0" err="1"/>
+              <a:t>media_type</a:t>
+            </a:r>
+            <a:r>
+              <a:rPr lang="es-ES" dirty="0"/>
+              <a:t>', '</a:t>
+            </a:r>
+            <a:r>
+              <a:rPr lang="es-ES" dirty="0" err="1"/>
+              <a:t>mentions_presence</a:t>
+            </a:r>
+            <a:r>
+              <a:rPr lang="es-ES" dirty="0"/>
+              <a:t>', '</a:t>
+            </a:r>
+            <a:r>
+              <a:rPr lang="es-ES" dirty="0" err="1"/>
+              <a:t>verified</a:t>
+            </a:r>
+            <a:r>
+              <a:rPr lang="es-ES" dirty="0"/>
+              <a:t>'</a:t>
+            </a:r>
           </a:p>
         </p:txBody>
       </p:sp>
@@ -1035,7 +1034,7 @@
           <a:p>
             <a:fld id="{9CC4F916-C55E-435E-91D7-7447FBD0CD84}" type="slidenum">
               <a:rPr lang="es-ES" smtClean="0"/>
-              <a:t>43</a:t>
+              <a:t>42</a:t>
             </a:fld>
             <a:endParaRPr lang="es-ES"/>
           </a:p>
@@ -1044,7 +1043,7 @@
     </p:spTree>
     <p:extLst>
       <p:ext uri="{BB962C8B-B14F-4D97-AF65-F5344CB8AC3E}">
-        <p14:creationId xmlns:p14="http://schemas.microsoft.com/office/powerpoint/2010/main" val="1492222528"/>
+        <p14:creationId xmlns:p14="http://schemas.microsoft.com/office/powerpoint/2010/main" val="3926499296"/>
       </p:ext>
     </p:extLst>
   </p:cSld>
@@ -1119,7 +1118,7 @@
           <a:p>
             <a:fld id="{9CC4F916-C55E-435E-91D7-7447FBD0CD84}" type="slidenum">
               <a:rPr lang="es-ES" smtClean="0"/>
-              <a:t>4</a:t>
+              <a:t>2</a:t>
             </a:fld>
             <a:endParaRPr lang="es-ES"/>
           </a:p>
@@ -1128,7 +1127,7 @@
     </p:spTree>
     <p:extLst>
       <p:ext uri="{BB962C8B-B14F-4D97-AF65-F5344CB8AC3E}">
-        <p14:creationId xmlns:p14="http://schemas.microsoft.com/office/powerpoint/2010/main" val="911671534"/>
+        <p14:creationId xmlns:p14="http://schemas.microsoft.com/office/powerpoint/2010/main" val="1727469793"/>
       </p:ext>
     </p:extLst>
   </p:cSld>
@@ -1203,7 +1202,7 @@
           <a:p>
             <a:fld id="{9CC4F916-C55E-435E-91D7-7447FBD0CD84}" type="slidenum">
               <a:rPr lang="es-ES" smtClean="0"/>
-              <a:t>14</a:t>
+              <a:t>4</a:t>
             </a:fld>
             <a:endParaRPr lang="es-ES"/>
           </a:p>
@@ -1212,7 +1211,7 @@
     </p:spTree>
     <p:extLst>
       <p:ext uri="{BB962C8B-B14F-4D97-AF65-F5344CB8AC3E}">
-        <p14:creationId xmlns:p14="http://schemas.microsoft.com/office/powerpoint/2010/main" val="3479410699"/>
+        <p14:creationId xmlns:p14="http://schemas.microsoft.com/office/powerpoint/2010/main" val="911671534"/>
       </p:ext>
     </p:extLst>
   </p:cSld>
@@ -1287,7 +1286,7 @@
           <a:p>
             <a:fld id="{9CC4F916-C55E-435E-91D7-7447FBD0CD84}" type="slidenum">
               <a:rPr lang="es-ES" smtClean="0"/>
-              <a:t>15</a:t>
+              <a:t>14</a:t>
             </a:fld>
             <a:endParaRPr lang="es-ES"/>
           </a:p>
@@ -1296,7 +1295,7 @@
     </p:spTree>
     <p:extLst>
       <p:ext uri="{BB962C8B-B14F-4D97-AF65-F5344CB8AC3E}">
-        <p14:creationId xmlns:p14="http://schemas.microsoft.com/office/powerpoint/2010/main" val="3117985251"/>
+        <p14:creationId xmlns:p14="http://schemas.microsoft.com/office/powerpoint/2010/main" val="3479410699"/>
       </p:ext>
     </p:extLst>
   </p:cSld>
@@ -1371,7 +1370,7 @@
           <a:p>
             <a:fld id="{9CC4F916-C55E-435E-91D7-7447FBD0CD84}" type="slidenum">
               <a:rPr lang="es-ES" smtClean="0"/>
-              <a:t>18</a:t>
+              <a:t>15</a:t>
             </a:fld>
             <a:endParaRPr lang="es-ES"/>
           </a:p>
@@ -1380,7 +1379,7 @@
     </p:spTree>
     <p:extLst>
       <p:ext uri="{BB962C8B-B14F-4D97-AF65-F5344CB8AC3E}">
-        <p14:creationId xmlns:p14="http://schemas.microsoft.com/office/powerpoint/2010/main" val="3812800426"/>
+        <p14:creationId xmlns:p14="http://schemas.microsoft.com/office/powerpoint/2010/main" val="3117985251"/>
       </p:ext>
     </p:extLst>
   </p:cSld>
@@ -1434,80 +1433,6 @@
           <a:bodyPr/>
           <a:lstStyle/>
           <a:p>
-            <a:r>
-              <a:rPr lang="es-ES" dirty="0"/>
-              <a:t>'</a:t>
-            </a:r>
-            <a:r>
-              <a:rPr lang="es-ES" dirty="0" err="1"/>
-              <a:t>source</a:t>
-            </a:r>
-            <a:r>
-              <a:rPr lang="es-ES" dirty="0"/>
-              <a:t>', 'respuesta', '</a:t>
-            </a:r>
-            <a:r>
-              <a:rPr lang="es-ES" dirty="0" err="1"/>
-              <a:t>respuesta_screen_name</a:t>
-            </a:r>
-            <a:r>
-              <a:rPr lang="es-ES" dirty="0"/>
-              <a:t>',</a:t>
-            </a:r>
-          </a:p>
-          <a:p>
-            <a:r>
-              <a:rPr lang="es-ES" dirty="0"/>
-              <a:t>          '</a:t>
-            </a:r>
-            <a:r>
-              <a:rPr lang="es-ES" dirty="0" err="1"/>
-              <a:t>hastag_presence</a:t>
-            </a:r>
-            <a:r>
-              <a:rPr lang="es-ES" dirty="0"/>
-              <a:t>', '</a:t>
-            </a:r>
-            <a:r>
-              <a:rPr lang="es-ES" dirty="0" err="1"/>
-              <a:t>url_presence</a:t>
-            </a:r>
-            <a:r>
-              <a:rPr lang="es-ES" dirty="0"/>
-              <a:t>',</a:t>
-            </a:r>
-          </a:p>
-          <a:p>
-            <a:r>
-              <a:rPr lang="es-ES" dirty="0"/>
-              <a:t>          '</a:t>
-            </a:r>
-            <a:r>
-              <a:rPr lang="es-ES" dirty="0" err="1"/>
-              <a:t>media_type</a:t>
-            </a:r>
-            <a:r>
-              <a:rPr lang="es-ES" dirty="0"/>
-              <a:t>', '</a:t>
-            </a:r>
-            <a:r>
-              <a:rPr lang="es-ES" dirty="0" err="1"/>
-              <a:t>mentions_presence</a:t>
-            </a:r>
-            <a:r>
-              <a:rPr lang="es-ES" dirty="0"/>
-              <a:t>', '</a:t>
-            </a:r>
-            <a:r>
-              <a:rPr lang="es-ES" dirty="0" err="1"/>
-              <a:t>verified</a:t>
-            </a:r>
-            <a:r>
-              <a:rPr lang="es-ES" dirty="0"/>
-              <a:t>'</a:t>
-            </a:r>
-          </a:p>
-          <a:p>
             <a:endParaRPr lang="es-ES" dirty="0"/>
           </a:p>
         </p:txBody>
@@ -1529,7 +1454,7 @@
           <a:p>
             <a:fld id="{9CC4F916-C55E-435E-91D7-7447FBD0CD84}" type="slidenum">
               <a:rPr lang="es-ES" smtClean="0"/>
-              <a:t>19</a:t>
+              <a:t>18</a:t>
             </a:fld>
             <a:endParaRPr lang="es-ES"/>
           </a:p>
@@ -1538,7 +1463,7 @@
     </p:spTree>
     <p:extLst>
       <p:ext uri="{BB962C8B-B14F-4D97-AF65-F5344CB8AC3E}">
-        <p14:creationId xmlns:p14="http://schemas.microsoft.com/office/powerpoint/2010/main" val="4076938257"/>
+        <p14:creationId xmlns:p14="http://schemas.microsoft.com/office/powerpoint/2010/main" val="3812800426"/>
       </p:ext>
     </p:extLst>
   </p:cSld>
@@ -1687,7 +1612,7 @@
           <a:p>
             <a:fld id="{9CC4F916-C55E-435E-91D7-7447FBD0CD84}" type="slidenum">
               <a:rPr lang="es-ES" smtClean="0"/>
-              <a:t>20</a:t>
+              <a:t>19</a:t>
             </a:fld>
             <a:endParaRPr lang="es-ES"/>
           </a:p>
@@ -1696,7 +1621,7 @@
     </p:spTree>
     <p:extLst>
       <p:ext uri="{BB962C8B-B14F-4D97-AF65-F5344CB8AC3E}">
-        <p14:creationId xmlns:p14="http://schemas.microsoft.com/office/powerpoint/2010/main" val="2343410668"/>
+        <p14:creationId xmlns:p14="http://schemas.microsoft.com/office/powerpoint/2010/main" val="4076938257"/>
       </p:ext>
     </p:extLst>
   </p:cSld>
@@ -1751,73 +1676,79 @@
           <a:lstStyle/>
           <a:p>
             <a:r>
-              <a:rPr lang="es-ES" sz="1200" b="0" i="0" kern="1200" dirty="0">
-                <a:solidFill>
-                  <a:schemeClr val="tx1"/>
-                </a:solidFill>
-                <a:effectLst/>
-                <a:latin typeface="+mn-lt"/>
-                <a:ea typeface="+mn-ea"/>
-                <a:cs typeface="+mn-cs"/>
-              </a:rPr>
-              <a:t>Con la etiqueta </a:t>
-            </a:r>
-            <a:r>
-              <a:rPr lang="es-ES" sz="1200" b="0" i="0" u="none" strike="noStrike" kern="1200" dirty="0">
-                <a:solidFill>
-                  <a:schemeClr val="tx1"/>
-                </a:solidFill>
-                <a:effectLst/>
-                <a:latin typeface="+mn-lt"/>
-                <a:ea typeface="+mn-ea"/>
-                <a:cs typeface="+mn-cs"/>
-                <a:hlinkClick r:id="rId3"/>
-              </a:rPr>
-              <a:t>#</a:t>
-            </a:r>
-            <a:r>
-              <a:rPr lang="es-ES" sz="1200" b="0" i="0" u="none" strike="noStrike" kern="1200" dirty="0" err="1">
-                <a:solidFill>
-                  <a:schemeClr val="tx1"/>
-                </a:solidFill>
-                <a:effectLst/>
-                <a:latin typeface="+mn-lt"/>
-                <a:ea typeface="+mn-ea"/>
-                <a:cs typeface="+mn-cs"/>
-                <a:hlinkClick r:id="rId3"/>
-              </a:rPr>
-              <a:t>MeQueer</a:t>
-            </a:r>
-            <a:r>
-              <a:rPr lang="es-ES" sz="1200" b="0" i="0" kern="1200" dirty="0">
-                <a:solidFill>
-                  <a:schemeClr val="tx1"/>
-                </a:solidFill>
-                <a:effectLst/>
-                <a:latin typeface="+mn-lt"/>
-                <a:ea typeface="+mn-ea"/>
-                <a:cs typeface="+mn-cs"/>
-              </a:rPr>
-              <a:t>, miles de personas LGTBI+ están contando en Twitter sus historias de discriminación y acoso. Estos son algunos ejemplos. (</a:t>
-            </a:r>
-            <a:r>
-              <a:rPr lang="es-ES" dirty="0">
-                <a:hlinkClick r:id="rId4"/>
-              </a:rPr>
-              <a:t>https://verne.elpais.com/verne/2018/08/25/articulo/1535189240_304724.html</a:t>
-            </a:r>
-            <a:r>
-              <a:rPr lang="es-ES" sz="1200" b="0" i="0" kern="1200" dirty="0">
-                <a:solidFill>
-                  <a:schemeClr val="tx1"/>
-                </a:solidFill>
-                <a:effectLst/>
-                <a:latin typeface="+mn-lt"/>
-                <a:ea typeface="+mn-ea"/>
-                <a:cs typeface="+mn-cs"/>
-              </a:rPr>
-              <a:t>)</a:t>
-            </a:r>
+              <a:rPr lang="es-ES" dirty="0"/>
+              <a:t>'</a:t>
+            </a:r>
+            <a:r>
+              <a:rPr lang="es-ES" dirty="0" err="1"/>
+              <a:t>source</a:t>
+            </a:r>
+            <a:r>
+              <a:rPr lang="es-ES" dirty="0"/>
+              <a:t>', 'respuesta', '</a:t>
+            </a:r>
+            <a:r>
+              <a:rPr lang="es-ES" dirty="0" err="1"/>
+              <a:t>respuesta_screen_name</a:t>
+            </a:r>
+            <a:r>
+              <a:rPr lang="es-ES" dirty="0"/>
+              <a:t>',</a:t>
+            </a:r>
+          </a:p>
+          <a:p>
+            <a:r>
+              <a:rPr lang="es-ES" dirty="0"/>
+              <a:t>          '</a:t>
+            </a:r>
+            <a:r>
+              <a:rPr lang="es-ES" dirty="0" err="1"/>
+              <a:t>hastag_presence</a:t>
+            </a:r>
+            <a:r>
+              <a:rPr lang="es-ES" dirty="0"/>
+              <a:t>', '</a:t>
+            </a:r>
+            <a:r>
+              <a:rPr lang="es-ES" dirty="0" err="1"/>
+              <a:t>url_presence</a:t>
+            </a:r>
+            <a:r>
+              <a:rPr lang="es-ES" dirty="0"/>
+              <a:t>',</a:t>
+            </a:r>
+          </a:p>
+          <a:p>
+            <a:r>
+              <a:rPr lang="es-ES" dirty="0"/>
+              <a:t>          '</a:t>
+            </a:r>
+            <a:r>
+              <a:rPr lang="es-ES" dirty="0" err="1"/>
+              <a:t>media_type</a:t>
+            </a:r>
+            <a:r>
+              <a:rPr lang="es-ES" dirty="0"/>
+              <a:t>', '</a:t>
+            </a:r>
+            <a:r>
+              <a:rPr lang="es-ES" dirty="0" err="1"/>
+              <a:t>mentions_presence</a:t>
+            </a:r>
+            <a:r>
+              <a:rPr lang="es-ES" dirty="0"/>
+              <a:t>', '</a:t>
+            </a:r>
+            <a:r>
+              <a:rPr lang="es-ES" dirty="0" err="1"/>
+              <a:t>verified</a:t>
+            </a:r>
+            <a:r>
+              <a:rPr lang="es-ES" dirty="0"/>
+              <a:t>'</a:t>
+            </a:r>
+          </a:p>
+          <a:p>
             <a:endParaRPr lang="es-ES" dirty="0"/>
           </a:p>
         </p:txBody>
@@ -1839,7 +1770,7 @@
           <a:p>
             <a:fld id="{9CC4F916-C55E-435E-91D7-7447FBD0CD84}" type="slidenum">
               <a:rPr lang="es-ES" smtClean="0"/>
-              <a:t>31</a:t>
+              <a:t>20</a:t>
             </a:fld>
             <a:endParaRPr lang="es-ES"/>
           </a:p>
@@ -1848,7 +1779,7 @@
     </p:spTree>
     <p:extLst>
       <p:ext uri="{BB962C8B-B14F-4D97-AF65-F5344CB8AC3E}">
-        <p14:creationId xmlns:p14="http://schemas.microsoft.com/office/powerpoint/2010/main" val="2514568340"/>
+        <p14:creationId xmlns:p14="http://schemas.microsoft.com/office/powerpoint/2010/main" val="2343410668"/>
       </p:ext>
     </p:extLst>
   </p:cSld>
@@ -1902,6 +1833,74 @@
           <a:bodyPr/>
           <a:lstStyle/>
           <a:p>
+            <a:r>
+              <a:rPr lang="es-ES" sz="1200" b="0" i="0" kern="1200" dirty="0">
+                <a:solidFill>
+                  <a:schemeClr val="tx1"/>
+                </a:solidFill>
+                <a:effectLst/>
+                <a:latin typeface="+mn-lt"/>
+                <a:ea typeface="+mn-ea"/>
+                <a:cs typeface="+mn-cs"/>
+              </a:rPr>
+              <a:t>Con la etiqueta </a:t>
+            </a:r>
+            <a:r>
+              <a:rPr lang="es-ES" sz="1200" b="0" i="0" u="none" strike="noStrike" kern="1200" dirty="0">
+                <a:solidFill>
+                  <a:schemeClr val="tx1"/>
+                </a:solidFill>
+                <a:effectLst/>
+                <a:latin typeface="+mn-lt"/>
+                <a:ea typeface="+mn-ea"/>
+                <a:cs typeface="+mn-cs"/>
+                <a:hlinkClick r:id="rId3"/>
+              </a:rPr>
+              <a:t>#</a:t>
+            </a:r>
+            <a:r>
+              <a:rPr lang="es-ES" sz="1200" b="0" i="0" u="none" strike="noStrike" kern="1200" dirty="0" err="1">
+                <a:solidFill>
+                  <a:schemeClr val="tx1"/>
+                </a:solidFill>
+                <a:effectLst/>
+                <a:latin typeface="+mn-lt"/>
+                <a:ea typeface="+mn-ea"/>
+                <a:cs typeface="+mn-cs"/>
+                <a:hlinkClick r:id="rId3"/>
+              </a:rPr>
+              <a:t>MeQueer</a:t>
+            </a:r>
+            <a:r>
+              <a:rPr lang="es-ES" sz="1200" b="0" i="0" kern="1200" dirty="0">
+                <a:solidFill>
+                  <a:schemeClr val="tx1"/>
+                </a:solidFill>
+                <a:effectLst/>
+                <a:latin typeface="+mn-lt"/>
+                <a:ea typeface="+mn-ea"/>
+                <a:cs typeface="+mn-cs"/>
+              </a:rPr>
+              <a:t>, miles de personas LGTBI+ están contando en Twitter sus historias de discriminación y acoso. Estos son algunos ejemplos. (</a:t>
+            </a:r>
+            <a:r>
+              <a:rPr lang="es-ES" dirty="0">
+                <a:hlinkClick r:id="rId4"/>
+              </a:rPr>
+              <a:t>https://verne.elpais.com/verne/2018/08/25/articulo/1535189240_304724.html</a:t>
+            </a:r>
+            <a:r>
+              <a:rPr lang="es-ES" sz="1200" b="0" i="0" kern="1200" dirty="0">
+                <a:solidFill>
+                  <a:schemeClr val="tx1"/>
+                </a:solidFill>
+                <a:effectLst/>
+                <a:latin typeface="+mn-lt"/>
+                <a:ea typeface="+mn-ea"/>
+                <a:cs typeface="+mn-cs"/>
+              </a:rPr>
+              <a:t>)</a:t>
+            </a:r>
             <a:endParaRPr lang="es-ES" dirty="0"/>
           </a:p>
         </p:txBody>
@@ -1923,7 +1922,7 @@
           <a:p>
             <a:fld id="{9CC4F916-C55E-435E-91D7-7447FBD0CD84}" type="slidenum">
               <a:rPr lang="es-ES" smtClean="0"/>
-              <a:t>40</a:t>
+              <a:t>31</a:t>
             </a:fld>
             <a:endParaRPr lang="es-ES"/>
           </a:p>
@@ -1932,7 +1931,7 @@
     </p:spTree>
     <p:extLst>
       <p:ext uri="{BB962C8B-B14F-4D97-AF65-F5344CB8AC3E}">
-        <p14:creationId xmlns:p14="http://schemas.microsoft.com/office/powerpoint/2010/main" val="3786436335"/>
+        <p14:creationId xmlns:p14="http://schemas.microsoft.com/office/powerpoint/2010/main" val="2514568340"/>
       </p:ext>
     </p:extLst>
   </p:cSld>
@@ -4916,7 +4915,7 @@
           <p:nvPr/>
         </p:nvPicPr>
         <p:blipFill>
-          <a:blip r:embed="rId2"/>
+          <a:blip r:embed="rId3"/>
           <a:stretch>
             <a:fillRect/>
           </a:stretch>
@@ -6410,7 +6409,7 @@
                 </a:solidFill>
                 <a:latin typeface="Fontana ND Cc OsF Semibold" pitchFamily="2" charset="0"/>
               </a:rPr>
-              <a:t> Lo irónico es que lo dice una mujer, que “naturalmente" debería callarse y dedicarse a la cocina, limpiar y criar hijos”</a:t>
+              <a:t> Lo irónico es que lo dice una mujer, que naturalmente debería callarse y dedicarse a la cocina, limpiar y criar hijos”</a:t>
             </a:r>
           </a:p>
           <a:p>
@@ -8821,7 +8820,7 @@
                 </a:solidFill>
                 <a:latin typeface="Fontana ND Cc OsF Semibold" pitchFamily="2" charset="0"/>
               </a:rPr>
-              <a:t>PREPROCESADO</a:t>
+              <a:t>PREPROCESADO TEXTO</a:t>
             </a:r>
             <a:br>
               <a:rPr lang="es-ES" altLang="es-ES" kern="0" dirty="0">
@@ -10006,7 +10005,7 @@
                 </a:solidFill>
                 <a:latin typeface="Fontana ND Cc OsF Semibold" pitchFamily="2" charset="0"/>
               </a:rPr>
-              <a:t>hastgas</a:t>
+              <a:t>hashtgas</a:t>
             </a:r>
             <a:r>
               <a:rPr lang="es-ES" altLang="es-ES" sz="2000" dirty="0">
@@ -22928,8 +22927,8 @@
         </p:blipFill>
         <p:spPr>
           <a:xfrm>
-            <a:off x="2836863" y="1278994"/>
-            <a:ext cx="6518273" cy="4300012"/>
+            <a:off x="2368756" y="970190"/>
+            <a:ext cx="7454488" cy="4917620"/>
           </a:xfrm>
           <a:prstGeom prst="rect">
             <a:avLst/>
@@ -23021,8 +23020,8 @@
         </p:blipFill>
         <p:spPr>
           <a:xfrm>
-            <a:off x="2715637" y="910014"/>
-            <a:ext cx="6760726" cy="5037972"/>
+            <a:off x="2471376" y="727995"/>
+            <a:ext cx="7249247" cy="5402009"/>
           </a:xfrm>
         </p:spPr>
       </p:pic>
@@ -23219,7 +23218,7 @@
                 </a:solidFill>
                 <a:latin typeface="Fontana ND Cc OsF Semibold" pitchFamily="2" charset="0"/>
               </a:rPr>
-              <a:t>: número de caracteres del tweet.</a:t>
+              <a:t>: número de caracteres del tweet</a:t>
             </a:r>
           </a:p>
           <a:p>
@@ -23264,7 +23263,7 @@
                 </a:solidFill>
                 <a:latin typeface="Fontana ND Cc OsF Semibold" pitchFamily="2" charset="0"/>
               </a:rPr>
-              <a:t>: número de veces que el tweet ha sido marcado como favorito.</a:t>
+              <a:t>: número de veces que el tweet ha sido marcado como favorito</a:t>
             </a:r>
           </a:p>
           <a:p>
@@ -23320,15 +23319,12 @@
               </a:rPr>
               <a:t>retwiteado</a:t>
             </a:r>
-            <a:r>
-              <a:rPr lang="es-ES" altLang="es-ES" sz="2200" dirty="0">
-                <a:solidFill>
-                  <a:srgbClr val="006666"/>
-                </a:solidFill>
-                <a:latin typeface="Fontana ND Cc OsF Semibold" pitchFamily="2" charset="0"/>
-              </a:rPr>
-              <a:t>.</a:t>
-            </a:r>
+            <a:endParaRPr lang="es-ES" altLang="es-ES" sz="2200" dirty="0">
+              <a:solidFill>
+                <a:srgbClr val="006666"/>
+              </a:solidFill>
+              <a:latin typeface="Fontana ND Cc OsF Semibold" pitchFamily="2" charset="0"/>
+            </a:endParaRPr>
           </a:p>
           <a:p>
             <a:pPr algn="just">
@@ -23372,7 +23368,7 @@
                 </a:solidFill>
                 <a:latin typeface="Fontana ND Cc OsF Semibold" pitchFamily="2" charset="0"/>
               </a:rPr>
-              <a:t>: número de seguidores del usuario que publica el tweet.</a:t>
+              <a:t>: número de seguidores del usuario que publica el tweet</a:t>
             </a:r>
           </a:p>
           <a:p>
@@ -23417,7 +23413,7 @@
                 </a:solidFill>
                 <a:latin typeface="Fontana ND Cc OsF Semibold" pitchFamily="2" charset="0"/>
               </a:rPr>
-              <a:t>: número de personas seguidas por el usuario que publica el tweet.</a:t>
+              <a:t>: número de personas seguidas por el usuario que publica el tweet</a:t>
             </a:r>
           </a:p>
           <a:p>
@@ -23462,7 +23458,7 @@
                 </a:solidFill>
                 <a:latin typeface="Fontana ND Cc OsF Semibold" pitchFamily="2" charset="0"/>
               </a:rPr>
-              <a:t>: número de listas en las que está inscrito el usuario que publica el tweet.</a:t>
+              <a:t>: número de listas en las que está inscrito el usuario que publica el tweet</a:t>
             </a:r>
           </a:p>
           <a:p>
@@ -23507,7 +23503,7 @@
                 </a:solidFill>
                 <a:latin typeface="Fontana ND Cc OsF Semibold" pitchFamily="2" charset="0"/>
               </a:rPr>
-              <a:t>: número de tweets publicados por el usuario que publicó el tweet.</a:t>
+              <a:t>: número de tweets publicados por el usuario que publicó el tweet</a:t>
             </a:r>
           </a:p>
           <a:p>
@@ -23552,7 +23548,7 @@
                 </a:solidFill>
                 <a:latin typeface="Fontana ND Cc OsF Semibold" pitchFamily="2" charset="0"/>
               </a:rPr>
-              <a:t>: número de tweets que el usuario que publicó el tweet marcó como favorito.</a:t>
+              <a:t>: número de tweets que el usuario que publicó el tweet marcó como favorito</a:t>
             </a:r>
           </a:p>
           <a:p>
@@ -23827,7 +23823,7 @@
                 </a:solidFill>
                 <a:latin typeface="Fontana ND Cc OsF Semibold" pitchFamily="2" charset="0"/>
               </a:rPr>
-              <a:t>: tipo de dispositivo con el que se publica el tweet.</a:t>
+              <a:t>: tipo de dispositivo con el que se publica el tweet</a:t>
             </a:r>
           </a:p>
           <a:p>
@@ -23845,7 +23841,7 @@
                 </a:solidFill>
                 <a:latin typeface="Fontana ND Cc OsF Semibold" pitchFamily="2" charset="0"/>
               </a:rPr>
-              <a:t>respuesta: indica si el tweet es una respuesta a otro.</a:t>
+              <a:t>respuesta: indica si el tweet es una respuesta a otro</a:t>
             </a:r>
           </a:p>
           <a:p>
@@ -23899,7 +23895,7 @@
                 </a:solidFill>
                 <a:latin typeface="Fontana ND Cc OsF Semibold" pitchFamily="2" charset="0"/>
               </a:rPr>
-              <a:t>: nombre del usuario al que se responde.</a:t>
+              <a:t>: nombre del usuario al que se responde</a:t>
             </a:r>
           </a:p>
           <a:p>
@@ -23962,7 +23958,7 @@
                 </a:solidFill>
                 <a:latin typeface="Fontana ND Cc OsF Semibold" pitchFamily="2" charset="0"/>
               </a:rPr>
-              <a:t> en el tweet.</a:t>
+              <a:t> en el tweet</a:t>
             </a:r>
           </a:p>
           <a:p>
@@ -24025,7 +24021,7 @@
                 </a:solidFill>
                 <a:latin typeface="Fontana ND Cc OsF Semibold" pitchFamily="2" charset="0"/>
               </a:rPr>
-              <a:t> en el tweet.</a:t>
+              <a:t> en el tweet</a:t>
             </a:r>
           </a:p>
           <a:p>
@@ -24079,7 +24075,7 @@
                 </a:solidFill>
                 <a:latin typeface="Fontana ND Cc OsF Semibold" pitchFamily="2" charset="0"/>
               </a:rPr>
-              <a:t> o videos.</a:t>
+              <a:t> o videos</a:t>
             </a:r>
           </a:p>
           <a:p>
@@ -24124,7 +24120,7 @@
                 </a:solidFill>
                 <a:latin typeface="Fontana ND Cc OsF Semibold" pitchFamily="2" charset="0"/>
               </a:rPr>
-              <a:t>: indica la presencia de la mención a algún usuario en el tweet.</a:t>
+              <a:t>: indica la presencia de la mención a algún usuario en el tweet</a:t>
             </a:r>
           </a:p>
           <a:p>
@@ -24151,7 +24147,7 @@
                 </a:solidFill>
                 <a:latin typeface="Fontana ND Cc OsF Semibold" pitchFamily="2" charset="0"/>
               </a:rPr>
-              <a:t>: indica si el usuario que publica el tweet es verificado por Twitter.</a:t>
+              <a:t>: indica si el usuario que publica el tweet es verificado por Twitter</a:t>
             </a:r>
             <a:endParaRPr lang="es-ES" sz="3600" dirty="0"/>
           </a:p>
@@ -24424,7 +24420,7 @@
                 </a:solidFill>
                 <a:latin typeface="Fontana ND Cc OsF Semibold" pitchFamily="2" charset="0"/>
               </a:rPr>
-              <a:t>Se clasifican todos los registros del test con la categoría mayoritaria.</a:t>
+              <a:t>Se clasifican todos los registros del test con la categoría mayoritaria</a:t>
             </a:r>
           </a:p>
           <a:p>
@@ -24552,15 +24548,12 @@
               </a:rPr>
               <a:t>']</a:t>
             </a:r>
-            <a:r>
-              <a:rPr lang="es-ES" altLang="es-ES" sz="2200" dirty="0">
-                <a:solidFill>
-                  <a:srgbClr val="006666"/>
-                </a:solidFill>
-                <a:latin typeface="Fontana ND Cc OsF Semibold" pitchFamily="2" charset="0"/>
-              </a:rPr>
-              <a:t>.</a:t>
-            </a:r>
+            <a:endParaRPr lang="es-ES" altLang="es-ES" sz="2200" dirty="0">
+              <a:solidFill>
+                <a:srgbClr val="006666"/>
+              </a:solidFill>
+              <a:latin typeface="Fontana ND Cc OsF Semibold" pitchFamily="2" charset="0"/>
+            </a:endParaRPr>
           </a:p>
           <a:p>
             <a:pPr algn="just">
@@ -24667,7 +24660,7 @@
                 </a:solidFill>
                 <a:latin typeface="Fontana ND Cc OsF Semibold" pitchFamily="2" charset="0"/>
               </a:rPr>
-              <a:t>']</a:t>
+              <a:t>'</a:t>
             </a:r>
             <a:r>
               <a:rPr lang="es-ES" altLang="es-ES" sz="2200" dirty="0">
@@ -24739,7 +24732,7 @@
                 </a:solidFill>
                 <a:latin typeface="Fontana ND Cc OsF Semibold" pitchFamily="2" charset="0"/>
               </a:rPr>
-              <a:t>), max depth'= [None, 30].</a:t>
+              <a:t>), max depth'= [None, 30]</a:t>
             </a:r>
           </a:p>
           <a:p>
@@ -24775,7 +24768,7 @@
                 </a:solidFill>
                 <a:latin typeface="Fontana ND Cc OsF Semibold" pitchFamily="2" charset="0"/>
               </a:rPr>
-              <a:t>C = [1, 10, 100, 10000], gamma = [0.001, 0.1, 0.6, ‘auto‘, kernel = [‘rbf’, ‘linear’].</a:t>
+              <a:t>C = [1, 10, 100, 10000], gamma = [0.001, 0.1, 0.6, ‘auto‘, kernel = [‘rbf’, ‘linear’]</a:t>
             </a:r>
             <a:endParaRPr lang="es-ES" altLang="es-ES" sz="2200" dirty="0">
               <a:solidFill>
@@ -27136,7 +27129,7 @@
                 </a:solidFill>
                 <a:latin typeface="Fontana ND Cc OsF Semibold" pitchFamily="2" charset="0"/>
               </a:rPr>
-              <a:t>Empeoramiento SVM: se trabajan con 222 atributos en total antes de aplicar el algoritmo de clasificación.</a:t>
+              <a:t>Empeoramiento SVM: se trabajan con 222 atributos en total antes de aplicar el algoritmo de clasificación</a:t>
             </a:r>
           </a:p>
           <a:p>
@@ -27172,7 +27165,7 @@
                 </a:solidFill>
                 <a:latin typeface="Fontana ND Cc OsF Semibold" pitchFamily="2" charset="0"/>
               </a:rPr>
-              <a:t>SVM y LR similares: frontera de decisión lineal.</a:t>
+              <a:t>SVM y LR similares: frontera de decisión lineal</a:t>
             </a:r>
           </a:p>
           <a:p>
@@ -27659,347 +27652,6 @@
     <p:extLst>
       <p:ext uri="{BB962C8B-B14F-4D97-AF65-F5344CB8AC3E}">
         <p14:creationId xmlns:p14="http://schemas.microsoft.com/office/powerpoint/2010/main" val="769351838"/>
-      </p:ext>
-    </p:extLst>
-  </p:cSld>
-  <p:clrMapOvr>
-    <a:masterClrMapping/>
-  </p:clrMapOvr>
-</p:sld>
-</file>
-
-<file path=ppt/slides/slide43.xml><?xml version="1.0" encoding="utf-8"?>
-<p:sld xmlns:a="http://schemas.openxmlformats.org/drawingml/2006/main" xmlns:r="http://schemas.openxmlformats.org/officeDocument/2006/relationships" xmlns:p="http://schemas.openxmlformats.org/presentationml/2006/main">
-  <p:cSld>
-    <p:spTree>
-      <p:nvGrpSpPr>
-        <p:cNvPr id="1" name=""/>
-        <p:cNvGrpSpPr/>
-        <p:nvPr/>
-      </p:nvGrpSpPr>
-      <p:grpSpPr>
-        <a:xfrm>
-          <a:off x="0" y="0"/>
-          <a:ext cx="0" cy="0"/>
-          <a:chOff x="0" y="0"/>
-          <a:chExt cx="0" cy="0"/>
-        </a:xfrm>
-      </p:grpSpPr>
-      <p:sp>
-        <p:nvSpPr>
-          <p:cNvPr id="6" name="Título 1">
-            <a:extLst>
-              <a:ext uri="{FF2B5EF4-FFF2-40B4-BE49-F238E27FC236}">
-                <a16:creationId xmlns:a16="http://schemas.microsoft.com/office/drawing/2014/main" id="{DB0DE630-7CF7-46C4-8222-947DA412E655}"/>
-              </a:ext>
-            </a:extLst>
-          </p:cNvPr>
-          <p:cNvSpPr txBox="1">
-            <a:spLocks/>
-          </p:cNvSpPr>
-          <p:nvPr/>
-        </p:nvSpPr>
-        <p:spPr>
-          <a:xfrm>
-            <a:off x="609600" y="566875"/>
-            <a:ext cx="10972800" cy="1143000"/>
-          </a:xfrm>
-          <a:prstGeom prst="rect">
-            <a:avLst/>
-          </a:prstGeom>
-        </p:spPr>
-        <p:txBody>
-          <a:bodyPr/>
-          <a:lstStyle>
-            <a:lvl1pPr algn="ctr" rtl="0" eaLnBrk="1" fontAlgn="base" hangingPunct="1">
-              <a:spcBef>
-                <a:spcPct val="0"/>
-              </a:spcBef>
-              <a:spcAft>
-                <a:spcPct val="0"/>
-              </a:spcAft>
-              <a:defRPr sz="4400">
-                <a:solidFill>
-                  <a:schemeClr val="tx2"/>
-                </a:solidFill>
-                <a:latin typeface="+mj-lt"/>
-                <a:ea typeface="+mj-ea"/>
-                <a:cs typeface="+mj-cs"/>
-              </a:defRPr>
-            </a:lvl1pPr>
-            <a:lvl2pPr algn="ctr" rtl="0" eaLnBrk="1" fontAlgn="base" hangingPunct="1">
-              <a:spcBef>
-                <a:spcPct val="0"/>
-              </a:spcBef>
-              <a:spcAft>
-                <a:spcPct val="0"/>
-              </a:spcAft>
-              <a:defRPr sz="4400">
-                <a:solidFill>
-                  <a:schemeClr val="tx2"/>
-                </a:solidFill>
-                <a:latin typeface="Arial" charset="0"/>
-                <a:cs typeface="Arial" charset="0"/>
-              </a:defRPr>
-            </a:lvl2pPr>
-            <a:lvl3pPr algn="ctr" rtl="0" eaLnBrk="1" fontAlgn="base" hangingPunct="1">
-              <a:spcBef>
-                <a:spcPct val="0"/>
-              </a:spcBef>
-              <a:spcAft>
-                <a:spcPct val="0"/>
-              </a:spcAft>
-              <a:defRPr sz="4400">
-                <a:solidFill>
-                  <a:schemeClr val="tx2"/>
-                </a:solidFill>
-                <a:latin typeface="Arial" charset="0"/>
-                <a:cs typeface="Arial" charset="0"/>
-              </a:defRPr>
-            </a:lvl3pPr>
-            <a:lvl4pPr algn="ctr" rtl="0" eaLnBrk="1" fontAlgn="base" hangingPunct="1">
-              <a:spcBef>
-                <a:spcPct val="0"/>
-              </a:spcBef>
-              <a:spcAft>
-                <a:spcPct val="0"/>
-              </a:spcAft>
-              <a:defRPr sz="4400">
-                <a:solidFill>
-                  <a:schemeClr val="tx2"/>
-                </a:solidFill>
-                <a:latin typeface="Arial" charset="0"/>
-                <a:cs typeface="Arial" charset="0"/>
-              </a:defRPr>
-            </a:lvl4pPr>
-            <a:lvl5pPr algn="ctr" rtl="0" eaLnBrk="1" fontAlgn="base" hangingPunct="1">
-              <a:spcBef>
-                <a:spcPct val="0"/>
-              </a:spcBef>
-              <a:spcAft>
-                <a:spcPct val="0"/>
-              </a:spcAft>
-              <a:defRPr sz="4400">
-                <a:solidFill>
-                  <a:schemeClr val="tx2"/>
-                </a:solidFill>
-                <a:latin typeface="Arial" charset="0"/>
-                <a:cs typeface="Arial" charset="0"/>
-              </a:defRPr>
-            </a:lvl5pPr>
-            <a:lvl6pPr marL="457200" algn="ctr" rtl="0" eaLnBrk="1" fontAlgn="base" hangingPunct="1">
-              <a:spcBef>
-                <a:spcPct val="0"/>
-              </a:spcBef>
-              <a:spcAft>
-                <a:spcPct val="0"/>
-              </a:spcAft>
-              <a:defRPr sz="4400">
-                <a:solidFill>
-                  <a:schemeClr val="tx2"/>
-                </a:solidFill>
-                <a:latin typeface="Arial" charset="0"/>
-                <a:cs typeface="Arial" charset="0"/>
-              </a:defRPr>
-            </a:lvl6pPr>
-            <a:lvl7pPr marL="914400" algn="ctr" rtl="0" eaLnBrk="1" fontAlgn="base" hangingPunct="1">
-              <a:spcBef>
-                <a:spcPct val="0"/>
-              </a:spcBef>
-              <a:spcAft>
-                <a:spcPct val="0"/>
-              </a:spcAft>
-              <a:defRPr sz="4400">
-                <a:solidFill>
-                  <a:schemeClr val="tx2"/>
-                </a:solidFill>
-                <a:latin typeface="Arial" charset="0"/>
-                <a:cs typeface="Arial" charset="0"/>
-              </a:defRPr>
-            </a:lvl7pPr>
-            <a:lvl8pPr marL="1371600" algn="ctr" rtl="0" eaLnBrk="1" fontAlgn="base" hangingPunct="1">
-              <a:spcBef>
-                <a:spcPct val="0"/>
-              </a:spcBef>
-              <a:spcAft>
-                <a:spcPct val="0"/>
-              </a:spcAft>
-              <a:defRPr sz="4400">
-                <a:solidFill>
-                  <a:schemeClr val="tx2"/>
-                </a:solidFill>
-                <a:latin typeface="Arial" charset="0"/>
-                <a:cs typeface="Arial" charset="0"/>
-              </a:defRPr>
-            </a:lvl8pPr>
-            <a:lvl9pPr marL="1828800" algn="ctr" rtl="0" eaLnBrk="1" fontAlgn="base" hangingPunct="1">
-              <a:spcBef>
-                <a:spcPct val="0"/>
-              </a:spcBef>
-              <a:spcAft>
-                <a:spcPct val="0"/>
-              </a:spcAft>
-              <a:defRPr sz="4400">
-                <a:solidFill>
-                  <a:schemeClr val="tx2"/>
-                </a:solidFill>
-                <a:latin typeface="Arial" charset="0"/>
-                <a:cs typeface="Arial" charset="0"/>
-              </a:defRPr>
-            </a:lvl9pPr>
-          </a:lstStyle>
-          <a:p>
-            <a:r>
-              <a:rPr lang="es-ES" altLang="es-ES" b="1" kern="0" dirty="0">
-                <a:solidFill>
-                  <a:srgbClr val="006666"/>
-                </a:solidFill>
-                <a:latin typeface="Fontana ND Cc OsF Semibold" pitchFamily="2" charset="0"/>
-              </a:rPr>
-              <a:t>ANÁLISIS DE ERRORES</a:t>
-            </a:r>
-            <a:br>
-              <a:rPr lang="es-ES" altLang="es-ES" kern="0" dirty="0">
-                <a:solidFill>
-                  <a:srgbClr val="006666"/>
-                </a:solidFill>
-                <a:latin typeface="Fontana ND Cc OsF Semibold" pitchFamily="2" charset="0"/>
-              </a:rPr>
-            </a:br>
-            <a:endParaRPr lang="es-ES" kern="0" dirty="0"/>
-          </a:p>
-        </p:txBody>
-      </p:sp>
-      <p:sp>
-        <p:nvSpPr>
-          <p:cNvPr id="7" name="Marcador de contenido 2">
-            <a:extLst>
-              <a:ext uri="{FF2B5EF4-FFF2-40B4-BE49-F238E27FC236}">
-                <a16:creationId xmlns:a16="http://schemas.microsoft.com/office/drawing/2014/main" id="{6C568D8C-E21D-404A-A103-10B5F250152A}"/>
-              </a:ext>
-            </a:extLst>
-          </p:cNvPr>
-          <p:cNvSpPr>
-            <a:spLocks noGrp="1"/>
-          </p:cNvSpPr>
-          <p:nvPr>
-            <p:ph idx="1"/>
-          </p:nvPr>
-        </p:nvSpPr>
-        <p:spPr>
-          <a:xfrm>
-            <a:off x="889634" y="1646623"/>
-            <a:ext cx="10418446" cy="678022"/>
-          </a:xfrm>
-        </p:spPr>
-        <p:txBody>
-          <a:bodyPr/>
-          <a:lstStyle/>
-          <a:p>
-            <a:pPr marL="0" indent="0" algn="just">
-              <a:lnSpc>
-                <a:spcPct val="150000"/>
-              </a:lnSpc>
-              <a:buNone/>
-            </a:pPr>
-            <a:r>
-              <a:rPr lang="es-ES" altLang="es-ES" b="1" i="1" dirty="0">
-                <a:solidFill>
-                  <a:srgbClr val="006666"/>
-                </a:solidFill>
-                <a:latin typeface="Fontana ND Cc OsF Semibold" pitchFamily="2" charset="0"/>
-              </a:rPr>
-              <a:t> </a:t>
-            </a:r>
-            <a:r>
-              <a:rPr lang="es-ES" altLang="es-ES" i="1" dirty="0">
-                <a:solidFill>
-                  <a:srgbClr val="006666"/>
-                </a:solidFill>
-                <a:latin typeface="Fontana ND Cc OsF Semibold" pitchFamily="2" charset="0"/>
-              </a:rPr>
-              <a:t>“@damita2808 @berege7 @</a:t>
-            </a:r>
-            <a:r>
-              <a:rPr lang="es-ES" altLang="es-ES" i="1" dirty="0" err="1">
-                <a:solidFill>
-                  <a:srgbClr val="006666"/>
-                </a:solidFill>
-                <a:latin typeface="Fontana ND Cc OsF Semibold" pitchFamily="2" charset="0"/>
-              </a:rPr>
-              <a:t>Mariagtriana</a:t>
-            </a:r>
-            <a:r>
-              <a:rPr lang="es-ES" altLang="es-ES" i="1" dirty="0">
-                <a:solidFill>
-                  <a:srgbClr val="006666"/>
-                </a:solidFill>
-                <a:latin typeface="Fontana ND Cc OsF Semibold" pitchFamily="2" charset="0"/>
-              </a:rPr>
-              <a:t> Y los ojos? </a:t>
-            </a:r>
-            <a:r>
-              <a:rPr lang="es-ES" altLang="es-ES" i="1" dirty="0" err="1">
-                <a:solidFill>
-                  <a:srgbClr val="006666"/>
-                </a:solidFill>
-                <a:latin typeface="Fontana ND Cc OsF Semibold" pitchFamily="2" charset="0"/>
-              </a:rPr>
-              <a:t>Uff</a:t>
-            </a:r>
-            <a:r>
-              <a:rPr lang="es-ES" altLang="es-ES" i="1" dirty="0">
-                <a:solidFill>
-                  <a:srgbClr val="006666"/>
-                </a:solidFill>
-                <a:latin typeface="Fontana ND Cc OsF Semibold" pitchFamily="2" charset="0"/>
-              </a:rPr>
-              <a:t> demasiado dureza en la mirada para ser chica...no?”</a:t>
-            </a:r>
-            <a:endParaRPr lang="es-ES" sz="4000" i="1" dirty="0"/>
-          </a:p>
-        </p:txBody>
-      </p:sp>
-      <p:pic>
-        <p:nvPicPr>
-          <p:cNvPr id="4" name="Imagen 3">
-            <a:extLst>
-              <a:ext uri="{FF2B5EF4-FFF2-40B4-BE49-F238E27FC236}">
-                <a16:creationId xmlns:a16="http://schemas.microsoft.com/office/drawing/2014/main" id="{0005D33A-89EC-4725-A83F-592FDFD76C57}"/>
-              </a:ext>
-            </a:extLst>
-          </p:cNvPr>
-          <p:cNvPicPr>
-            <a:picLocks noChangeAspect="1"/>
-          </p:cNvPicPr>
-          <p:nvPr/>
-        </p:nvPicPr>
-        <p:blipFill>
-          <a:blip r:embed="rId3">
-            <a:extLst>
-              <a:ext uri="{28A0092B-C50C-407E-A947-70E740481C1C}">
-                <a14:useLocalDpi xmlns:a14="http://schemas.microsoft.com/office/drawing/2010/main" val="0"/>
-              </a:ext>
-            </a:extLst>
-          </a:blip>
-          <a:stretch>
-            <a:fillRect/>
-          </a:stretch>
-        </p:blipFill>
-        <p:spPr>
-          <a:xfrm>
-            <a:off x="609600" y="4143687"/>
-            <a:ext cx="11302366" cy="1281240"/>
-          </a:xfrm>
-          <a:prstGeom prst="rect">
-            <a:avLst/>
-          </a:prstGeom>
-        </p:spPr>
-      </p:pic>
-    </p:spTree>
-    <p:extLst>
-      <p:ext uri="{BB962C8B-B14F-4D97-AF65-F5344CB8AC3E}">
-        <p14:creationId xmlns:p14="http://schemas.microsoft.com/office/powerpoint/2010/main" val="4064020244"/>
       </p:ext>
     </p:extLst>
   </p:cSld>
@@ -29023,7 +28675,7 @@
                 </a:solidFill>
                 <a:latin typeface="Fontana ND Cc OsF Semibold" pitchFamily="2" charset="0"/>
               </a:rPr>
-              <a:t>Se han estudiado diversas referencias para recopilar las expresiones más comunes</a:t>
+              <a:t>Se han estudiado diversas referencias para recopilar las expresiones machistas más comunes</a:t>
             </a:r>
           </a:p>
           <a:p>
@@ -29606,7 +29258,7 @@
                 </a:solidFill>
                 <a:latin typeface="Fontana ND Cc OsF Semibold" pitchFamily="2" charset="0"/>
               </a:rPr>
-              <a:t>Expresiones o términos que minusvaloran el papel de las mujeres en la sociedad, incentivan el abuso o acoso hacia ellas o no les permiten expresarse libremente</a:t>
+              <a:t>Expresiones o términos que minusvaloran el papel de las mujeres en la sociedad, incentivan el acoso hacia ellas o no les permiten expresarse libremente</a:t>
             </a:r>
             <a:endParaRPr lang="es-ES" altLang="es-ES" sz="3400" kern="0" dirty="0">
               <a:solidFill>
@@ -30286,7 +29938,7 @@
             </a:r>
           </a:p>
           <a:p>
-            <a:pPr marL="457200" indent="-457200">
+            <a:pPr marL="342900" indent="-342900">
               <a:buFont typeface="Wingdings" panose="05000000000000000000" pitchFamily="2" charset="2"/>
               <a:buChar char="§"/>
             </a:pPr>

--- a/TFM_Francisco_Rodriguez.pptx
+++ b/TFM_Francisco_Rodriguez.pptx
@@ -28,7 +28,7 @@
     <p:sldId id="288" r:id="rId16"/>
     <p:sldId id="272" r:id="rId17"/>
     <p:sldId id="313" r:id="rId18"/>
-    <p:sldId id="293" r:id="rId19"/>
+    <p:sldId id="315" r:id="rId19"/>
     <p:sldId id="297" r:id="rId20"/>
     <p:sldId id="300" r:id="rId21"/>
     <p:sldId id="273" r:id="rId22"/>
@@ -286,7 +286,7 @@
           <a:p>
             <a:fld id="{E01746FB-99A3-4E74-B466-02D768A2850C}" type="datetimeFigureOut">
               <a:rPr lang="es-ES" smtClean="0"/>
-              <a:t>30/06/2019</a:t>
+              <a:t>01/07/2019</a:t>
             </a:fld>
             <a:endParaRPr lang="es-ES"/>
           </a:p>
@@ -463,7 +463,7 @@
           <a:p>
             <a:fld id="{EA6B01D0-CF01-4366-A8E3-2BEB399DF92F}" type="datetimeFigureOut">
               <a:rPr lang="es-ES" smtClean="0"/>
-              <a:t>30/06/2019</a:t>
+              <a:t>01/07/2019</a:t>
             </a:fld>
             <a:endParaRPr lang="es-ES"/>
           </a:p>
@@ -858,6 +858,74 @@
           <a:bodyPr/>
           <a:lstStyle/>
           <a:p>
+            <a:r>
+              <a:rPr lang="es-ES" sz="1200" b="0" i="0" kern="1200" dirty="0">
+                <a:solidFill>
+                  <a:schemeClr val="tx1"/>
+                </a:solidFill>
+                <a:effectLst/>
+                <a:latin typeface="+mn-lt"/>
+                <a:ea typeface="+mn-ea"/>
+                <a:cs typeface="+mn-cs"/>
+              </a:rPr>
+              <a:t>Con la etiqueta </a:t>
+            </a:r>
+            <a:r>
+              <a:rPr lang="es-ES" sz="1200" b="0" i="0" u="none" strike="noStrike" kern="1200" dirty="0">
+                <a:solidFill>
+                  <a:schemeClr val="tx1"/>
+                </a:solidFill>
+                <a:effectLst/>
+                <a:latin typeface="+mn-lt"/>
+                <a:ea typeface="+mn-ea"/>
+                <a:cs typeface="+mn-cs"/>
+                <a:hlinkClick r:id="rId3"/>
+              </a:rPr>
+              <a:t>#</a:t>
+            </a:r>
+            <a:r>
+              <a:rPr lang="es-ES" sz="1200" b="0" i="0" u="none" strike="noStrike" kern="1200" dirty="0" err="1">
+                <a:solidFill>
+                  <a:schemeClr val="tx1"/>
+                </a:solidFill>
+                <a:effectLst/>
+                <a:latin typeface="+mn-lt"/>
+                <a:ea typeface="+mn-ea"/>
+                <a:cs typeface="+mn-cs"/>
+                <a:hlinkClick r:id="rId3"/>
+              </a:rPr>
+              <a:t>MeQueer</a:t>
+            </a:r>
+            <a:r>
+              <a:rPr lang="es-ES" sz="1200" b="0" i="0" kern="1200" dirty="0">
+                <a:solidFill>
+                  <a:schemeClr val="tx1"/>
+                </a:solidFill>
+                <a:effectLst/>
+                <a:latin typeface="+mn-lt"/>
+                <a:ea typeface="+mn-ea"/>
+                <a:cs typeface="+mn-cs"/>
+              </a:rPr>
+              <a:t>, miles de personas LGTBI+ están contando en Twitter sus historias de discriminación y acoso. Estos son algunos ejemplos. (</a:t>
+            </a:r>
+            <a:r>
+              <a:rPr lang="es-ES" dirty="0">
+                <a:hlinkClick r:id="rId4"/>
+              </a:rPr>
+              <a:t>https://verne.elpais.com/verne/2018/08/25/articulo/1535189240_304724.html</a:t>
+            </a:r>
+            <a:r>
+              <a:rPr lang="es-ES" sz="1200" b="0" i="0" kern="1200" dirty="0">
+                <a:solidFill>
+                  <a:schemeClr val="tx1"/>
+                </a:solidFill>
+                <a:effectLst/>
+                <a:latin typeface="+mn-lt"/>
+                <a:ea typeface="+mn-ea"/>
+                <a:cs typeface="+mn-cs"/>
+              </a:rPr>
+              <a:t>)</a:t>
+            </a:r>
             <a:endParaRPr lang="es-ES" dirty="0"/>
           </a:p>
         </p:txBody>
@@ -879,6 +947,90 @@
           <a:p>
             <a:fld id="{9CC4F916-C55E-435E-91D7-7447FBD0CD84}" type="slidenum">
               <a:rPr lang="es-ES" smtClean="0"/>
+              <a:t>31</a:t>
+            </a:fld>
+            <a:endParaRPr lang="es-ES"/>
+          </a:p>
+        </p:txBody>
+      </p:sp>
+    </p:spTree>
+    <p:extLst>
+      <p:ext uri="{BB962C8B-B14F-4D97-AF65-F5344CB8AC3E}">
+        <p14:creationId xmlns:p14="http://schemas.microsoft.com/office/powerpoint/2010/main" val="2514568340"/>
+      </p:ext>
+    </p:extLst>
+  </p:cSld>
+  <p:clrMapOvr>
+    <a:masterClrMapping/>
+  </p:clrMapOvr>
+</p:notes>
+</file>
+
+<file path=ppt/notesSlides/notesSlide11.xml><?xml version="1.0" encoding="utf-8"?>
+<p:notes xmlns:a="http://schemas.openxmlformats.org/drawingml/2006/main" xmlns:r="http://schemas.openxmlformats.org/officeDocument/2006/relationships" xmlns:p="http://schemas.openxmlformats.org/presentationml/2006/main">
+  <p:cSld>
+    <p:spTree>
+      <p:nvGrpSpPr>
+        <p:cNvPr id="1" name=""/>
+        <p:cNvGrpSpPr/>
+        <p:nvPr/>
+      </p:nvGrpSpPr>
+      <p:grpSpPr>
+        <a:xfrm>
+          <a:off x="0" y="0"/>
+          <a:ext cx="0" cy="0"/>
+          <a:chOff x="0" y="0"/>
+          <a:chExt cx="0" cy="0"/>
+        </a:xfrm>
+      </p:grpSpPr>
+      <p:sp>
+        <p:nvSpPr>
+          <p:cNvPr id="2" name="Marcador de imagen de diapositiva 1"/>
+          <p:cNvSpPr>
+            <a:spLocks noGrp="1" noRot="1" noChangeAspect="1"/>
+          </p:cNvSpPr>
+          <p:nvPr>
+            <p:ph type="sldImg"/>
+          </p:nvPr>
+        </p:nvSpPr>
+        <p:spPr/>
+      </p:sp>
+      <p:sp>
+        <p:nvSpPr>
+          <p:cNvPr id="3" name="Marcador de notas 2"/>
+          <p:cNvSpPr>
+            <a:spLocks noGrp="1"/>
+          </p:cNvSpPr>
+          <p:nvPr>
+            <p:ph type="body" idx="1"/>
+          </p:nvPr>
+        </p:nvSpPr>
+        <p:spPr/>
+        <p:txBody>
+          <a:bodyPr/>
+          <a:lstStyle/>
+          <a:p>
+            <a:endParaRPr lang="es-ES" dirty="0"/>
+          </a:p>
+        </p:txBody>
+      </p:sp>
+      <p:sp>
+        <p:nvSpPr>
+          <p:cNvPr id="4" name="Marcador de número de diapositiva 3"/>
+          <p:cNvSpPr>
+            <a:spLocks noGrp="1"/>
+          </p:cNvSpPr>
+          <p:nvPr>
+            <p:ph type="sldNum" sz="quarter" idx="5"/>
+          </p:nvPr>
+        </p:nvSpPr>
+        <p:spPr/>
+        <p:txBody>
+          <a:bodyPr/>
+          <a:lstStyle/>
+          <a:p>
+            <a:fld id="{9CC4F916-C55E-435E-91D7-7447FBD0CD84}" type="slidenum">
+              <a:rPr lang="es-ES" smtClean="0"/>
               <a:t>40</a:t>
             </a:fld>
             <a:endParaRPr lang="es-ES"/>
@@ -898,7 +1050,7 @@
 </p:notes>
 </file>
 
-<file path=ppt/notesSlides/notesSlide11.xml><?xml version="1.0" encoding="utf-8"?>
+<file path=ppt/notesSlides/notesSlide12.xml><?xml version="1.0" encoding="utf-8"?>
 <p:notes xmlns:a="http://schemas.openxmlformats.org/drawingml/2006/main" xmlns:r="http://schemas.openxmlformats.org/officeDocument/2006/relationships" xmlns:p="http://schemas.openxmlformats.org/presentationml/2006/main">
   <p:cSld>
     <p:spTree>
@@ -1454,7 +1606,7 @@
           <a:p>
             <a:fld id="{9CC4F916-C55E-435E-91D7-7447FBD0CD84}" type="slidenum">
               <a:rPr lang="es-ES" smtClean="0"/>
-              <a:t>18</a:t>
+              <a:t>17</a:t>
             </a:fld>
             <a:endParaRPr lang="es-ES"/>
           </a:p>
@@ -1463,7 +1615,7 @@
     </p:spTree>
     <p:extLst>
       <p:ext uri="{BB962C8B-B14F-4D97-AF65-F5344CB8AC3E}">
-        <p14:creationId xmlns:p14="http://schemas.microsoft.com/office/powerpoint/2010/main" val="3812800426"/>
+        <p14:creationId xmlns:p14="http://schemas.microsoft.com/office/powerpoint/2010/main" val="3838688689"/>
       </p:ext>
     </p:extLst>
   </p:cSld>
@@ -1517,80 +1669,6 @@
           <a:bodyPr/>
           <a:lstStyle/>
           <a:p>
-            <a:r>
-              <a:rPr lang="es-ES" dirty="0"/>
-              <a:t>'</a:t>
-            </a:r>
-            <a:r>
-              <a:rPr lang="es-ES" dirty="0" err="1"/>
-              <a:t>source</a:t>
-            </a:r>
-            <a:r>
-              <a:rPr lang="es-ES" dirty="0"/>
-              <a:t>', 'respuesta', '</a:t>
-            </a:r>
-            <a:r>
-              <a:rPr lang="es-ES" dirty="0" err="1"/>
-              <a:t>respuesta_screen_name</a:t>
-            </a:r>
-            <a:r>
-              <a:rPr lang="es-ES" dirty="0"/>
-              <a:t>',</a:t>
-            </a:r>
-          </a:p>
-          <a:p>
-            <a:r>
-              <a:rPr lang="es-ES" dirty="0"/>
-              <a:t>          '</a:t>
-            </a:r>
-            <a:r>
-              <a:rPr lang="es-ES" dirty="0" err="1"/>
-              <a:t>hastag_presence</a:t>
-            </a:r>
-            <a:r>
-              <a:rPr lang="es-ES" dirty="0"/>
-              <a:t>', '</a:t>
-            </a:r>
-            <a:r>
-              <a:rPr lang="es-ES" dirty="0" err="1"/>
-              <a:t>url_presence</a:t>
-            </a:r>
-            <a:r>
-              <a:rPr lang="es-ES" dirty="0"/>
-              <a:t>',</a:t>
-            </a:r>
-          </a:p>
-          <a:p>
-            <a:r>
-              <a:rPr lang="es-ES" dirty="0"/>
-              <a:t>          '</a:t>
-            </a:r>
-            <a:r>
-              <a:rPr lang="es-ES" dirty="0" err="1"/>
-              <a:t>media_type</a:t>
-            </a:r>
-            <a:r>
-              <a:rPr lang="es-ES" dirty="0"/>
-              <a:t>', '</a:t>
-            </a:r>
-            <a:r>
-              <a:rPr lang="es-ES" dirty="0" err="1"/>
-              <a:t>mentions_presence</a:t>
-            </a:r>
-            <a:r>
-              <a:rPr lang="es-ES" dirty="0"/>
-              <a:t>', '</a:t>
-            </a:r>
-            <a:r>
-              <a:rPr lang="es-ES" dirty="0" err="1"/>
-              <a:t>verified</a:t>
-            </a:r>
-            <a:r>
-              <a:rPr lang="es-ES" dirty="0"/>
-              <a:t>'</a:t>
-            </a:r>
-          </a:p>
-          <a:p>
             <a:endParaRPr lang="es-ES" dirty="0"/>
           </a:p>
         </p:txBody>
@@ -1612,7 +1690,7 @@
           <a:p>
             <a:fld id="{9CC4F916-C55E-435E-91D7-7447FBD0CD84}" type="slidenum">
               <a:rPr lang="es-ES" smtClean="0"/>
-              <a:t>19</a:t>
+              <a:t>18</a:t>
             </a:fld>
             <a:endParaRPr lang="es-ES"/>
           </a:p>
@@ -1621,7 +1699,7 @@
     </p:spTree>
     <p:extLst>
       <p:ext uri="{BB962C8B-B14F-4D97-AF65-F5344CB8AC3E}">
-        <p14:creationId xmlns:p14="http://schemas.microsoft.com/office/powerpoint/2010/main" val="4076938257"/>
+        <p14:creationId xmlns:p14="http://schemas.microsoft.com/office/powerpoint/2010/main" val="3812800426"/>
       </p:ext>
     </p:extLst>
   </p:cSld>
@@ -1770,7 +1848,7 @@
           <a:p>
             <a:fld id="{9CC4F916-C55E-435E-91D7-7447FBD0CD84}" type="slidenum">
               <a:rPr lang="es-ES" smtClean="0"/>
-              <a:t>20</a:t>
+              <a:t>19</a:t>
             </a:fld>
             <a:endParaRPr lang="es-ES"/>
           </a:p>
@@ -1779,7 +1857,7 @@
     </p:spTree>
     <p:extLst>
       <p:ext uri="{BB962C8B-B14F-4D97-AF65-F5344CB8AC3E}">
-        <p14:creationId xmlns:p14="http://schemas.microsoft.com/office/powerpoint/2010/main" val="2343410668"/>
+        <p14:creationId xmlns:p14="http://schemas.microsoft.com/office/powerpoint/2010/main" val="4076938257"/>
       </p:ext>
     </p:extLst>
   </p:cSld>
@@ -1834,73 +1912,79 @@
           <a:lstStyle/>
           <a:p>
             <a:r>
-              <a:rPr lang="es-ES" sz="1200" b="0" i="0" kern="1200" dirty="0">
-                <a:solidFill>
-                  <a:schemeClr val="tx1"/>
-                </a:solidFill>
-                <a:effectLst/>
-                <a:latin typeface="+mn-lt"/>
-                <a:ea typeface="+mn-ea"/>
-                <a:cs typeface="+mn-cs"/>
-              </a:rPr>
-              <a:t>Con la etiqueta </a:t>
-            </a:r>
-            <a:r>
-              <a:rPr lang="es-ES" sz="1200" b="0" i="0" u="none" strike="noStrike" kern="1200" dirty="0">
-                <a:solidFill>
-                  <a:schemeClr val="tx1"/>
-                </a:solidFill>
-                <a:effectLst/>
-                <a:latin typeface="+mn-lt"/>
-                <a:ea typeface="+mn-ea"/>
-                <a:cs typeface="+mn-cs"/>
-                <a:hlinkClick r:id="rId3"/>
-              </a:rPr>
-              <a:t>#</a:t>
-            </a:r>
-            <a:r>
-              <a:rPr lang="es-ES" sz="1200" b="0" i="0" u="none" strike="noStrike" kern="1200" dirty="0" err="1">
-                <a:solidFill>
-                  <a:schemeClr val="tx1"/>
-                </a:solidFill>
-                <a:effectLst/>
-                <a:latin typeface="+mn-lt"/>
-                <a:ea typeface="+mn-ea"/>
-                <a:cs typeface="+mn-cs"/>
-                <a:hlinkClick r:id="rId3"/>
-              </a:rPr>
-              <a:t>MeQueer</a:t>
-            </a:r>
-            <a:r>
-              <a:rPr lang="es-ES" sz="1200" b="0" i="0" kern="1200" dirty="0">
-                <a:solidFill>
-                  <a:schemeClr val="tx1"/>
-                </a:solidFill>
-                <a:effectLst/>
-                <a:latin typeface="+mn-lt"/>
-                <a:ea typeface="+mn-ea"/>
-                <a:cs typeface="+mn-cs"/>
-              </a:rPr>
-              <a:t>, miles de personas LGTBI+ están contando en Twitter sus historias de discriminación y acoso. Estos son algunos ejemplos. (</a:t>
-            </a:r>
-            <a:r>
-              <a:rPr lang="es-ES" dirty="0">
-                <a:hlinkClick r:id="rId4"/>
-              </a:rPr>
-              <a:t>https://verne.elpais.com/verne/2018/08/25/articulo/1535189240_304724.html</a:t>
-            </a:r>
-            <a:r>
-              <a:rPr lang="es-ES" sz="1200" b="0" i="0" kern="1200" dirty="0">
-                <a:solidFill>
-                  <a:schemeClr val="tx1"/>
-                </a:solidFill>
-                <a:effectLst/>
-                <a:latin typeface="+mn-lt"/>
-                <a:ea typeface="+mn-ea"/>
-                <a:cs typeface="+mn-cs"/>
-              </a:rPr>
-              <a:t>)</a:t>
-            </a:r>
+              <a:rPr lang="es-ES" dirty="0"/>
+              <a:t>'</a:t>
+            </a:r>
+            <a:r>
+              <a:rPr lang="es-ES" dirty="0" err="1"/>
+              <a:t>source</a:t>
+            </a:r>
+            <a:r>
+              <a:rPr lang="es-ES" dirty="0"/>
+              <a:t>', 'respuesta', '</a:t>
+            </a:r>
+            <a:r>
+              <a:rPr lang="es-ES" dirty="0" err="1"/>
+              <a:t>respuesta_screen_name</a:t>
+            </a:r>
+            <a:r>
+              <a:rPr lang="es-ES" dirty="0"/>
+              <a:t>',</a:t>
+            </a:r>
+          </a:p>
+          <a:p>
+            <a:r>
+              <a:rPr lang="es-ES" dirty="0"/>
+              <a:t>          '</a:t>
+            </a:r>
+            <a:r>
+              <a:rPr lang="es-ES" dirty="0" err="1"/>
+              <a:t>hastag_presence</a:t>
+            </a:r>
+            <a:r>
+              <a:rPr lang="es-ES" dirty="0"/>
+              <a:t>', '</a:t>
+            </a:r>
+            <a:r>
+              <a:rPr lang="es-ES" dirty="0" err="1"/>
+              <a:t>url_presence</a:t>
+            </a:r>
+            <a:r>
+              <a:rPr lang="es-ES" dirty="0"/>
+              <a:t>',</a:t>
+            </a:r>
+          </a:p>
+          <a:p>
+            <a:r>
+              <a:rPr lang="es-ES" dirty="0"/>
+              <a:t>          '</a:t>
+            </a:r>
+            <a:r>
+              <a:rPr lang="es-ES" dirty="0" err="1"/>
+              <a:t>media_type</a:t>
+            </a:r>
+            <a:r>
+              <a:rPr lang="es-ES" dirty="0"/>
+              <a:t>', '</a:t>
+            </a:r>
+            <a:r>
+              <a:rPr lang="es-ES" dirty="0" err="1"/>
+              <a:t>mentions_presence</a:t>
+            </a:r>
+            <a:r>
+              <a:rPr lang="es-ES" dirty="0"/>
+              <a:t>', '</a:t>
+            </a:r>
+            <a:r>
+              <a:rPr lang="es-ES" dirty="0" err="1"/>
+              <a:t>verified</a:t>
+            </a:r>
+            <a:r>
+              <a:rPr lang="es-ES" dirty="0"/>
+              <a:t>'</a:t>
+            </a:r>
+          </a:p>
+          <a:p>
             <a:endParaRPr lang="es-ES" dirty="0"/>
           </a:p>
         </p:txBody>
@@ -1922,7 +2006,7 @@
           <a:p>
             <a:fld id="{9CC4F916-C55E-435E-91D7-7447FBD0CD84}" type="slidenum">
               <a:rPr lang="es-ES" smtClean="0"/>
-              <a:t>31</a:t>
+              <a:t>20</a:t>
             </a:fld>
             <a:endParaRPr lang="es-ES"/>
           </a:p>
@@ -1931,7 +2015,7 @@
     </p:spTree>
     <p:extLst>
       <p:ext uri="{BB962C8B-B14F-4D97-AF65-F5344CB8AC3E}">
-        <p14:creationId xmlns:p14="http://schemas.microsoft.com/office/powerpoint/2010/main" val="2514568340"/>
+        <p14:creationId xmlns:p14="http://schemas.microsoft.com/office/powerpoint/2010/main" val="2343410668"/>
       </p:ext>
     </p:extLst>
   </p:cSld>
@@ -4655,8 +4739,33 @@
                 </a:solidFill>
                 <a:latin typeface="Fontana ND Cc OsF Semibold" pitchFamily="2" charset="0"/>
               </a:rPr>
-              <a:t>Desarrollo de un Sistema para la Detección del Machismo en Redes Sociales</a:t>
-            </a:r>
+              <a:t>Desarrollo de un Sistema para la Detección del </a:t>
+            </a:r>
+            <a:br>
+              <a:rPr lang="es-ES" sz="4000" b="1" dirty="0">
+                <a:solidFill>
+                  <a:srgbClr val="006666"/>
+                </a:solidFill>
+                <a:latin typeface="Fontana ND Cc OsF Semibold" pitchFamily="2" charset="0"/>
+              </a:rPr>
+            </a:br>
+            <a:r>
+              <a:rPr lang="es-ES" sz="4000" b="1" dirty="0">
+                <a:solidFill>
+                  <a:srgbClr val="006666"/>
+                </a:solidFill>
+                <a:latin typeface="Fontana ND Cc OsF Semibold" pitchFamily="2" charset="0"/>
+              </a:rPr>
+              <a:t>Machismo en Redes Sociales</a:t>
+            </a:r>
+            <a:br>
+              <a:rPr lang="es-ES" sz="4000" b="1" dirty="0">
+                <a:solidFill>
+                  <a:srgbClr val="006666"/>
+                </a:solidFill>
+                <a:latin typeface="Fontana ND Cc OsF Semibold" pitchFamily="2" charset="0"/>
+              </a:rPr>
+            </a:br>
             <a:endParaRPr lang="es-ES" sz="4000" dirty="0"/>
           </a:p>
         </p:txBody>
@@ -4987,14 +5096,11 @@
           <a:lstStyle/>
           <a:p>
             <a:pPr algn="just">
-              <a:lnSpc>
-                <a:spcPct val="200000"/>
-              </a:lnSpc>
               <a:buFont typeface="Wingdings" panose="05000000000000000000" pitchFamily="2" charset="2"/>
               <a:buChar char="§"/>
             </a:pPr>
             <a:r>
-              <a:rPr lang="es-ES" altLang="es-ES" sz="2600" dirty="0">
+              <a:rPr lang="es-ES" altLang="es-ES" sz="3600" dirty="0">
                 <a:solidFill>
                   <a:srgbClr val="006666"/>
                 </a:solidFill>
@@ -5003,7 +5109,7 @@
               <a:t>Para cada término se seleccionan </a:t>
             </a:r>
             <a:r>
-              <a:rPr lang="es-ES" altLang="es-ES" sz="2600" b="1" dirty="0">
+              <a:rPr lang="es-ES" altLang="es-ES" sz="3600" b="1" dirty="0">
                 <a:solidFill>
                   <a:srgbClr val="009999"/>
                 </a:solidFill>
@@ -5012,7 +5118,7 @@
               <a:t>150 tweets aleatoriamente</a:t>
             </a:r>
             <a:r>
-              <a:rPr lang="es-ES" altLang="es-ES" sz="2600" dirty="0">
+              <a:rPr lang="es-ES" altLang="es-ES" sz="3600" dirty="0">
                 <a:solidFill>
                   <a:srgbClr val="006666"/>
                 </a:solidFill>
@@ -5023,14 +5129,11 @@
           </a:p>
           <a:p>
             <a:pPr algn="just">
-              <a:lnSpc>
-                <a:spcPct val="200000"/>
-              </a:lnSpc>
               <a:buFont typeface="Wingdings" panose="05000000000000000000" pitchFamily="2" charset="2"/>
               <a:buChar char="§"/>
             </a:pPr>
             <a:r>
-              <a:rPr lang="es-ES" altLang="es-ES" sz="2600" dirty="0">
+              <a:rPr lang="es-ES" altLang="es-ES" sz="3600" dirty="0">
                 <a:solidFill>
                   <a:srgbClr val="006666"/>
                 </a:solidFill>
@@ -5039,7 +5142,7 @@
               <a:t>Se conforma un corpus final de </a:t>
             </a:r>
             <a:r>
-              <a:rPr lang="es-ES" altLang="es-ES" sz="2600" b="1" dirty="0">
+              <a:rPr lang="es-ES" altLang="es-ES" sz="3600" b="1" dirty="0">
                 <a:solidFill>
                   <a:srgbClr val="009999"/>
                 </a:solidFill>
@@ -5048,7 +5151,7 @@
               <a:t>3.600 tweets</a:t>
             </a:r>
             <a:r>
-              <a:rPr lang="es-ES" altLang="es-ES" sz="2600" dirty="0">
+              <a:rPr lang="es-ES" altLang="es-ES" sz="3600" dirty="0">
                 <a:solidFill>
                   <a:srgbClr val="006666"/>
                 </a:solidFill>
@@ -11782,9 +11885,6 @@
           <a:lstStyle/>
           <a:p>
             <a:pPr algn="just">
-              <a:lnSpc>
-                <a:spcPct val="150000"/>
-              </a:lnSpc>
               <a:spcBef>
                 <a:spcPts val="800"/>
               </a:spcBef>
@@ -11792,7 +11892,7 @@
               <a:buChar char="§"/>
             </a:pPr>
             <a:r>
-              <a:rPr lang="es-ES" altLang="es-ES" sz="2500" b="1" dirty="0">
+              <a:rPr lang="es-ES" altLang="es-ES" sz="2800" b="1" dirty="0">
                 <a:solidFill>
                   <a:srgbClr val="006666"/>
                 </a:solidFill>
@@ -11801,7 +11901,7 @@
               <a:t>Experimento 1:</a:t>
             </a:r>
             <a:r>
-              <a:rPr lang="es-ES" altLang="es-ES" sz="2500" dirty="0">
+              <a:rPr lang="es-ES" altLang="es-ES" sz="2800" dirty="0">
                 <a:solidFill>
                   <a:srgbClr val="006666"/>
                 </a:solidFill>
@@ -11810,7 +11910,7 @@
               <a:t> Búsqueda de </a:t>
             </a:r>
             <a:r>
-              <a:rPr lang="es-ES" altLang="es-ES" sz="2500" dirty="0" err="1">
+              <a:rPr lang="es-ES" altLang="es-ES" sz="2800" dirty="0" err="1">
                 <a:solidFill>
                   <a:srgbClr val="006666"/>
                 </a:solidFill>
@@ -11819,7 +11919,7 @@
               <a:t>hiperparámetros</a:t>
             </a:r>
             <a:r>
-              <a:rPr lang="es-ES" altLang="es-ES" sz="2500" dirty="0">
+              <a:rPr lang="es-ES" altLang="es-ES" sz="2800" dirty="0">
                 <a:solidFill>
                   <a:srgbClr val="006666"/>
                 </a:solidFill>
@@ -11830,15 +11930,12 @@
           </a:p>
           <a:p>
             <a:pPr marL="0" indent="0" algn="just">
-              <a:lnSpc>
-                <a:spcPct val="150000"/>
-              </a:lnSpc>
               <a:spcBef>
                 <a:spcPts val="800"/>
               </a:spcBef>
               <a:buNone/>
             </a:pPr>
-            <a:endParaRPr lang="es-ES" altLang="es-ES" sz="100" dirty="0">
+            <a:endParaRPr lang="es-ES" altLang="es-ES" sz="200" dirty="0">
               <a:solidFill>
                 <a:srgbClr val="006666"/>
               </a:solidFill>
@@ -11847,9 +11944,6 @@
           </a:p>
           <a:p>
             <a:pPr algn="just">
-              <a:lnSpc>
-                <a:spcPct val="150000"/>
-              </a:lnSpc>
               <a:spcBef>
                 <a:spcPts val="800"/>
               </a:spcBef>
@@ -11857,7 +11951,7 @@
               <a:buChar char="§"/>
             </a:pPr>
             <a:r>
-              <a:rPr lang="es-ES" altLang="es-ES" sz="2500" b="1" dirty="0">
+              <a:rPr lang="es-ES" altLang="es-ES" sz="2800" b="1" dirty="0">
                 <a:solidFill>
                   <a:srgbClr val="006666"/>
                 </a:solidFill>
@@ -11866,7 +11960,7 @@
               <a:t>Experimento 2:</a:t>
             </a:r>
             <a:r>
-              <a:rPr lang="es-ES" altLang="es-ES" sz="2500" dirty="0">
+              <a:rPr lang="es-ES" altLang="es-ES" sz="2800" dirty="0">
                 <a:solidFill>
                   <a:srgbClr val="006666"/>
                 </a:solidFill>
@@ -11877,15 +11971,12 @@
           </a:p>
           <a:p>
             <a:pPr marL="0" indent="0" algn="just">
-              <a:lnSpc>
-                <a:spcPct val="150000"/>
-              </a:lnSpc>
               <a:spcBef>
                 <a:spcPts val="800"/>
               </a:spcBef>
               <a:buNone/>
             </a:pPr>
-            <a:endParaRPr lang="es-ES" altLang="es-ES" sz="100" dirty="0">
+            <a:endParaRPr lang="es-ES" altLang="es-ES" sz="200" dirty="0">
               <a:solidFill>
                 <a:srgbClr val="006666"/>
               </a:solidFill>
@@ -11894,9 +11985,6 @@
           </a:p>
           <a:p>
             <a:pPr algn="just">
-              <a:lnSpc>
-                <a:spcPct val="150000"/>
-              </a:lnSpc>
               <a:spcBef>
                 <a:spcPts val="800"/>
               </a:spcBef>
@@ -11904,7 +11992,7 @@
               <a:buChar char="§"/>
             </a:pPr>
             <a:r>
-              <a:rPr lang="es-ES" altLang="es-ES" sz="2500" b="1" dirty="0">
+              <a:rPr lang="es-ES" altLang="es-ES" sz="2800" b="1" dirty="0">
                 <a:solidFill>
                   <a:srgbClr val="006666"/>
                 </a:solidFill>
@@ -11913,7 +12001,7 @@
               <a:t>Desbalanceo de la clase: </a:t>
             </a:r>
             <a:r>
-              <a:rPr lang="es-ES" altLang="es-ES" sz="2500" dirty="0">
+              <a:rPr lang="es-ES" altLang="es-ES" sz="2800" dirty="0">
                 <a:solidFill>
                   <a:srgbClr val="006666"/>
                 </a:solidFill>
@@ -12127,7 +12215,7 @@
           <p:nvPr/>
         </p:nvPicPr>
         <p:blipFill rotWithShape="1">
-          <a:blip r:embed="rId2"/>
+          <a:blip r:embed="rId3"/>
           <a:srcRect t="1086" r="2294" b="-1086"/>
           <a:stretch/>
         </p:blipFill>
@@ -12157,6 +12245,14 @@
 <file path=ppt/slides/slide18.xml><?xml version="1.0" encoding="utf-8"?>
 <p:sld xmlns:a="http://schemas.openxmlformats.org/drawingml/2006/main" xmlns:r="http://schemas.openxmlformats.org/officeDocument/2006/relationships" xmlns:p="http://schemas.openxmlformats.org/presentationml/2006/main">
   <p:cSld>
+    <p:bg>
+      <p:bgPr>
+        <a:solidFill>
+          <a:schemeClr val="bg1"/>
+        </a:solidFill>
+        <a:effectLst/>
+      </p:bgPr>
+    </p:bg>
     <p:spTree>
       <p:nvGrpSpPr>
         <p:cNvPr id="1" name=""/>
@@ -12610,7 +12706,7 @@
           <p:nvPr>
             <p:extLst>
               <p:ext uri="{D42A27DB-BD31-4B8C-83A1-F6EECF244321}">
-                <p14:modId xmlns:p14="http://schemas.microsoft.com/office/powerpoint/2010/main" val="3212853962"/>
+                <p14:modId xmlns:p14="http://schemas.microsoft.com/office/powerpoint/2010/main" val="2213393806"/>
               </p:ext>
             </p:extLst>
           </p:nvPr>
@@ -12714,7 +12810,9 @@
                   </a:txBody>
                   <a:tcPr>
                     <a:solidFill>
-                      <a:schemeClr val="accent5"/>
+                      <a:schemeClr val="accent5">
+                        <a:lumMod val="90000"/>
+                      </a:schemeClr>
                     </a:solidFill>
                   </a:tcPr>
                 </a:tc>
@@ -12739,7 +12837,9 @@
                   </a:txBody>
                   <a:tcPr>
                     <a:solidFill>
-                      <a:schemeClr val="accent5"/>
+                      <a:schemeClr val="accent5">
+                        <a:lumMod val="90000"/>
+                      </a:schemeClr>
                     </a:solidFill>
                   </a:tcPr>
                 </a:tc>
@@ -12772,7 +12872,9 @@
                   </a:txBody>
                   <a:tcPr>
                     <a:solidFill>
-                      <a:schemeClr val="accent5"/>
+                      <a:schemeClr val="accent5">
+                        <a:lumMod val="90000"/>
+                      </a:schemeClr>
                     </a:solidFill>
                   </a:tcPr>
                 </a:tc>
@@ -12805,7 +12907,9 @@
                   </a:txBody>
                   <a:tcPr>
                     <a:solidFill>
-                      <a:schemeClr val="accent5"/>
+                      <a:schemeClr val="accent5">
+                        <a:lumMod val="90000"/>
+                      </a:schemeClr>
                     </a:solidFill>
                   </a:tcPr>
                 </a:tc>
@@ -12868,7 +12972,13 @@
                       </a:r>
                     </a:p>
                   </a:txBody>
-                  <a:tcPr/>
+                  <a:tcPr>
+                    <a:solidFill>
+                      <a:schemeClr val="accent5">
+                        <a:lumMod val="90000"/>
+                      </a:schemeClr>
+                    </a:solidFill>
+                  </a:tcPr>
                 </a:tc>
                 <a:tc>
                   <a:txBody>
@@ -13020,7 +13130,13 @@
                       </a:endParaRPr>
                     </a:p>
                   </a:txBody>
-                  <a:tcPr/>
+                  <a:tcPr>
+                    <a:solidFill>
+                      <a:schemeClr val="accent5">
+                        <a:lumMod val="90000"/>
+                      </a:schemeClr>
+                    </a:solidFill>
+                  </a:tcPr>
                 </a:tc>
                 <a:tc>
                   <a:txBody>
@@ -13212,7 +13328,13 @@
                       </a:r>
                     </a:p>
                   </a:txBody>
-                  <a:tcPr/>
+                  <a:tcPr>
+                    <a:solidFill>
+                      <a:schemeClr val="accent5">
+                        <a:lumMod val="90000"/>
+                      </a:schemeClr>
+                    </a:solidFill>
+                  </a:tcPr>
                 </a:tc>
                 <a:tc>
                   <a:txBody>
@@ -13404,7 +13526,13 @@
                       </a:r>
                     </a:p>
                   </a:txBody>
-                  <a:tcPr/>
+                  <a:tcPr>
+                    <a:solidFill>
+                      <a:schemeClr val="accent5">
+                        <a:lumMod val="90000"/>
+                      </a:schemeClr>
+                    </a:solidFill>
+                  </a:tcPr>
                 </a:tc>
                 <a:tc>
                   <a:txBody>
@@ -13596,7 +13724,13 @@
                       </a:r>
                     </a:p>
                   </a:txBody>
-                  <a:tcPr/>
+                  <a:tcPr>
+                    <a:solidFill>
+                      <a:schemeClr val="accent5">
+                        <a:lumMod val="90000"/>
+                      </a:schemeClr>
+                    </a:solidFill>
+                  </a:tcPr>
                 </a:tc>
                 <a:tc>
                   <a:txBody>
@@ -13771,13 +13905,13 @@
           <p:nvPr>
             <p:extLst>
               <p:ext uri="{D42A27DB-BD31-4B8C-83A1-F6EECF244321}">
-                <p14:modId xmlns:p14="http://schemas.microsoft.com/office/powerpoint/2010/main" val="2068182917"/>
+                <p14:modId xmlns:p14="http://schemas.microsoft.com/office/powerpoint/2010/main" val="1737882745"/>
               </p:ext>
             </p:extLst>
           </p:nvPr>
         </p:nvGraphicFramePr>
         <p:xfrm>
-          <a:off x="6426635" y="2017260"/>
+          <a:off x="6426635" y="2027044"/>
           <a:ext cx="5075701" cy="2075593"/>
         </p:xfrm>
         <a:graphic>
@@ -13875,7 +14009,9 @@
                   </a:txBody>
                   <a:tcPr>
                     <a:solidFill>
-                      <a:schemeClr val="accent5"/>
+                      <a:schemeClr val="accent5">
+                        <a:lumMod val="90000"/>
+                      </a:schemeClr>
                     </a:solidFill>
                   </a:tcPr>
                 </a:tc>
@@ -13900,7 +14036,9 @@
                   </a:txBody>
                   <a:tcPr>
                     <a:solidFill>
-                      <a:schemeClr val="accent5"/>
+                      <a:schemeClr val="accent5">
+                        <a:lumMod val="90000"/>
+                      </a:schemeClr>
                     </a:solidFill>
                   </a:tcPr>
                 </a:tc>
@@ -13933,7 +14071,9 @@
                   </a:txBody>
                   <a:tcPr>
                     <a:solidFill>
-                      <a:schemeClr val="accent5"/>
+                      <a:schemeClr val="accent5">
+                        <a:lumMod val="90000"/>
+                      </a:schemeClr>
                     </a:solidFill>
                   </a:tcPr>
                 </a:tc>
@@ -13966,7 +14106,9 @@
                   </a:txBody>
                   <a:tcPr>
                     <a:solidFill>
-                      <a:schemeClr val="accent5"/>
+                      <a:schemeClr val="accent5">
+                        <a:lumMod val="90000"/>
+                      </a:schemeClr>
                     </a:solidFill>
                   </a:tcPr>
                 </a:tc>
@@ -14029,7 +14171,13 @@
                       </a:r>
                     </a:p>
                   </a:txBody>
-                  <a:tcPr/>
+                  <a:tcPr>
+                    <a:solidFill>
+                      <a:schemeClr val="accent5">
+                        <a:lumMod val="90000"/>
+                      </a:schemeClr>
+                    </a:solidFill>
+                  </a:tcPr>
                 </a:tc>
                 <a:tc>
                   <a:txBody>
@@ -14181,7 +14329,13 @@
                       </a:endParaRPr>
                     </a:p>
                   </a:txBody>
-                  <a:tcPr/>
+                  <a:tcPr>
+                    <a:solidFill>
+                      <a:schemeClr val="accent5">
+                        <a:lumMod val="90000"/>
+                      </a:schemeClr>
+                    </a:solidFill>
+                  </a:tcPr>
                 </a:tc>
                 <a:tc>
                   <a:txBody>
@@ -14373,7 +14527,13 @@
                       </a:r>
                     </a:p>
                   </a:txBody>
-                  <a:tcPr/>
+                  <a:tcPr>
+                    <a:solidFill>
+                      <a:schemeClr val="accent5">
+                        <a:lumMod val="90000"/>
+                      </a:schemeClr>
+                    </a:solidFill>
+                  </a:tcPr>
                 </a:tc>
                 <a:tc>
                   <a:txBody>
@@ -14565,7 +14725,13 @@
                       </a:r>
                     </a:p>
                   </a:txBody>
-                  <a:tcPr/>
+                  <a:tcPr>
+                    <a:solidFill>
+                      <a:schemeClr val="accent5">
+                        <a:lumMod val="90000"/>
+                      </a:schemeClr>
+                    </a:solidFill>
+                  </a:tcPr>
                 </a:tc>
                 <a:tc>
                   <a:txBody>
@@ -14757,7 +14923,13 @@
                       </a:r>
                     </a:p>
                   </a:txBody>
-                  <a:tcPr/>
+                  <a:tcPr>
+                    <a:solidFill>
+                      <a:schemeClr val="accent5">
+                        <a:lumMod val="90000"/>
+                      </a:schemeClr>
+                    </a:solidFill>
+                  </a:tcPr>
                 </a:tc>
                 <a:tc>
                   <a:txBody>
@@ -14932,7 +15104,7 @@
           <p:nvPr>
             <p:extLst>
               <p:ext uri="{D42A27DB-BD31-4B8C-83A1-F6EECF244321}">
-                <p14:modId xmlns:p14="http://schemas.microsoft.com/office/powerpoint/2010/main" val="3015194428"/>
+                <p14:modId xmlns:p14="http://schemas.microsoft.com/office/powerpoint/2010/main" val="2699469984"/>
               </p:ext>
             </p:extLst>
           </p:nvPr>
@@ -15036,7 +15208,9 @@
                   </a:txBody>
                   <a:tcPr>
                     <a:solidFill>
-                      <a:schemeClr val="accent5"/>
+                      <a:schemeClr val="accent5">
+                        <a:lumMod val="90000"/>
+                      </a:schemeClr>
                     </a:solidFill>
                   </a:tcPr>
                 </a:tc>
@@ -15061,7 +15235,9 @@
                   </a:txBody>
                   <a:tcPr>
                     <a:solidFill>
-                      <a:schemeClr val="accent5"/>
+                      <a:schemeClr val="accent5">
+                        <a:lumMod val="90000"/>
+                      </a:schemeClr>
                     </a:solidFill>
                   </a:tcPr>
                 </a:tc>
@@ -15094,7 +15270,9 @@
                   </a:txBody>
                   <a:tcPr>
                     <a:solidFill>
-                      <a:schemeClr val="accent5"/>
+                      <a:schemeClr val="accent5">
+                        <a:lumMod val="90000"/>
+                      </a:schemeClr>
                     </a:solidFill>
                   </a:tcPr>
                 </a:tc>
@@ -15127,7 +15305,9 @@
                   </a:txBody>
                   <a:tcPr>
                     <a:solidFill>
-                      <a:schemeClr val="accent5"/>
+                      <a:schemeClr val="accent5">
+                        <a:lumMod val="90000"/>
+                      </a:schemeClr>
                     </a:solidFill>
                   </a:tcPr>
                 </a:tc>
@@ -15173,7 +15353,13 @@
                       </a:r>
                     </a:p>
                   </a:txBody>
-                  <a:tcPr/>
+                  <a:tcPr>
+                    <a:solidFill>
+                      <a:schemeClr val="accent5">
+                        <a:lumMod val="90000"/>
+                      </a:schemeClr>
+                    </a:solidFill>
+                  </a:tcPr>
                 </a:tc>
                 <a:tc>
                   <a:txBody>
@@ -15365,7 +15551,13 @@
                       </a:r>
                     </a:p>
                   </a:txBody>
-                  <a:tcPr/>
+                  <a:tcPr>
+                    <a:solidFill>
+                      <a:schemeClr val="accent5">
+                        <a:lumMod val="90000"/>
+                      </a:schemeClr>
+                    </a:solidFill>
+                  </a:tcPr>
                 </a:tc>
                 <a:tc>
                   <a:txBody>
@@ -15557,7 +15749,13 @@
                       </a:r>
                     </a:p>
                   </a:txBody>
-                  <a:tcPr/>
+                  <a:tcPr>
+                    <a:solidFill>
+                      <a:schemeClr val="accent5">
+                        <a:lumMod val="90000"/>
+                      </a:schemeClr>
+                    </a:solidFill>
+                  </a:tcPr>
                 </a:tc>
                 <a:tc>
                   <a:txBody>
@@ -15913,12 +16111,12 @@
     </p:spTree>
     <p:extLst>
       <p:ext uri="{BB962C8B-B14F-4D97-AF65-F5344CB8AC3E}">
-        <p14:creationId xmlns:p14="http://schemas.microsoft.com/office/powerpoint/2010/main" val="709644983"/>
+        <p14:creationId xmlns:p14="http://schemas.microsoft.com/office/powerpoint/2010/main" val="1857447153"/>
       </p:ext>
     </p:extLst>
   </p:cSld>
   <p:clrMapOvr>
-    <a:masterClrMapping/>
+    <a:overrideClrMapping bg1="lt1" tx1="dk1" bg2="lt2" tx2="dk2" accent1="accent1" accent2="accent2" accent3="accent3" accent4="accent4" accent5="accent5" accent6="accent6" hlink="hlink" folHlink="folHlink"/>
   </p:clrMapOvr>
 </p:sld>
 </file>
@@ -28292,7 +28490,7 @@
         <p:spPr bwMode="auto">
           <a:xfrm>
             <a:off x="2444829" y="516256"/>
-            <a:ext cx="8993651" cy="2323713"/>
+            <a:ext cx="8993651" cy="2385268"/>
           </a:xfrm>
           <a:prstGeom prst="rect">
             <a:avLst/>
@@ -28452,7 +28650,7 @@
               <a:t>2. </a:t>
             </a:r>
             <a:r>
-              <a:rPr lang="es-ES_tradnl" altLang="ja-JP" sz="5400" b="1" dirty="0" err="1">
+              <a:rPr lang="es-ES_tradnl" altLang="ja-JP" sz="4000" b="1" dirty="0" err="1">
                 <a:solidFill>
                   <a:srgbClr val="006666"/>
                 </a:solidFill>
@@ -28474,7 +28672,7 @@
               <a:t>: </a:t>
             </a:r>
             <a:r>
-              <a:rPr lang="es-ES_tradnl" altLang="ja-JP" sz="3600" b="1" dirty="0">
+              <a:rPr lang="es-ES_tradnl" altLang="ja-JP" sz="4000" b="1" dirty="0">
                 <a:solidFill>
                   <a:srgbClr val="006666"/>
                 </a:solidFill>
@@ -28485,7 +28683,7 @@
               <a:t>Machismo and </a:t>
             </a:r>
             <a:r>
-              <a:rPr lang="es-ES_tradnl" altLang="ja-JP" sz="3600" b="1" dirty="0" err="1">
+              <a:rPr lang="es-ES_tradnl" altLang="ja-JP" sz="4000" b="1" dirty="0" err="1">
                 <a:solidFill>
                   <a:srgbClr val="006666"/>
                 </a:solidFill>
@@ -28496,7 +28694,7 @@
               <a:t>Sexism</a:t>
             </a:r>
             <a:r>
-              <a:rPr lang="es-ES_tradnl" altLang="ja-JP" sz="3600" b="1" dirty="0">
+              <a:rPr lang="es-ES_tradnl" altLang="ja-JP" sz="4000" b="1" dirty="0">
                 <a:solidFill>
                   <a:srgbClr val="006666"/>
                 </a:solidFill>
@@ -28507,7 +28705,7 @@
               <a:t> Twitter </a:t>
             </a:r>
             <a:r>
-              <a:rPr lang="es-ES_tradnl" altLang="ja-JP" sz="3600" b="1" dirty="0" err="1">
+              <a:rPr lang="es-ES_tradnl" altLang="ja-JP" sz="4000" b="1" dirty="0" err="1">
                 <a:solidFill>
                   <a:srgbClr val="006666"/>
                 </a:solidFill>
@@ -28518,7 +28716,7 @@
               <a:t>Identification</a:t>
             </a:r>
             <a:r>
-              <a:rPr lang="es-ES_tradnl" altLang="ja-JP" sz="3600" b="1" dirty="0">
+              <a:rPr lang="es-ES_tradnl" altLang="ja-JP" sz="4000" b="1" dirty="0">
                 <a:solidFill>
                   <a:srgbClr val="006666"/>
                 </a:solidFill>
@@ -28529,7 +28727,7 @@
               <a:t> </a:t>
             </a:r>
             <a:r>
-              <a:rPr lang="es-ES_tradnl" altLang="ja-JP" sz="3600" b="1" dirty="0" err="1">
+              <a:rPr lang="es-ES_tradnl" altLang="ja-JP" sz="4000" b="1" dirty="0" err="1">
                 <a:solidFill>
                   <a:srgbClr val="006666"/>
                 </a:solidFill>
@@ -28540,7 +28738,7 @@
               <a:t>dataset</a:t>
             </a:r>
             <a:r>
-              <a:rPr lang="es-ES_tradnl" altLang="ja-JP" sz="3600" b="1" dirty="0">
+              <a:rPr lang="es-ES_tradnl" altLang="ja-JP" sz="4000" b="1" dirty="0">
                 <a:solidFill>
                   <a:srgbClr val="006666"/>
                 </a:solidFill>
@@ -30075,14 +30273,11 @@
           <a:lstStyle/>
           <a:p>
             <a:pPr algn="just">
-              <a:lnSpc>
-                <a:spcPct val="200000"/>
-              </a:lnSpc>
               <a:buFont typeface="Wingdings" panose="05000000000000000000" pitchFamily="2" charset="2"/>
               <a:buChar char="§"/>
             </a:pPr>
             <a:r>
-              <a:rPr lang="es-ES" altLang="es-ES" sz="2600" dirty="0">
+              <a:rPr lang="es-ES" altLang="es-ES" dirty="0">
                 <a:solidFill>
                   <a:srgbClr val="006666"/>
                 </a:solidFill>
@@ -30091,7 +30286,7 @@
               <a:t>Proceso de </a:t>
             </a:r>
             <a:r>
-              <a:rPr lang="es-ES" altLang="es-ES" sz="2600" i="1" dirty="0" err="1">
+              <a:rPr lang="es-ES" altLang="es-ES" i="1" dirty="0" err="1">
                 <a:solidFill>
                   <a:srgbClr val="006666"/>
                 </a:solidFill>
@@ -30100,7 +30295,7 @@
               <a:t>crawling</a:t>
             </a:r>
             <a:r>
-              <a:rPr lang="es-ES" altLang="es-ES" sz="2600" dirty="0">
+              <a:rPr lang="es-ES" altLang="es-ES" dirty="0">
                 <a:solidFill>
                   <a:srgbClr val="006666"/>
                 </a:solidFill>
@@ -30109,7 +30304,7 @@
               <a:t> durante </a:t>
             </a:r>
             <a:r>
-              <a:rPr lang="es-ES" altLang="es-ES" sz="2600" b="1" dirty="0">
+              <a:rPr lang="es-ES" altLang="es-ES" b="1" dirty="0">
                 <a:solidFill>
                   <a:srgbClr val="009999"/>
                 </a:solidFill>
@@ -30118,7 +30313,7 @@
               <a:t>6 meses </a:t>
             </a:r>
             <a:r>
-              <a:rPr lang="es-ES" altLang="es-ES" sz="2600" dirty="0">
+              <a:rPr lang="es-ES" altLang="es-ES" dirty="0">
                 <a:solidFill>
                   <a:srgbClr val="006666"/>
                 </a:solidFill>
@@ -30129,14 +30324,11 @@
           </a:p>
           <a:p>
             <a:pPr algn="just">
-              <a:lnSpc>
-                <a:spcPct val="200000"/>
-              </a:lnSpc>
               <a:buFont typeface="Wingdings" panose="05000000000000000000" pitchFamily="2" charset="2"/>
               <a:buChar char="§"/>
             </a:pPr>
             <a:r>
-              <a:rPr lang="es-ES" altLang="es-ES" sz="2600" dirty="0">
+              <a:rPr lang="es-ES" altLang="es-ES" dirty="0">
                 <a:solidFill>
                   <a:srgbClr val="006666"/>
                 </a:solidFill>
@@ -30145,7 +30337,7 @@
               <a:t>Se almacenaron un total de </a:t>
             </a:r>
             <a:r>
-              <a:rPr lang="es-ES" altLang="es-ES" sz="2600" b="1" dirty="0">
+              <a:rPr lang="es-ES" altLang="es-ES" b="1" dirty="0">
                 <a:solidFill>
                   <a:srgbClr val="009999"/>
                 </a:solidFill>
@@ -30154,7 +30346,7 @@
               <a:t>181.792 tweets</a:t>
             </a:r>
             <a:r>
-              <a:rPr lang="es-ES" altLang="es-ES" sz="2600" dirty="0">
+              <a:rPr lang="es-ES" altLang="es-ES" dirty="0">
                 <a:solidFill>
                   <a:srgbClr val="009999"/>
                 </a:solidFill>
@@ -30163,7 +30355,7 @@
               <a:t> </a:t>
             </a:r>
             <a:r>
-              <a:rPr lang="es-ES" altLang="es-ES" sz="2600" dirty="0">
+              <a:rPr lang="es-ES" altLang="es-ES" dirty="0">
                 <a:solidFill>
                   <a:srgbClr val="006666"/>
                 </a:solidFill>
@@ -30174,14 +30366,11 @@
           </a:p>
           <a:p>
             <a:pPr algn="just">
-              <a:lnSpc>
-                <a:spcPct val="200000"/>
-              </a:lnSpc>
               <a:buFont typeface="Wingdings" panose="05000000000000000000" pitchFamily="2" charset="2"/>
               <a:buChar char="§"/>
             </a:pPr>
             <a:r>
-              <a:rPr lang="es-ES" altLang="es-ES" sz="2600" dirty="0">
+              <a:rPr lang="es-ES" altLang="es-ES" dirty="0">
                 <a:solidFill>
                   <a:srgbClr val="006666"/>
                 </a:solidFill>
@@ -30190,7 +30379,7 @@
               <a:t>Límite diario de </a:t>
             </a:r>
             <a:r>
-              <a:rPr lang="es-ES" altLang="es-ES" sz="2600" b="1" dirty="0">
+              <a:rPr lang="es-ES" altLang="es-ES" b="1" dirty="0">
                 <a:solidFill>
                   <a:srgbClr val="009999"/>
                 </a:solidFill>
@@ -30199,7 +30388,7 @@
               <a:t>100 tweets por término</a:t>
             </a:r>
             <a:r>
-              <a:rPr lang="es-ES" altLang="es-ES" sz="2600" dirty="0">
+              <a:rPr lang="es-ES" altLang="es-ES" dirty="0">
                 <a:solidFill>
                   <a:srgbClr val="006666"/>
                 </a:solidFill>
@@ -31787,4 +31976,47 @@
     </a:ext>
   </a:extLst>
 </a:theme>
+</file>
+
+<file path=ppt/theme/themeOverride1.xml><?xml version="1.0" encoding="utf-8"?>
+<a:themeOverride xmlns:a="http://schemas.openxmlformats.org/drawingml/2006/main">
+  <a:clrScheme name="Diseño predeterminado 1">
+    <a:dk1>
+      <a:srgbClr val="000000"/>
+    </a:dk1>
+    <a:lt1>
+      <a:srgbClr val="FFFFFF"/>
+    </a:lt1>
+    <a:dk2>
+      <a:srgbClr val="000000"/>
+    </a:dk2>
+    <a:lt2>
+      <a:srgbClr val="808080"/>
+    </a:lt2>
+    <a:accent1>
+      <a:srgbClr val="BBE0E3"/>
+    </a:accent1>
+    <a:accent2>
+      <a:srgbClr val="333399"/>
+    </a:accent2>
+    <a:accent3>
+      <a:srgbClr val="FFFFFF"/>
+    </a:accent3>
+    <a:accent4>
+      <a:srgbClr val="000000"/>
+    </a:accent4>
+    <a:accent5>
+      <a:srgbClr val="DAEDEF"/>
+    </a:accent5>
+    <a:accent6>
+      <a:srgbClr val="2D2D8A"/>
+    </a:accent6>
+    <a:hlink>
+      <a:srgbClr val="009999"/>
+    </a:hlink>
+    <a:folHlink>
+      <a:srgbClr val="99CC00"/>
+    </a:folHlink>
+  </a:clrScheme>
+</a:themeOverride>
 </file>
--- a/TFM_Francisco_Rodriguez.pptx
+++ b/TFM_Francisco_Rodriguez.pptx
@@ -286,7 +286,7 @@
           <a:p>
             <a:fld id="{E01746FB-99A3-4E74-B466-02D768A2850C}" type="datetimeFigureOut">
               <a:rPr lang="es-ES" smtClean="0"/>
-              <a:t>01/07/2019</a:t>
+              <a:t>02/07/2019</a:t>
             </a:fld>
             <a:endParaRPr lang="es-ES"/>
           </a:p>
@@ -463,7 +463,7 @@
           <a:p>
             <a:fld id="{EA6B01D0-CF01-4366-A8E3-2BEB399DF92F}" type="datetimeFigureOut">
               <a:rPr lang="es-ES" smtClean="0"/>
-              <a:t>01/07/2019</a:t>
+              <a:t>02/07/2019</a:t>
             </a:fld>
             <a:endParaRPr lang="es-ES"/>
           </a:p>
